--- a/docs/index.pptx
+++ b/docs/index.pptx
@@ -40,6 +40,7 @@
     <p:sldId id="288" r:id="rId34"/>
     <p:sldId id="289" r:id="rId35"/>
     <p:sldId id="290" r:id="rId36"/>
+    <p:sldId id="291" r:id="rId37"/>
   </p:sldIdLst>
   <p:sldSz cx="9144000" cy="5143500" type="screen16x9"/>
   <p:notesSz cx="6858000" cy="9144000"/>
@@ -4610,7 +4611,7 @@
             </a:pPr>
             <a:r>
               <a:rPr/>
-              <a:t>Demo</a:t>
+              <a:t>Super quickstart</a:t>
             </a:r>
           </a:p>
         </p:txBody>
@@ -4633,98 +4634,103 @@
             <a:pPr lvl="0"/>
             <a:r>
               <a:rPr/>
-              <a:t>Basics: </a:t>
-            </a:r>
-            <a:r>
-              <a:rPr>
-                <a:latin typeface="Courier"/>
-              </a:rPr>
-              <a:t>scripts/nix_expressions/01_rix_intro/</a:t>
+              <a:t>Uninstall R and RStudio</a:t>
             </a:r>
           </a:p>
           <a:p>
             <a:pPr lvl="0"/>
             <a:r>
               <a:rPr/>
-              <a:t>Native Code/Positron on Windows: </a:t>
-            </a:r>
-            <a:r>
-              <a:rPr>
-                <a:latin typeface="Courier"/>
-              </a:rPr>
-              <a:t>scripts/nix_expressions/02_native_vscode_example/</a:t>
+              <a:t>Install Nix (on </a:t>
+            </a:r>
+            <a:r>
+              <a:rPr>
+                <a:hlinkClick r:id="rId2"/>
+              </a:rPr>
+              <a:t>win/linux</a:t>
+            </a:r>
+            <a:r>
+              <a:rPr/>
+              <a:t> or on </a:t>
+            </a:r>
+            <a:r>
+              <a:rPr>
+                <a:hlinkClick r:id="rId3"/>
+              </a:rPr>
+              <a:t>macOS</a:t>
+            </a:r>
+            <a:r>
+              <a:rPr/>
+              <a:t>)</a:t>
             </a:r>
           </a:p>
           <a:p>
             <a:pPr lvl="0"/>
             <a:r>
               <a:rPr/>
-              <a:t>Nix and </a:t>
-            </a:r>
-            <a:r>
-              <a:rPr>
-                <a:latin typeface="Courier"/>
-              </a:rPr>
-              <a:t>{targets}</a:t>
-            </a:r>
-            <a:r>
-              <a:rPr/>
-              <a:t>: </a:t>
-            </a:r>
-            <a:r>
-              <a:rPr>
-                <a:latin typeface="Courier"/>
-              </a:rPr>
-              <a:t>scripts/nix_expressions/03_nix_targets_pipeline</a:t>
+              <a:t>Start a temporary Nix shell to bootstrap your environments:</a:t>
+            </a:r>
+          </a:p>
+          <a:p>
+            <a:pPr lvl="0" indent="0" marL="0">
+              <a:buNone/>
+            </a:pPr>
+            <a:r>
+              <a:rPr/>
+              <a:t>. . .</a:t>
+            </a:r>
+          </a:p>
+          <a:p>
+            <a:pPr lvl="0" indent="0">
+              <a:buNone/>
+            </a:pPr>
+            <a:r>
+              <a:rPr>
+                <a:latin typeface="Courier"/>
+              </a:rPr>
+              <a:t>nix-shell </a:t>
+            </a:r>
+            <a:r>
+              <a:rPr>
+                <a:solidFill>
+                  <a:srgbClr val="7D9029"/>
+                </a:solidFill>
+                <a:latin typeface="Courier"/>
+              </a:rPr>
+              <a:t>-p</a:t>
+            </a:r>
+            <a:r>
+              <a:rPr>
+                <a:latin typeface="Courier"/>
+              </a:rPr>
+              <a:t> R rPackages.rix</a:t>
             </a:r>
           </a:p>
           <a:p>
             <a:pPr lvl="0"/>
             <a:r>
               <a:rPr/>
-              <a:t>Nix and Docker: </a:t>
-            </a:r>
-            <a:r>
-              <a:rPr>
-                <a:latin typeface="Courier"/>
-              </a:rPr>
-              <a:t>scripts/nix_expressions/04_docker/</a:t>
-            </a:r>
-          </a:p>
-          <a:p>
-            <a:pPr lvl="0"/>
-            <a:r>
-              <a:rPr/>
-              <a:t>Nix and </a:t>
-            </a:r>
-            <a:r>
-              <a:rPr>
-                <a:latin typeface="Courier"/>
-              </a:rPr>
-              <a:t>{shiny}</a:t>
-            </a:r>
-            <a:r>
-              <a:rPr/>
-              <a:t>: </a:t>
-            </a:r>
-            <a:r>
-              <a:rPr>
-                <a:latin typeface="Courier"/>
-              </a:rPr>
-              <a:t>scripts/nix_expressions/05_shiny</a:t>
-            </a:r>
-          </a:p>
-          <a:p>
-            <a:pPr lvl="0"/>
-            <a:r>
-              <a:rPr/>
-              <a:t>GitHub Actions: </a:t>
-            </a:r>
-            <a:r>
-              <a:rPr>
-                <a:hlinkClick r:id="rId2"/>
-              </a:rPr>
-              <a:t>see here</a:t>
+              <a:t>Source a </a:t>
+            </a:r>
+            <a:r>
+              <a:rPr>
+                <a:latin typeface="Courier"/>
+              </a:rPr>
+              <a:t>gen_env.R</a:t>
+            </a:r>
+            <a:r>
+              <a:rPr/>
+              <a:t> script that generates a </a:t>
+            </a:r>
+            <a:r>
+              <a:rPr>
+                <a:latin typeface="Courier"/>
+              </a:rPr>
+              <a:t>default.nix</a:t>
+            </a:r>
+            <a:r>
+              <a:rPr/>
+              <a:t> and build that!</a:t>
             </a:r>
           </a:p>
         </p:txBody>
@@ -4761,12 +4767,7 @@
             <p:ph type="title"/>
           </p:nvPr>
         </p:nvSpPr>
-        <p:spPr>
-          <a:xfrm>
-            <a:off x="722313" y="3305176"/>
-            <a:ext cx="7772400" cy="1021556"/>
-          </a:xfrm>
-        </p:spPr>
+        <p:spPr/>
         <p:txBody>
           <a:bodyPr/>
           <a:lstStyle/>
@@ -4776,13 +4777,121 @@
             </a:pPr>
             <a:r>
               <a:rPr/>
-              <a:t>Part 2: Reproducible analytical pipelines with </a:t>
-            </a:r>
-            <a:r>
-              <a:rPr>
-                <a:latin typeface="Courier"/>
-              </a:rPr>
-              <a:t>{rixpress}</a:t>
+              <a:t>Demo</a:t>
+            </a:r>
+          </a:p>
+        </p:txBody>
+      </p:sp>
+      <p:sp>
+        <p:nvSpPr>
+          <p:cNvPr id="3" name="Content Placeholder 2"/>
+          <p:cNvSpPr>
+            <a:spLocks noGrp="1"/>
+          </p:cNvSpPr>
+          <p:nvPr>
+            <p:ph idx="1"/>
+          </p:nvPr>
+        </p:nvSpPr>
+        <p:spPr/>
+        <p:txBody>
+          <a:bodyPr/>
+          <a:lstStyle/>
+          <a:p>
+            <a:pPr lvl="0"/>
+            <a:r>
+              <a:rPr/>
+              <a:t>Basics: </a:t>
+            </a:r>
+            <a:r>
+              <a:rPr>
+                <a:latin typeface="Courier"/>
+              </a:rPr>
+              <a:t>scripts/nix_expressions/01_rix_intro/</a:t>
+            </a:r>
+          </a:p>
+          <a:p>
+            <a:pPr lvl="0"/>
+            <a:r>
+              <a:rPr/>
+              <a:t>Native Code/Positron on Windows: </a:t>
+            </a:r>
+            <a:r>
+              <a:rPr>
+                <a:latin typeface="Courier"/>
+              </a:rPr>
+              <a:t>scripts/nix_expressions/02_native_vscode_example/</a:t>
+            </a:r>
+          </a:p>
+          <a:p>
+            <a:pPr lvl="0"/>
+            <a:r>
+              <a:rPr/>
+              <a:t>Nix and </a:t>
+            </a:r>
+            <a:r>
+              <a:rPr>
+                <a:latin typeface="Courier"/>
+              </a:rPr>
+              <a:t>{targets}</a:t>
+            </a:r>
+            <a:r>
+              <a:rPr/>
+              <a:t>: </a:t>
+            </a:r>
+            <a:r>
+              <a:rPr>
+                <a:latin typeface="Courier"/>
+              </a:rPr>
+              <a:t>scripts/nix_expressions/03_nix_targets_pipeline</a:t>
+            </a:r>
+          </a:p>
+          <a:p>
+            <a:pPr lvl="0"/>
+            <a:r>
+              <a:rPr/>
+              <a:t>Nix and Docker: </a:t>
+            </a:r>
+            <a:r>
+              <a:rPr>
+                <a:latin typeface="Courier"/>
+              </a:rPr>
+              <a:t>scripts/nix_expressions/04_docker/</a:t>
+            </a:r>
+          </a:p>
+          <a:p>
+            <a:pPr lvl="0"/>
+            <a:r>
+              <a:rPr/>
+              <a:t>Nix and </a:t>
+            </a:r>
+            <a:r>
+              <a:rPr>
+                <a:latin typeface="Courier"/>
+              </a:rPr>
+              <a:t>{shiny}</a:t>
+            </a:r>
+            <a:r>
+              <a:rPr/>
+              <a:t>: </a:t>
+            </a:r>
+            <a:r>
+              <a:rPr>
+                <a:latin typeface="Courier"/>
+              </a:rPr>
+              <a:t>scripts/nix_expressions/05_shiny</a:t>
+            </a:r>
+          </a:p>
+          <a:p>
+            <a:pPr lvl="0"/>
+            <a:r>
+              <a:rPr/>
+              <a:t>GitHub Actions: </a:t>
+            </a:r>
+            <a:r>
+              <a:rPr>
+                <a:hlinkClick r:id="rId2"/>
+              </a:rPr>
+              <a:t>see here</a:t>
             </a:r>
           </a:p>
         </p:txBody>
@@ -4891,7 +5000,12 @@
             <p:ph type="title"/>
           </p:nvPr>
         </p:nvSpPr>
-        <p:spPr/>
+        <p:spPr>
+          <a:xfrm>
+            <a:off x="722313" y="3305176"/>
+            <a:ext cx="7772400" cy="1021556"/>
+          </a:xfrm>
+        </p:spPr>
         <p:txBody>
           <a:bodyPr/>
           <a:lstStyle/>
@@ -4901,69 +5015,13 @@
             </a:pPr>
             <a:r>
               <a:rPr/>
-              <a:t>Introduction (1/3)</a:t>
-            </a:r>
-          </a:p>
-        </p:txBody>
-      </p:sp>
-      <p:sp>
-        <p:nvSpPr>
-          <p:cNvPr id="3" name="Content Placeholder 2"/>
-          <p:cNvSpPr>
-            <a:spLocks noGrp="1"/>
-          </p:cNvSpPr>
-          <p:nvPr>
-            <p:ph idx="1"/>
-          </p:nvPr>
-        </p:nvSpPr>
-        <p:spPr/>
-        <p:txBody>
-          <a:bodyPr/>
-          <a:lstStyle/>
-          <a:p>
-            <a:pPr lvl="0"/>
-            <a:r>
-              <a:rPr/>
-              <a:t>Nix is actually more than just a mere package manager</a:t>
-            </a:r>
-          </a:p>
-          <a:p>
-            <a:pPr lvl="0"/>
-            <a:r>
-              <a:rPr/>
-              <a:t>Nix is complete end-to-end build tool that leverages functional programming principles to ensure reproducible builds</a:t>
-            </a:r>
-          </a:p>
-          <a:p>
-            <a:pPr lvl="0"/>
-            <a:r>
-              <a:rPr/>
-              <a:t>Users write Nix expressions which are then translated into Nix derivations</a:t>
-            </a:r>
-          </a:p>
-          <a:p>
-            <a:pPr lvl="0"/>
-            <a:r>
-              <a:rPr/>
-              <a:t>Derivation: </a:t>
-            </a:r>
-            <a:r>
-              <a:rPr i="1"/>
-              <a:t>a specification for running an executable on precisely defined input files to repeatably produce output files at uniquely determined file system paths.</a:t>
-            </a:r>
-            <a:r>
-              <a:rPr/>
-              <a:t> (</a:t>
-            </a:r>
-            <a:r>
-              <a:rPr>
-                <a:hlinkClick r:id="rId2"/>
-              </a:rPr>
-              <a:t>source</a:t>
-            </a:r>
-            <a:r>
-              <a:rPr/>
-              <a:t>)</a:t>
+              <a:t>Part 2: Reproducible analytical pipelines with </a:t>
+            </a:r>
+            <a:r>
+              <a:rPr>
+                <a:latin typeface="Courier"/>
+              </a:rPr>
+              <a:t>{rixpress}</a:t>
             </a:r>
           </a:p>
         </p:txBody>
@@ -5010,7 +5068,7 @@
             </a:pPr>
             <a:r>
               <a:rPr/>
-              <a:t>Introduction (2/3)</a:t>
+              <a:t>Introduction (1/3)</a:t>
             </a:r>
           </a:p>
         </p:txBody>
@@ -5033,43 +5091,46 @@
             <a:pPr lvl="0"/>
             <a:r>
               <a:rPr/>
-              <a:t>Essentially: a derivation is a recipe with precisely defined inputs, steps, and a fixed output.</a:t>
+              <a:t>Nix is actually more than just a mere package manager</a:t>
             </a:r>
           </a:p>
           <a:p>
             <a:pPr lvl="0"/>
             <a:r>
               <a:rPr/>
-              <a:t>Given identical inputs and build steps → always produce exact same output</a:t>
+              <a:t>Nix is complete end-to-end build tool that leverages functional programming principles to ensure reproducible builds</a:t>
             </a:r>
           </a:p>
           <a:p>
             <a:pPr lvl="0"/>
             <a:r>
               <a:rPr/>
-              <a:t>All inputs to a derivation must be explicitly declared.</a:t>
+              <a:t>Users write Nix expressions which are then translated into Nix derivations</a:t>
             </a:r>
           </a:p>
           <a:p>
             <a:pPr lvl="0"/>
             <a:r>
               <a:rPr/>
-              <a:t>Inputs include not just data files, but also software dependencies, configuration flags, and environment variables, essentially anything necessary for the build process.</a:t>
-            </a:r>
-          </a:p>
-          <a:p>
-            <a:pPr lvl="0"/>
-            <a:r>
-              <a:rPr/>
-              <a:t>The build process takes place in a </a:t>
+              <a:t>Derivation: </a:t>
             </a:r>
             <a:r>
               <a:rPr i="1"/>
-              <a:t>hermetic</a:t>
-            </a:r>
-            <a:r>
-              <a:rPr/>
-              <a:t> sandbox to ensure the exact same output is always produced.</a:t>
+              <a:t>a specification for running an executable on precisely defined input files to repeatably produce output files at uniquely determined file system paths.</a:t>
+            </a:r>
+            <a:r>
+              <a:rPr/>
+              <a:t> (</a:t>
+            </a:r>
+            <a:r>
+              <a:rPr>
+                <a:hlinkClick r:id="rId2"/>
+              </a:rPr>
+              <a:t>source</a:t>
+            </a:r>
+            <a:r>
+              <a:rPr/>
+              <a:t>)</a:t>
             </a:r>
           </a:p>
         </p:txBody>
@@ -5116,7 +5177,7 @@
             </a:pPr>
             <a:r>
               <a:rPr/>
-              <a:t>Introduction (3/3)</a:t>
+              <a:t>Introduction (2/3)</a:t>
             </a:r>
           </a:p>
         </p:txBody>
@@ -5138,35 +5199,44 @@
           <a:p>
             <a:pPr lvl="0"/>
             <a:r>
-              <a:rPr>
-                <a:latin typeface="Courier"/>
-              </a:rPr>
-              <a:t>{rix}</a:t>
-            </a:r>
-            <a:r>
-              <a:rPr/>
-              <a:t>: output is a </a:t>
+              <a:rPr/>
+              <a:t>Essentially: a derivation is a recipe with precisely defined inputs, steps, and a fixed output.</a:t>
+            </a:r>
+          </a:p>
+          <a:p>
+            <a:pPr lvl="0"/>
+            <a:r>
+              <a:rPr/>
+              <a:t>Given identical inputs and build steps → always produce exact same output</a:t>
+            </a:r>
+          </a:p>
+          <a:p>
+            <a:pPr lvl="0"/>
+            <a:r>
+              <a:rPr/>
+              <a:t>All inputs to a derivation must be explicitly declared.</a:t>
+            </a:r>
+          </a:p>
+          <a:p>
+            <a:pPr lvl="0"/>
+            <a:r>
+              <a:rPr/>
+              <a:t>Inputs include not just data files, but also software dependencies, configuration flags, and environment variables, essentially anything necessary for the build process.</a:t>
+            </a:r>
+          </a:p>
+          <a:p>
+            <a:pPr lvl="0"/>
+            <a:r>
+              <a:rPr/>
+              <a:t>The build process takes place in a </a:t>
             </a:r>
             <a:r>
               <a:rPr i="1"/>
-              <a:t>shell</a:t>
-            </a:r>
-            <a:r>
-              <a:rPr/>
-              <a:t> that contains required software</a:t>
-            </a:r>
-          </a:p>
-          <a:p>
-            <a:pPr lvl="0"/>
-            <a:r>
-              <a:rPr>
-                <a:latin typeface="Courier"/>
-              </a:rPr>
-              <a:t>{rixpress}</a:t>
-            </a:r>
-            <a:r>
-              <a:rPr/>
-              <a:t>: output is whatever is the output of your pipeline (cleaned dataset, Quarto/Rmd document, model predictions, model parameters/weights, model itself…)</a:t>
+              <a:t>hermetic</a:t>
+            </a:r>
+            <a:r>
+              <a:rPr/>
+              <a:t> sandbox to ensure the exact same output is always produced.</a:t>
             </a:r>
           </a:p>
         </p:txBody>
@@ -5213,7 +5283,7 @@
             </a:pPr>
             <a:r>
               <a:rPr/>
-              <a:t>rixpress</a:t>
+              <a:t>Introduction (3/3)</a:t>
             </a:r>
           </a:p>
         </p:txBody>
@@ -5238,64 +5308,32 @@
               <a:rPr>
                 <a:latin typeface="Courier"/>
               </a:rPr>
+              <a:t>{rix}</a:t>
+            </a:r>
+            <a:r>
+              <a:rPr/>
+              <a:t>: output is a </a:t>
+            </a:r>
+            <a:r>
+              <a:rPr i="1"/>
+              <a:t>shell</a:t>
+            </a:r>
+            <a:r>
+              <a:rPr/>
+              <a:t> that contains required software</a:t>
+            </a:r>
+          </a:p>
+          <a:p>
+            <a:pPr lvl="0"/>
+            <a:r>
+              <a:rPr>
+                <a:latin typeface="Courier"/>
+              </a:rPr>
               <a:t>{rixpress}</a:t>
             </a:r>
             <a:r>
               <a:rPr/>
-              <a:t> allows chaining processing steps in R </a:t>
-            </a:r>
-            <a:r>
-              <a:rPr b="1"/>
-              <a:t>and</a:t>
-            </a:r>
-            <a:r>
-              <a:rPr/>
-              <a:t> Python</a:t>
-            </a:r>
-          </a:p>
-          <a:p>
-            <a:pPr lvl="0"/>
-            <a:r>
-              <a:rPr/>
-              <a:t>Uses </a:t>
-            </a:r>
-            <a:r>
-              <a:rPr>
-                <a:latin typeface="Courier"/>
-              </a:rPr>
-              <a:t>{rix}</a:t>
-            </a:r>
-            <a:r>
-              <a:rPr/>
-              <a:t> to create a reproducible (via Nix) execution environment for the pipeline</a:t>
-            </a:r>
-          </a:p>
-          <a:p>
-            <a:pPr lvl="0"/>
-            <a:r>
-              <a:rPr/>
-              <a:t>Each pipeline step is a </a:t>
-            </a:r>
-            <a:r>
-              <a:rPr b="1"/>
-              <a:t>Nix derivation</a:t>
-            </a:r>
-          </a:p>
-          <a:p>
-            <a:pPr lvl="0"/>
-            <a:r>
-              <a:rPr/>
-              <a:t>Data transfer: automatic via </a:t>
-            </a:r>
-            <a:r>
-              <a:rPr>
-                <a:latin typeface="Courier"/>
-              </a:rPr>
-              <a:t>reticulate</a:t>
-            </a:r>
-            <a:r>
-              <a:rPr/>
-              <a:t> or universal format (CSV, JSON, Parquet…)</a:t>
+              <a:t>: output is whatever is the output of your pipeline (cleaned dataset, Quarto/Rmd document, model predictions, model parameters/weights, model itself…)</a:t>
             </a:r>
           </a:p>
         </p:txBody>
@@ -5342,7 +5380,7 @@
             </a:pPr>
             <a:r>
               <a:rPr/>
-              <a:t>An example of a polyglot pipeline</a:t>
+              <a:t>rixpress</a:t>
             </a:r>
           </a:p>
         </p:txBody>
@@ -5362,362 +5400,69 @@
           <a:bodyPr/>
           <a:lstStyle/>
           <a:p>
-            <a:pPr lvl="0" indent="0">
-              <a:buNone/>
-            </a:pPr>
-            <a:r>
-              <a:rPr>
-                <a:solidFill>
-                  <a:srgbClr val="06287E"/>
-                </a:solidFill>
-                <a:latin typeface="Courier"/>
-              </a:rPr>
-              <a:t>list</a:t>
-            </a:r>
-            <a:r>
-              <a:rPr>
-                <a:latin typeface="Courier"/>
-              </a:rPr>
-              <a:t>(</a:t>
-            </a:r>
-            <a:br/>
-            <a:r>
-              <a:rPr>
-                <a:latin typeface="Courier"/>
-              </a:rPr>
-              <a:t>  </a:t>
-            </a:r>
-            <a:r>
-              <a:rPr>
-                <a:solidFill>
-                  <a:srgbClr val="06287E"/>
-                </a:solidFill>
-                <a:latin typeface="Courier"/>
-              </a:rPr>
-              <a:t>rxp_py_file</a:t>
-            </a:r>
-            <a:r>
-              <a:rPr>
-                <a:latin typeface="Courier"/>
-              </a:rPr>
-              <a:t>(…),    </a:t>
-            </a:r>
-            <a:r>
-              <a:rPr i="1">
-                <a:solidFill>
-                  <a:srgbClr val="60A0B0"/>
-                </a:solidFill>
-                <a:latin typeface="Courier"/>
-              </a:rPr>
-              <a:t># Read a CSV with Python</a:t>
-            </a:r>
-            <a:br/>
-            <a:r>
-              <a:rPr>
-                <a:latin typeface="Courier"/>
-              </a:rPr>
-              <a:t>  </a:t>
-            </a:r>
-            <a:r>
-              <a:rPr>
-                <a:solidFill>
-                  <a:srgbClr val="06287E"/>
-                </a:solidFill>
-                <a:latin typeface="Courier"/>
-              </a:rPr>
-              <a:t>rxp_py</a:t>
-            </a:r>
-            <a:r>
-              <a:rPr>
-                <a:latin typeface="Courier"/>
-              </a:rPr>
-              <a:t>(…),         </a:t>
-            </a:r>
-            <a:r>
-              <a:rPr i="1">
-                <a:solidFill>
-                  <a:srgbClr val="60A0B0"/>
-                </a:solidFill>
-                <a:latin typeface="Courier"/>
-              </a:rPr>
-              <a:t># Filter with Polars</a:t>
-            </a:r>
-            <a:br/>
-            <a:r>
-              <a:rPr>
-                <a:latin typeface="Courier"/>
-              </a:rPr>
-              <a:t>  </a:t>
-            </a:r>
-            <a:r>
-              <a:rPr>
-                <a:solidFill>
-                  <a:srgbClr val="06287E"/>
-                </a:solidFill>
-                <a:latin typeface="Courier"/>
-              </a:rPr>
-              <a:t>rxp_py2r</a:t>
-            </a:r>
-            <a:r>
-              <a:rPr>
-                <a:latin typeface="Courier"/>
-              </a:rPr>
-              <a:t>(…),       </a:t>
-            </a:r>
-            <a:r>
-              <a:rPr i="1">
-                <a:solidFill>
-                  <a:srgbClr val="60A0B0"/>
-                </a:solidFill>
-                <a:latin typeface="Courier"/>
-              </a:rPr>
-              <a:t># Python → R transfer</a:t>
-            </a:r>
-            <a:br/>
-            <a:r>
-              <a:rPr>
-                <a:latin typeface="Courier"/>
-              </a:rPr>
-              <a:t>  </a:t>
-            </a:r>
-            <a:r>
-              <a:rPr>
-                <a:solidFill>
-                  <a:srgbClr val="06287E"/>
-                </a:solidFill>
-                <a:latin typeface="Courier"/>
-              </a:rPr>
-              <a:t>rxp_r</a:t>
-            </a:r>
-            <a:r>
-              <a:rPr>
-                <a:latin typeface="Courier"/>
-              </a:rPr>
-              <a:t>(…),          </a:t>
-            </a:r>
-            <a:r>
-              <a:rPr i="1">
-                <a:solidFill>
-                  <a:srgbClr val="60A0B0"/>
-                </a:solidFill>
-                <a:latin typeface="Courier"/>
-              </a:rPr>
-              <a:t># Transformation in R</a:t>
-            </a:r>
-            <a:br/>
-            <a:r>
-              <a:rPr>
-                <a:latin typeface="Courier"/>
-              </a:rPr>
-              <a:t>  </a:t>
-            </a:r>
-            <a:r>
-              <a:rPr>
-                <a:solidFill>
-                  <a:srgbClr val="06287E"/>
-                </a:solidFill>
-                <a:latin typeface="Courier"/>
-              </a:rPr>
-              <a:t>rxp_r2py</a:t>
-            </a:r>
-            <a:r>
-              <a:rPr>
-                <a:latin typeface="Courier"/>
-              </a:rPr>
-              <a:t>(…),       </a:t>
-            </a:r>
-            <a:r>
-              <a:rPr i="1">
-                <a:solidFill>
-                  <a:srgbClr val="60A0B0"/>
-                </a:solidFill>
-                <a:latin typeface="Courier"/>
-              </a:rPr>
-              <a:t># R → Python transfer</a:t>
-            </a:r>
-            <a:br/>
-            <a:r>
-              <a:rPr>
-                <a:latin typeface="Courier"/>
-              </a:rPr>
-              <a:t>  </a:t>
-            </a:r>
-            <a:r>
-              <a:rPr>
-                <a:solidFill>
-                  <a:srgbClr val="06287E"/>
-                </a:solidFill>
-                <a:latin typeface="Courier"/>
-              </a:rPr>
-              <a:t>rxp_py</a:t>
-            </a:r>
-            <a:r>
-              <a:rPr>
-                <a:latin typeface="Courier"/>
-              </a:rPr>
-              <a:t>(…),         </a:t>
-            </a:r>
-            <a:r>
-              <a:rPr i="1">
-                <a:solidFill>
-                  <a:srgbClr val="60A0B0"/>
-                </a:solidFill>
-                <a:latin typeface="Courier"/>
-              </a:rPr>
-              <a:t># Another Python step</a:t>
-            </a:r>
-            <a:br/>
-            <a:r>
-              <a:rPr>
-                <a:latin typeface="Courier"/>
-              </a:rPr>
-              <a:t>  </a:t>
-            </a:r>
-            <a:r>
-              <a:rPr>
-                <a:solidFill>
-                  <a:srgbClr val="06287E"/>
-                </a:solidFill>
-                <a:latin typeface="Courier"/>
-              </a:rPr>
-              <a:t>rxp_py2r</a:t>
-            </a:r>
-            <a:r>
-              <a:rPr>
-                <a:latin typeface="Courier"/>
-              </a:rPr>
-              <a:t>(…),       </a:t>
-            </a:r>
-            <a:r>
-              <a:rPr i="1">
-                <a:solidFill>
-                  <a:srgbClr val="60A0B0"/>
-                </a:solidFill>
-                <a:latin typeface="Courier"/>
-              </a:rPr>
-              <a:t># Back to R</a:t>
-            </a:r>
-            <a:br/>
-            <a:r>
-              <a:rPr>
-                <a:latin typeface="Courier"/>
-              </a:rPr>
-              <a:t>  </a:t>
-            </a:r>
-            <a:r>
-              <a:rPr>
-                <a:solidFill>
-                  <a:srgbClr val="06287E"/>
-                </a:solidFill>
-                <a:latin typeface="Courier"/>
-              </a:rPr>
-              <a:t>rxp_r</a:t>
-            </a:r>
-            <a:r>
-              <a:rPr>
-                <a:latin typeface="Courier"/>
-              </a:rPr>
-              <a:t>(…)           </a:t>
-            </a:r>
-            <a:r>
-              <a:rPr i="1">
-                <a:solidFill>
-                  <a:srgbClr val="60A0B0"/>
-                </a:solidFill>
-                <a:latin typeface="Courier"/>
-              </a:rPr>
-              <a:t># Final step</a:t>
-            </a:r>
-            <a:br/>
-            <a:r>
-              <a:rPr>
-                <a:latin typeface="Courier"/>
-              </a:rPr>
-              <a:t>) </a:t>
-            </a:r>
-            <a:r>
-              <a:rPr>
-                <a:solidFill>
-                  <a:srgbClr val="4070A0"/>
-                </a:solidFill>
-                <a:latin typeface="Courier"/>
-              </a:rPr>
-              <a:t>|&gt;</a:t>
-            </a:r>
-            <a:r>
-              <a:rPr>
-                <a:latin typeface="Courier"/>
-              </a:rPr>
-              <a:t> </a:t>
-            </a:r>
-            <a:r>
-              <a:rPr>
-                <a:solidFill>
-                  <a:srgbClr val="06287E"/>
-                </a:solidFill>
-                <a:latin typeface="Courier"/>
-              </a:rPr>
-              <a:t>rixpress</a:t>
-            </a:r>
-            <a:r>
-              <a:rPr>
-                <a:latin typeface="Courier"/>
-              </a:rPr>
-              <a:t>()</a:t>
-            </a:r>
-          </a:p>
-          <a:p>
             <a:pPr lvl="0"/>
             <a:r>
-              <a:rPr/>
-              <a:t>Each step is named and typed (</a:t>
-            </a:r>
-            <a:r>
-              <a:rPr>
-                <a:latin typeface="Courier"/>
-              </a:rPr>
-              <a:t>py</a:t>
-            </a:r>
-            <a:r>
-              <a:rPr/>
-              <a:t>, </a:t>
-            </a:r>
-            <a:r>
-              <a:rPr>
-                <a:latin typeface="Courier"/>
-              </a:rPr>
-              <a:t>r</a:t>
-            </a:r>
-            <a:r>
-              <a:rPr/>
-              <a:t>, </a:t>
-            </a:r>
-            <a:r>
-              <a:rPr>
-                <a:latin typeface="Courier"/>
-              </a:rPr>
-              <a:t>r2py</a:t>
-            </a:r>
-            <a:r>
-              <a:rPr/>
-              <a:t>, etc.)</a:t>
+              <a:rPr>
+                <a:latin typeface="Courier"/>
+              </a:rPr>
+              <a:t>{rixpress}</a:t>
+            </a:r>
+            <a:r>
+              <a:rPr/>
+              <a:t> allows chaining processing steps in R </a:t>
+            </a:r>
+            <a:r>
+              <a:rPr b="1"/>
+              <a:t>and</a:t>
+            </a:r>
+            <a:r>
+              <a:rPr/>
+              <a:t> Python</a:t>
             </a:r>
           </a:p>
           <a:p>
             <a:pPr lvl="0"/>
             <a:r>
               <a:rPr/>
-              <a:t>Ability to add files (</a:t>
-            </a:r>
-            <a:r>
-              <a:rPr>
-                <a:latin typeface="Courier"/>
-              </a:rPr>
-              <a:t>functions.R</a:t>
-            </a:r>
-            <a:r>
-              <a:rPr/>
-              <a:t>, img…)</a:t>
+              <a:t>Uses </a:t>
+            </a:r>
+            <a:r>
+              <a:rPr>
+                <a:latin typeface="Courier"/>
+              </a:rPr>
+              <a:t>{rix}</a:t>
+            </a:r>
+            <a:r>
+              <a:rPr/>
+              <a:t> to create a reproducible (via Nix) execution environment for the pipeline</a:t>
+            </a:r>
+          </a:p>
+          <a:p>
+            <a:pPr lvl="0"/>
+            <a:r>
+              <a:rPr/>
+              <a:t>Each pipeline step is a </a:t>
+            </a:r>
+            <a:r>
+              <a:rPr b="1"/>
+              <a:t>Nix derivation</a:t>
+            </a:r>
+          </a:p>
+          <a:p>
+            <a:pPr lvl="0"/>
+            <a:r>
+              <a:rPr/>
+              <a:t>Data transfer: automatic via </a:t>
+            </a:r>
+            <a:r>
+              <a:rPr>
+                <a:latin typeface="Courier"/>
+              </a:rPr>
+              <a:t>reticulate</a:t>
+            </a:r>
+            <a:r>
+              <a:rPr/>
+              <a:t> or universal format (CSV, JSON, Parquet…)</a:t>
             </a:r>
           </a:p>
         </p:txBody>
@@ -5764,7 +5509,7 @@
             </a:pPr>
             <a:r>
               <a:rPr/>
-              <a:t>Defining a derivation (input data)</a:t>
+              <a:t>An example of a polyglot pipeline</a:t>
             </a:r>
           </a:p>
         </p:txBody>
@@ -5794,7 +5539,7 @@
                 </a:solidFill>
                 <a:latin typeface="Courier"/>
               </a:rPr>
-              <a:t>rxp_r_file</a:t>
+              <a:t>list</a:t>
             </a:r>
             <a:r>
               <a:rPr>
@@ -5812,17 +5557,26 @@
             <a:r>
               <a:rPr>
                 <a:solidFill>
-                  <a:srgbClr val="7D9029"/>
-                </a:solidFill>
-                <a:latin typeface="Courier"/>
-              </a:rPr>
-              <a:t>name =</a:t>
-            </a:r>
-            <a:r>
-              <a:rPr>
-                <a:latin typeface="Courier"/>
-              </a:rPr>
-              <a:t> mtcars,</a:t>
+                  <a:srgbClr val="06287E"/>
+                </a:solidFill>
+                <a:latin typeface="Courier"/>
+              </a:rPr>
+              <a:t>rxp_py_file</a:t>
+            </a:r>
+            <a:r>
+              <a:rPr>
+                <a:latin typeface="Courier"/>
+              </a:rPr>
+              <a:t>(…),    </a:t>
+            </a:r>
+            <a:r>
+              <a:rPr i="1">
+                <a:solidFill>
+                  <a:srgbClr val="60A0B0"/>
+                </a:solidFill>
+                <a:latin typeface="Courier"/>
+              </a:rPr>
+              <a:t># Read a CSV with Python</a:t>
             </a:r>
             <a:br/>
             <a:r>
@@ -5834,11 +5588,228 @@
             <a:r>
               <a:rPr>
                 <a:solidFill>
-                  <a:srgbClr val="7D9029"/>
-                </a:solidFill>
-                <a:latin typeface="Courier"/>
-              </a:rPr>
-              <a:t>path =</a:t>
+                  <a:srgbClr val="06287E"/>
+                </a:solidFill>
+                <a:latin typeface="Courier"/>
+              </a:rPr>
+              <a:t>rxp_py</a:t>
+            </a:r>
+            <a:r>
+              <a:rPr>
+                <a:latin typeface="Courier"/>
+              </a:rPr>
+              <a:t>(…),         </a:t>
+            </a:r>
+            <a:r>
+              <a:rPr i="1">
+                <a:solidFill>
+                  <a:srgbClr val="60A0B0"/>
+                </a:solidFill>
+                <a:latin typeface="Courier"/>
+              </a:rPr>
+              <a:t># Filter with Polars</a:t>
+            </a:r>
+            <a:br/>
+            <a:r>
+              <a:rPr>
+                <a:latin typeface="Courier"/>
+              </a:rPr>
+              <a:t>  </a:t>
+            </a:r>
+            <a:r>
+              <a:rPr>
+                <a:solidFill>
+                  <a:srgbClr val="06287E"/>
+                </a:solidFill>
+                <a:latin typeface="Courier"/>
+              </a:rPr>
+              <a:t>rxp_py2r</a:t>
+            </a:r>
+            <a:r>
+              <a:rPr>
+                <a:latin typeface="Courier"/>
+              </a:rPr>
+              <a:t>(…),       </a:t>
+            </a:r>
+            <a:r>
+              <a:rPr i="1">
+                <a:solidFill>
+                  <a:srgbClr val="60A0B0"/>
+                </a:solidFill>
+                <a:latin typeface="Courier"/>
+              </a:rPr>
+              <a:t># Python → R transfer</a:t>
+            </a:r>
+            <a:br/>
+            <a:r>
+              <a:rPr>
+                <a:latin typeface="Courier"/>
+              </a:rPr>
+              <a:t>  </a:t>
+            </a:r>
+            <a:r>
+              <a:rPr>
+                <a:solidFill>
+                  <a:srgbClr val="06287E"/>
+                </a:solidFill>
+                <a:latin typeface="Courier"/>
+              </a:rPr>
+              <a:t>rxp_r</a:t>
+            </a:r>
+            <a:r>
+              <a:rPr>
+                <a:latin typeface="Courier"/>
+              </a:rPr>
+              <a:t>(…),          </a:t>
+            </a:r>
+            <a:r>
+              <a:rPr i="1">
+                <a:solidFill>
+                  <a:srgbClr val="60A0B0"/>
+                </a:solidFill>
+                <a:latin typeface="Courier"/>
+              </a:rPr>
+              <a:t># Transformation in R</a:t>
+            </a:r>
+            <a:br/>
+            <a:r>
+              <a:rPr>
+                <a:latin typeface="Courier"/>
+              </a:rPr>
+              <a:t>  </a:t>
+            </a:r>
+            <a:r>
+              <a:rPr>
+                <a:solidFill>
+                  <a:srgbClr val="06287E"/>
+                </a:solidFill>
+                <a:latin typeface="Courier"/>
+              </a:rPr>
+              <a:t>rxp_r2py</a:t>
+            </a:r>
+            <a:r>
+              <a:rPr>
+                <a:latin typeface="Courier"/>
+              </a:rPr>
+              <a:t>(…),       </a:t>
+            </a:r>
+            <a:r>
+              <a:rPr i="1">
+                <a:solidFill>
+                  <a:srgbClr val="60A0B0"/>
+                </a:solidFill>
+                <a:latin typeface="Courier"/>
+              </a:rPr>
+              <a:t># R → Python transfer</a:t>
+            </a:r>
+            <a:br/>
+            <a:r>
+              <a:rPr>
+                <a:latin typeface="Courier"/>
+              </a:rPr>
+              <a:t>  </a:t>
+            </a:r>
+            <a:r>
+              <a:rPr>
+                <a:solidFill>
+                  <a:srgbClr val="06287E"/>
+                </a:solidFill>
+                <a:latin typeface="Courier"/>
+              </a:rPr>
+              <a:t>rxp_py</a:t>
+            </a:r>
+            <a:r>
+              <a:rPr>
+                <a:latin typeface="Courier"/>
+              </a:rPr>
+              <a:t>(…),         </a:t>
+            </a:r>
+            <a:r>
+              <a:rPr i="1">
+                <a:solidFill>
+                  <a:srgbClr val="60A0B0"/>
+                </a:solidFill>
+                <a:latin typeface="Courier"/>
+              </a:rPr>
+              <a:t># Another Python step</a:t>
+            </a:r>
+            <a:br/>
+            <a:r>
+              <a:rPr>
+                <a:latin typeface="Courier"/>
+              </a:rPr>
+              <a:t>  </a:t>
+            </a:r>
+            <a:r>
+              <a:rPr>
+                <a:solidFill>
+                  <a:srgbClr val="06287E"/>
+                </a:solidFill>
+                <a:latin typeface="Courier"/>
+              </a:rPr>
+              <a:t>rxp_py2r</a:t>
+            </a:r>
+            <a:r>
+              <a:rPr>
+                <a:latin typeface="Courier"/>
+              </a:rPr>
+              <a:t>(…),       </a:t>
+            </a:r>
+            <a:r>
+              <a:rPr i="1">
+                <a:solidFill>
+                  <a:srgbClr val="60A0B0"/>
+                </a:solidFill>
+                <a:latin typeface="Courier"/>
+              </a:rPr>
+              <a:t># Back to R</a:t>
+            </a:r>
+            <a:br/>
+            <a:r>
+              <a:rPr>
+                <a:latin typeface="Courier"/>
+              </a:rPr>
+              <a:t>  </a:t>
+            </a:r>
+            <a:r>
+              <a:rPr>
+                <a:solidFill>
+                  <a:srgbClr val="06287E"/>
+                </a:solidFill>
+                <a:latin typeface="Courier"/>
+              </a:rPr>
+              <a:t>rxp_r</a:t>
+            </a:r>
+            <a:r>
+              <a:rPr>
+                <a:latin typeface="Courier"/>
+              </a:rPr>
+              <a:t>(…)           </a:t>
+            </a:r>
+            <a:r>
+              <a:rPr i="1">
+                <a:solidFill>
+                  <a:srgbClr val="60A0B0"/>
+                </a:solidFill>
+                <a:latin typeface="Courier"/>
+              </a:rPr>
+              <a:t># Final step</a:t>
+            </a:r>
+            <a:br/>
+            <a:r>
+              <a:rPr>
+                <a:latin typeface="Courier"/>
+              </a:rPr>
+              <a:t>) </a:t>
+            </a:r>
+            <a:r>
+              <a:rPr>
+                <a:solidFill>
+                  <a:srgbClr val="4070A0"/>
+                </a:solidFill>
+                <a:latin typeface="Courier"/>
+              </a:rPr>
+              <a:t>|&gt;</a:t>
             </a:r>
             <a:r>
               <a:rPr>
@@ -5849,106 +5820,71 @@
             <a:r>
               <a:rPr>
                 <a:solidFill>
-                  <a:srgbClr val="4070A0"/>
-                </a:solidFill>
-                <a:latin typeface="Courier"/>
-              </a:rPr>
-              <a:t>'data/mtcars.csv'</a:t>
-            </a:r>
-            <a:r>
-              <a:rPr>
-                <a:latin typeface="Courier"/>
-              </a:rPr>
-              <a:t>,</a:t>
-            </a:r>
-            <a:br/>
-            <a:r>
-              <a:rPr>
-                <a:latin typeface="Courier"/>
-              </a:rPr>
-              <a:t>  </a:t>
-            </a:r>
-            <a:r>
-              <a:rPr>
-                <a:solidFill>
-                  <a:srgbClr val="7D9029"/>
-                </a:solidFill>
-                <a:latin typeface="Courier"/>
-              </a:rPr>
-              <a:t>read_function =</a:t>
-            </a:r>
-            <a:r>
-              <a:rPr>
-                <a:latin typeface="Courier"/>
-              </a:rPr>
-              <a:t> \(x) (</a:t>
-            </a:r>
-            <a:r>
-              <a:rPr>
-                <a:solidFill>
                   <a:srgbClr val="06287E"/>
                 </a:solidFill>
                 <a:latin typeface="Courier"/>
               </a:rPr>
-              <a:t>read.csv</a:t>
-            </a:r>
-            <a:r>
-              <a:rPr>
-                <a:latin typeface="Courier"/>
-              </a:rPr>
-              <a:t>(</a:t>
-            </a:r>
-            <a:r>
-              <a:rPr>
-                <a:solidFill>
-                  <a:srgbClr val="7D9029"/>
-                </a:solidFill>
-                <a:latin typeface="Courier"/>
-              </a:rPr>
-              <a:t>file =</a:t>
-            </a:r>
-            <a:r>
-              <a:rPr>
-                <a:latin typeface="Courier"/>
-              </a:rPr>
-              <a:t> x, </a:t>
-            </a:r>
-            <a:r>
-              <a:rPr>
-                <a:solidFill>
-                  <a:srgbClr val="7D9029"/>
-                </a:solidFill>
-                <a:latin typeface="Courier"/>
-              </a:rPr>
-              <a:t>sep =</a:t>
-            </a:r>
-            <a:r>
-              <a:rPr>
-                <a:latin typeface="Courier"/>
-              </a:rPr>
-              <a:t> </a:t>
-            </a:r>
-            <a:r>
-              <a:rPr>
-                <a:solidFill>
-                  <a:srgbClr val="4070A0"/>
-                </a:solidFill>
-                <a:latin typeface="Courier"/>
-              </a:rPr>
-              <a:t>"|"</a:t>
-            </a:r>
-            <a:r>
-              <a:rPr>
-                <a:latin typeface="Courier"/>
-              </a:rPr>
-              <a:t>))</a:t>
-            </a:r>
-            <a:br/>
-            <a:r>
-              <a:rPr>
-                <a:latin typeface="Courier"/>
-              </a:rPr>
-              <a:t>)</a:t>
+              <a:t>rixpress</a:t>
+            </a:r>
+            <a:r>
+              <a:rPr>
+                <a:latin typeface="Courier"/>
+              </a:rPr>
+              <a:t>()</a:t>
+            </a:r>
+          </a:p>
+          <a:p>
+            <a:pPr lvl="0"/>
+            <a:r>
+              <a:rPr/>
+              <a:t>Each step is named and typed (</a:t>
+            </a:r>
+            <a:r>
+              <a:rPr>
+                <a:latin typeface="Courier"/>
+              </a:rPr>
+              <a:t>py</a:t>
+            </a:r>
+            <a:r>
+              <a:rPr/>
+              <a:t>, </a:t>
+            </a:r>
+            <a:r>
+              <a:rPr>
+                <a:latin typeface="Courier"/>
+              </a:rPr>
+              <a:t>r</a:t>
+            </a:r>
+            <a:r>
+              <a:rPr/>
+              <a:t>, </a:t>
+            </a:r>
+            <a:r>
+              <a:rPr>
+                <a:latin typeface="Courier"/>
+              </a:rPr>
+              <a:t>r2py</a:t>
+            </a:r>
+            <a:r>
+              <a:rPr/>
+              <a:t>, etc.)</a:t>
+            </a:r>
+          </a:p>
+          <a:p>
+            <a:pPr lvl="0"/>
+            <a:r>
+              <a:rPr/>
+              <a:t>Ability to add files (</a:t>
+            </a:r>
+            <a:r>
+              <a:rPr>
+                <a:latin typeface="Courier"/>
+              </a:rPr>
+              <a:t>functions.R</a:t>
+            </a:r>
+            <a:r>
+              <a:rPr/>
+              <a:t>, img…)</a:t>
             </a:r>
           </a:p>
         </p:txBody>
@@ -5995,7 +5931,7 @@
             </a:pPr>
             <a:r>
               <a:rPr/>
-              <a:t>Defining a derivation (some computation)</a:t>
+              <a:t>Defining a derivation (input data)</a:t>
             </a:r>
           </a:p>
         </p:txBody>
@@ -6025,7 +5961,7 @@
                 </a:solidFill>
                 <a:latin typeface="Courier"/>
               </a:rPr>
-              <a:t>rxp_r</a:t>
+              <a:t>rxp_r_file</a:t>
             </a:r>
             <a:r>
               <a:rPr>
@@ -6053,7 +5989,7 @@
               <a:rPr>
                 <a:latin typeface="Courier"/>
               </a:rPr>
-              <a:t> filtered_mtcars,</a:t>
+              <a:t> mtcars,</a:t>
             </a:r>
             <a:br/>
             <a:r>
@@ -6069,7 +6005,7 @@
                 </a:solidFill>
                 <a:latin typeface="Courier"/>
               </a:rPr>
-              <a:t>expr =</a:t>
+              <a:t>path =</a:t>
             </a:r>
             <a:r>
               <a:rPr>
@@ -6080,17 +6016,84 @@
             <a:r>
               <a:rPr>
                 <a:solidFill>
+                  <a:srgbClr val="4070A0"/>
+                </a:solidFill>
+                <a:latin typeface="Courier"/>
+              </a:rPr>
+              <a:t>'data/mtcars.csv'</a:t>
+            </a:r>
+            <a:r>
+              <a:rPr>
+                <a:latin typeface="Courier"/>
+              </a:rPr>
+              <a:t>,</a:t>
+            </a:r>
+            <a:br/>
+            <a:r>
+              <a:rPr>
+                <a:latin typeface="Courier"/>
+              </a:rPr>
+              <a:t>  </a:t>
+            </a:r>
+            <a:r>
+              <a:rPr>
+                <a:solidFill>
+                  <a:srgbClr val="7D9029"/>
+                </a:solidFill>
+                <a:latin typeface="Courier"/>
+              </a:rPr>
+              <a:t>read_function =</a:t>
+            </a:r>
+            <a:r>
+              <a:rPr>
+                <a:latin typeface="Courier"/>
+              </a:rPr>
+              <a:t> \(x) (</a:t>
+            </a:r>
+            <a:r>
+              <a:rPr>
+                <a:solidFill>
                   <a:srgbClr val="06287E"/>
                 </a:solidFill>
                 <a:latin typeface="Courier"/>
               </a:rPr>
-              <a:t>filter</a:t>
-            </a:r>
-            <a:r>
-              <a:rPr>
-                <a:latin typeface="Courier"/>
-              </a:rPr>
-              <a:t>(mtcars, am </a:t>
+              <a:t>read.csv</a:t>
+            </a:r>
+            <a:r>
+              <a:rPr>
+                <a:latin typeface="Courier"/>
+              </a:rPr>
+              <a:t>(</a:t>
+            </a:r>
+            <a:r>
+              <a:rPr>
+                <a:solidFill>
+                  <a:srgbClr val="7D9029"/>
+                </a:solidFill>
+                <a:latin typeface="Courier"/>
+              </a:rPr>
+              <a:t>file =</a:t>
+            </a:r>
+            <a:r>
+              <a:rPr>
+                <a:latin typeface="Courier"/>
+              </a:rPr>
+              <a:t> x, </a:t>
+            </a:r>
+            <a:r>
+              <a:rPr>
+                <a:solidFill>
+                  <a:srgbClr val="7D9029"/>
+                </a:solidFill>
+                <a:latin typeface="Courier"/>
+              </a:rPr>
+              <a:t>sep =</a:t>
+            </a:r>
+            <a:r>
+              <a:rPr>
+                <a:latin typeface="Courier"/>
+              </a:rPr>
+              <a:t> </a:t>
             </a:r>
             <a:r>
               <a:rPr>
@@ -6099,28 +6102,13 @@
                 </a:solidFill>
                 <a:latin typeface="Courier"/>
               </a:rPr>
-              <a:t>==</a:t>
-            </a:r>
-            <a:r>
-              <a:rPr>
-                <a:latin typeface="Courier"/>
-              </a:rPr>
-              <a:t> </a:t>
-            </a:r>
-            <a:r>
-              <a:rPr>
-                <a:solidFill>
-                  <a:srgbClr val="40A070"/>
-                </a:solidFill>
-                <a:latin typeface="Courier"/>
-              </a:rPr>
-              <a:t>1</a:t>
-            </a:r>
-            <a:r>
-              <a:rPr>
-                <a:latin typeface="Courier"/>
-              </a:rPr>
-              <a:t>)</a:t>
+              <a:t>"|"</a:t>
+            </a:r>
+            <a:r>
+              <a:rPr>
+                <a:latin typeface="Courier"/>
+              </a:rPr>
+              <a:t>))</a:t>
             </a:r>
             <a:br/>
             <a:r>
@@ -6174,7 +6162,7 @@
             </a:pPr>
             <a:r>
               <a:rPr/>
-              <a:t>Typical structure of a rixpress project</a:t>
+              <a:t>Defining a derivation (some computation)</a:t>
             </a:r>
           </a:p>
         </p:txBody>
@@ -6199,21 +6187,114 @@
             </a:pPr>
             <a:r>
               <a:rPr>
-                <a:latin typeface="Courier"/>
-              </a:rPr>
-              <a:t>.
-├── data
-│   └── dataset.csv    # input data (can be many files)
-├── functions.py       # user-defined Python functions
-├── functions.R        # user-defined R function
-├── gen-env.R          # rix script to generate execution env
-├── gen-pipeline.R     # rixpress script to generate pipeline
-├── my_paper           # folder containing Quarto doc
-│   ├── section.qmd    # Qmd file
-│   ├── img         # Folder containing img for document
-│   │   └── graph.png  # Image to add to paper
-│   └── main.qmd       # Main Qmd file
-└── Readme.md          # Readme</a:t>
+                <a:solidFill>
+                  <a:srgbClr val="06287E"/>
+                </a:solidFill>
+                <a:latin typeface="Courier"/>
+              </a:rPr>
+              <a:t>rxp_r</a:t>
+            </a:r>
+            <a:r>
+              <a:rPr>
+                <a:latin typeface="Courier"/>
+              </a:rPr>
+              <a:t>(</a:t>
+            </a:r>
+            <a:br/>
+            <a:r>
+              <a:rPr>
+                <a:latin typeface="Courier"/>
+              </a:rPr>
+              <a:t>  </a:t>
+            </a:r>
+            <a:r>
+              <a:rPr>
+                <a:solidFill>
+                  <a:srgbClr val="7D9029"/>
+                </a:solidFill>
+                <a:latin typeface="Courier"/>
+              </a:rPr>
+              <a:t>name =</a:t>
+            </a:r>
+            <a:r>
+              <a:rPr>
+                <a:latin typeface="Courier"/>
+              </a:rPr>
+              <a:t> filtered_mtcars,</a:t>
+            </a:r>
+            <a:br/>
+            <a:r>
+              <a:rPr>
+                <a:latin typeface="Courier"/>
+              </a:rPr>
+              <a:t>  </a:t>
+            </a:r>
+            <a:r>
+              <a:rPr>
+                <a:solidFill>
+                  <a:srgbClr val="7D9029"/>
+                </a:solidFill>
+                <a:latin typeface="Courier"/>
+              </a:rPr>
+              <a:t>expr =</a:t>
+            </a:r>
+            <a:r>
+              <a:rPr>
+                <a:latin typeface="Courier"/>
+              </a:rPr>
+              <a:t> </a:t>
+            </a:r>
+            <a:r>
+              <a:rPr>
+                <a:solidFill>
+                  <a:srgbClr val="06287E"/>
+                </a:solidFill>
+                <a:latin typeface="Courier"/>
+              </a:rPr>
+              <a:t>filter</a:t>
+            </a:r>
+            <a:r>
+              <a:rPr>
+                <a:latin typeface="Courier"/>
+              </a:rPr>
+              <a:t>(mtcars, am </a:t>
+            </a:r>
+            <a:r>
+              <a:rPr>
+                <a:solidFill>
+                  <a:srgbClr val="4070A0"/>
+                </a:solidFill>
+                <a:latin typeface="Courier"/>
+              </a:rPr>
+              <a:t>==</a:t>
+            </a:r>
+            <a:r>
+              <a:rPr>
+                <a:latin typeface="Courier"/>
+              </a:rPr>
+              <a:t> </a:t>
+            </a:r>
+            <a:r>
+              <a:rPr>
+                <a:solidFill>
+                  <a:srgbClr val="40A070"/>
+                </a:solidFill>
+                <a:latin typeface="Courier"/>
+              </a:rPr>
+              <a:t>1</a:t>
+            </a:r>
+            <a:r>
+              <a:rPr>
+                <a:latin typeface="Courier"/>
+              </a:rPr>
+              <a:t>)</a:t>
+            </a:r>
+            <a:br/>
+            <a:r>
+              <a:rPr>
+                <a:latin typeface="Courier"/>
+              </a:rPr>
+              <a:t>)</a:t>
             </a:r>
           </a:p>
         </p:txBody>
@@ -6260,7 +6341,7 @@
             </a:pPr>
             <a:r>
               <a:rPr/>
-              <a:t>Defining Quarto or Rmd documents</a:t>
+              <a:t>Typical structure of a rixpress project</a:t>
             </a:r>
           </a:p>
         </p:txBody>
@@ -6280,100 +6361,26 @@
           <a:bodyPr/>
           <a:lstStyle/>
           <a:p>
-            <a:pPr lvl="0" indent="0" marL="0">
+            <a:pPr lvl="0" indent="0">
               <a:buNone/>
             </a:pPr>
             <a:r>
-              <a:rPr/>
-              <a:t>Use </a:t>
-            </a:r>
-            <a:r>
-              <a:rPr>
-                <a:latin typeface="Courier"/>
-              </a:rPr>
-              <a:t>rxp_read()</a:t>
-            </a:r>
-            <a:r>
-              <a:rPr/>
-              <a:t> to include pipeline outputs:</a:t>
-            </a:r>
-          </a:p>
-          <a:p>
-            <a:pPr lvl="0" indent="0">
-              <a:buNone/>
-            </a:pPr>
-            <a:r>
-              <a:rPr>
-                <a:latin typeface="Courier"/>
-              </a:rPr>
-              <a:t>rixpress</a:t>
-            </a:r>
-            <a:r>
-              <a:rPr>
-                <a:solidFill>
-                  <a:srgbClr val="4070A0"/>
-                </a:solidFill>
-                <a:latin typeface="Courier"/>
-              </a:rPr>
-              <a:t>::</a:t>
-            </a:r>
-            <a:r>
-              <a:rPr>
-                <a:solidFill>
-                  <a:srgbClr val="06287E"/>
-                </a:solidFill>
-                <a:latin typeface="Courier"/>
-              </a:rPr>
-              <a:t>rxp_read</a:t>
-            </a:r>
-            <a:r>
-              <a:rPr>
-                <a:latin typeface="Courier"/>
-              </a:rPr>
-              <a:t>(</a:t>
-            </a:r>
-            <a:r>
-              <a:rPr>
-                <a:solidFill>
-                  <a:srgbClr val="4070A0"/>
-                </a:solidFill>
-                <a:latin typeface="Courier"/>
-              </a:rPr>
-              <a:t>"mtcars_head"</a:t>
-            </a:r>
-            <a:r>
-              <a:rPr>
-                <a:latin typeface="Courier"/>
-              </a:rPr>
-              <a:t>)</a:t>
-            </a:r>
-          </a:p>
-          <a:p>
-            <a:pPr lvl="0" indent="0" marL="0">
-              <a:buNone/>
-            </a:pPr>
-            <a:r>
-              <a:rPr/>
-              <a:t>All created objects can be dynamically loaded into the document</a:t>
-            </a:r>
-          </a:p>
-          <a:p>
-            <a:pPr lvl="0" indent="0" marL="0">
-              <a:buNone/>
-            </a:pPr>
-            <a:r>
-              <a:rPr/>
-              <a:t>Possible to include additional files (</a:t>
-            </a:r>
-            <a:r>
-              <a:rPr>
-                <a:latin typeface="Courier"/>
-              </a:rPr>
-              <a:t>content.qmd</a:t>
-            </a:r>
-            <a:r>
-              <a:rPr/>
-              <a:t>, img…)</a:t>
+              <a:rPr>
+                <a:latin typeface="Courier"/>
+              </a:rPr>
+              <a:t>.
+├── data
+│   └── dataset.csv    # input data (can be many files)
+├── functions.py       # user-defined Python functions
+├── functions.R        # user-defined R function
+├── gen-env.R          # rix script to generate execution env
+├── gen-pipeline.R     # rixpress script to generate pipeline
+├── my_paper           # folder containing Quarto doc
+│   ├── section.qmd    # Qmd file
+│   ├── img         # Folder containing img for document
+│   │   └── graph.png  # Image to add to paper
+│   └── main.qmd       # Main Qmd file
+└── Readme.md          # Readme</a:t>
             </a:r>
           </a:p>
         </p:txBody>
@@ -6420,7 +6427,7 @@
             </a:pPr>
             <a:r>
               <a:rPr/>
-              <a:t>Using rixpress (1/3)</a:t>
+              <a:t>Defining Quarto or Rmd documents</a:t>
             </a:r>
           </a:p>
         </p:txBody>
@@ -6440,26 +6447,22 @@
           <a:bodyPr/>
           <a:lstStyle/>
           <a:p>
-            <a:pPr lvl="0"/>
-            <a:r>
-              <a:rPr/>
-              <a:t>Start from an empty folder;</a:t>
-            </a:r>
-          </a:p>
-          <a:p>
-            <a:pPr lvl="0"/>
-            <a:r>
-              <a:rPr/>
-              <a:t>Drop into a temporary shell:</a:t>
-            </a:r>
-          </a:p>
-          <a:p>
             <a:pPr lvl="0" indent="0" marL="0">
               <a:buNone/>
             </a:pPr>
             <a:r>
               <a:rPr/>
-              <a:t>. . .</a:t>
+              <a:t>Use </a:t>
+            </a:r>
+            <a:r>
+              <a:rPr>
+                <a:latin typeface="Courier"/>
+              </a:rPr>
+              <a:t>rxp_read()</a:t>
+            </a:r>
+            <a:r>
+              <a:rPr/>
+              <a:t> to include pipeline outputs:</a:t>
             </a:r>
           </a:p>
           <a:p>
@@ -6470,22 +6473,7 @@
               <a:rPr>
                 <a:latin typeface="Courier"/>
               </a:rPr>
-              <a:t>nix-shell </a:t>
-            </a:r>
-            <a:r>
-              <a:rPr>
-                <a:solidFill>
-                  <a:srgbClr val="7D9029"/>
-                </a:solidFill>
-                <a:latin typeface="Courier"/>
-              </a:rPr>
-              <a:t>--expr</a:t>
-            </a:r>
-            <a:r>
-              <a:rPr>
-                <a:latin typeface="Courier"/>
-              </a:rPr>
-              <a:t> </a:t>
+              <a:t>rixpress</a:t>
             </a:r>
             <a:r>
               <a:rPr>
@@ -6494,55 +6482,65 @@
                 </a:solidFill>
                 <a:latin typeface="Courier"/>
               </a:rPr>
-              <a:t>"</a:t>
-            </a:r>
-            <a:r>
-              <a:rPr>
-                <a:solidFill>
-                  <a:srgbClr val="19177C"/>
-                </a:solidFill>
-                <a:latin typeface="Courier"/>
-              </a:rPr>
-              <a:t>$(</a:t>
-            </a:r>
-            <a:r>
-              <a:rPr>
-                <a:latin typeface="Courier"/>
-              </a:rPr>
-              <a:t>curl </a:t>
-            </a:r>
-            <a:r>
-              <a:rPr>
-                <a:solidFill>
-                  <a:srgbClr val="7D9029"/>
-                </a:solidFill>
-                <a:latin typeface="Courier"/>
-              </a:rPr>
-              <a:t>-sl</a:t>
-            </a:r>
-            <a:r>
-              <a:rPr>
-                <a:latin typeface="Courier"/>
-              </a:rPr>
-              <a:t> https://raw.githubusercontent.com/ropensci/rix/main/inst/extdata/default.nix</a:t>
-            </a:r>
-            <a:r>
-              <a:rPr>
-                <a:solidFill>
-                  <a:srgbClr val="19177C"/>
-                </a:solidFill>
+              <a:t>::</a:t>
+            </a:r>
+            <a:r>
+              <a:rPr>
+                <a:solidFill>
+                  <a:srgbClr val="06287E"/>
+                </a:solidFill>
+                <a:latin typeface="Courier"/>
+              </a:rPr>
+              <a:t>rxp_read</a:t>
+            </a:r>
+            <a:r>
+              <a:rPr>
+                <a:latin typeface="Courier"/>
+              </a:rPr>
+              <a:t>(</a:t>
+            </a:r>
+            <a:r>
+              <a:rPr>
+                <a:solidFill>
+                  <a:srgbClr val="4070A0"/>
+                </a:solidFill>
+                <a:latin typeface="Courier"/>
+              </a:rPr>
+              <a:t>"mtcars_head"</a:t>
+            </a:r>
+            <a:r>
+              <a:rPr>
                 <a:latin typeface="Courier"/>
               </a:rPr>
               <a:t>)</a:t>
             </a:r>
-            <a:r>
-              <a:rPr>
-                <a:solidFill>
-                  <a:srgbClr val="4070A0"/>
-                </a:solidFill>
-                <a:latin typeface="Courier"/>
-              </a:rPr>
-              <a:t>"</a:t>
+          </a:p>
+          <a:p>
+            <a:pPr lvl="0" indent="0" marL="0">
+              <a:buNone/>
+            </a:pPr>
+            <a:r>
+              <a:rPr/>
+              <a:t>All created objects can be dynamically loaded into the document</a:t>
+            </a:r>
+          </a:p>
+          <a:p>
+            <a:pPr lvl="0" indent="0" marL="0">
+              <a:buNone/>
+            </a:pPr>
+            <a:r>
+              <a:rPr/>
+              <a:t>Possible to include additional files (</a:t>
+            </a:r>
+            <a:r>
+              <a:rPr>
+                <a:latin typeface="Courier"/>
+              </a:rPr>
+              <a:t>content.qmd</a:t>
+            </a:r>
+            <a:r>
+              <a:rPr/>
+              <a:t>, img…)</a:t>
             </a:r>
           </a:p>
         </p:txBody>
@@ -6666,7 +6664,7 @@
             </a:pPr>
             <a:r>
               <a:rPr/>
-              <a:t>Using rixpress (2/3)</a:t>
+              <a:t>Using rixpress (1/3)</a:t>
             </a:r>
           </a:p>
         </p:txBody>
@@ -6689,138 +6687,106 @@
             <a:pPr lvl="0"/>
             <a:r>
               <a:rPr/>
-              <a:t>Start project structure using </a:t>
-            </a:r>
-            <a:r>
-              <a:rPr>
-                <a:latin typeface="Courier"/>
-              </a:rPr>
-              <a:t>rixpress::rxp_init()</a:t>
-            </a:r>
-            <a:r>
-              <a:rPr/>
-              <a:t>;</a:t>
+              <a:t>Start from an empty folder;</a:t>
             </a:r>
           </a:p>
           <a:p>
             <a:pPr lvl="0"/>
             <a:r>
               <a:rPr/>
-              <a:t>Edit </a:t>
-            </a:r>
-            <a:r>
-              <a:rPr>
-                <a:latin typeface="Courier"/>
-              </a:rPr>
-              <a:t>gen-env.R</a:t>
-            </a:r>
-            <a:r>
-              <a:rPr/>
-              <a:t> and </a:t>
-            </a:r>
-            <a:r>
-              <a:rPr>
-                <a:latin typeface="Courier"/>
-              </a:rPr>
-              <a:t>gen-pipeline.R</a:t>
-            </a:r>
-            <a:r>
-              <a:rPr/>
-              <a:t>;</a:t>
-            </a:r>
-          </a:p>
-          <a:p>
-            <a:pPr lvl="0"/>
-            <a:r>
-              <a:rPr/>
-              <a:t>Write code in </a:t>
-            </a:r>
-            <a:r>
-              <a:rPr>
-                <a:latin typeface="Courier"/>
-              </a:rPr>
-              <a:t>gen-pipeline.R</a:t>
-            </a:r>
-            <a:r>
-              <a:rPr/>
-              <a:t> and build pipeline using </a:t>
-            </a:r>
-            <a:r>
-              <a:rPr>
-                <a:latin typeface="Courier"/>
-              </a:rPr>
-              <a:t>rxp_make()</a:t>
-            </a:r>
-            <a:r>
-              <a:rPr/>
-              <a:t>;</a:t>
-            </a:r>
-          </a:p>
-          <a:p>
-            <a:pPr lvl="0"/>
-            <a:r>
-              <a:rPr/>
-              <a:t>Inspect outputs using </a:t>
-            </a:r>
-            <a:r>
-              <a:rPr>
-                <a:latin typeface="Courier"/>
-              </a:rPr>
-              <a:t>rxp_inspect()</a:t>
-            </a:r>
-            <a:r>
-              <a:rPr/>
-              <a:t>;</a:t>
-            </a:r>
-          </a:p>
-          <a:p>
-            <a:pPr lvl="0"/>
-            <a:r>
-              <a:rPr/>
-              <a:t>View outputs using </a:t>
-            </a:r>
-            <a:r>
-              <a:rPr>
-                <a:latin typeface="Courier"/>
-              </a:rPr>
-              <a:t>rxp_read()</a:t>
-            </a:r>
-            <a:r>
-              <a:rPr/>
-              <a:t> (load them using </a:t>
-            </a:r>
-            <a:r>
-              <a:rPr>
-                <a:latin typeface="Courier"/>
-              </a:rPr>
-              <a:t>rxp_load()</a:t>
-            </a:r>
-            <a:r>
-              <a:rPr/>
-              <a:t>;</a:t>
-            </a:r>
-          </a:p>
-          <a:p>
-            <a:pPr lvl="0"/>
-            <a:r>
-              <a:rPr/>
-              <a:t>View DAG of pipeline using </a:t>
-            </a:r>
-            <a:r>
-              <a:rPr>
-                <a:latin typeface="Courier"/>
-              </a:rPr>
-              <a:t>rxp_ggdag()</a:t>
-            </a:r>
-            <a:r>
-              <a:rPr/>
-              <a:t> or </a:t>
-            </a:r>
-            <a:r>
-              <a:rPr>
-                <a:latin typeface="Courier"/>
-              </a:rPr>
-              <a:t>rxp_visnetwork()</a:t>
+              <a:t>Drop into a temporary shell:</a:t>
+            </a:r>
+          </a:p>
+          <a:p>
+            <a:pPr lvl="0" indent="0" marL="0">
+              <a:buNone/>
+            </a:pPr>
+            <a:r>
+              <a:rPr/>
+              <a:t>. . .</a:t>
+            </a:r>
+          </a:p>
+          <a:p>
+            <a:pPr lvl="0" indent="0">
+              <a:buNone/>
+            </a:pPr>
+            <a:r>
+              <a:rPr>
+                <a:latin typeface="Courier"/>
+              </a:rPr>
+              <a:t>nix-shell </a:t>
+            </a:r>
+            <a:r>
+              <a:rPr>
+                <a:solidFill>
+                  <a:srgbClr val="7D9029"/>
+                </a:solidFill>
+                <a:latin typeface="Courier"/>
+              </a:rPr>
+              <a:t>--expr</a:t>
+            </a:r>
+            <a:r>
+              <a:rPr>
+                <a:latin typeface="Courier"/>
+              </a:rPr>
+              <a:t> </a:t>
+            </a:r>
+            <a:r>
+              <a:rPr>
+                <a:solidFill>
+                  <a:srgbClr val="4070A0"/>
+                </a:solidFill>
+                <a:latin typeface="Courier"/>
+              </a:rPr>
+              <a:t>"</a:t>
+            </a:r>
+            <a:r>
+              <a:rPr>
+                <a:solidFill>
+                  <a:srgbClr val="19177C"/>
+                </a:solidFill>
+                <a:latin typeface="Courier"/>
+              </a:rPr>
+              <a:t>$(</a:t>
+            </a:r>
+            <a:r>
+              <a:rPr>
+                <a:latin typeface="Courier"/>
+              </a:rPr>
+              <a:t>curl </a:t>
+            </a:r>
+            <a:r>
+              <a:rPr>
+                <a:solidFill>
+                  <a:srgbClr val="7D9029"/>
+                </a:solidFill>
+                <a:latin typeface="Courier"/>
+              </a:rPr>
+              <a:t>-sl</a:t>
+            </a:r>
+            <a:r>
+              <a:rPr>
+                <a:latin typeface="Courier"/>
+              </a:rPr>
+              <a:t> https://raw.githubusercontent.com/ropensci/rix/main/inst/extdata/default.nix</a:t>
+            </a:r>
+            <a:r>
+              <a:rPr>
+                <a:solidFill>
+                  <a:srgbClr val="19177C"/>
+                </a:solidFill>
+                <a:latin typeface="Courier"/>
+              </a:rPr>
+              <a:t>)</a:t>
+            </a:r>
+            <a:r>
+              <a:rPr>
+                <a:solidFill>
+                  <a:srgbClr val="4070A0"/>
+                </a:solidFill>
+                <a:latin typeface="Courier"/>
+              </a:rPr>
+              <a:t>"</a:t>
             </a:r>
           </a:p>
         </p:txBody>
@@ -6867,7 +6833,7 @@
             </a:pPr>
             <a:r>
               <a:rPr/>
-              <a:t>Using rixpress (3/3)</a:t>
+              <a:t>Using rixpress (2/3)</a:t>
             </a:r>
           </a:p>
         </p:txBody>
@@ -6890,20 +6856,30 @@
             <a:pPr lvl="0"/>
             <a:r>
               <a:rPr/>
-              <a:t>Build artifacts get saved and re-used across runs;</a:t>
+              <a:t>Start project structure using </a:t>
+            </a:r>
+            <a:r>
+              <a:rPr>
+                <a:latin typeface="Courier"/>
+              </a:rPr>
+              <a:t>rixpress::rxp_init()</a:t>
+            </a:r>
+            <a:r>
+              <a:rPr/>
+              <a:t>;</a:t>
             </a:r>
           </a:p>
           <a:p>
             <a:pPr lvl="0"/>
             <a:r>
               <a:rPr/>
-              <a:t>Possible to export and import them using </a:t>
-            </a:r>
-            <a:r>
-              <a:rPr>
-                <a:latin typeface="Courier"/>
-              </a:rPr>
-              <a:t>import_nix_archive()</a:t>
+              <a:t>Edit </a:t>
+            </a:r>
+            <a:r>
+              <a:rPr>
+                <a:latin typeface="Courier"/>
+              </a:rPr>
+              <a:t>gen-env.R</a:t>
             </a:r>
             <a:r>
               <a:rPr/>
@@ -6913,24 +6889,34 @@
               <a:rPr>
                 <a:latin typeface="Courier"/>
               </a:rPr>
-              <a:t>export_nix_archive()</a:t>
-            </a:r>
-            <a:r>
-              <a:rPr/>
-              <a:t> (very useful on CI!);</a:t>
+              <a:t>gen-pipeline.R</a:t>
+            </a:r>
+            <a:r>
+              <a:rPr/>
+              <a:t>;</a:t>
             </a:r>
           </a:p>
           <a:p>
             <a:pPr lvl="0"/>
             <a:r>
               <a:rPr/>
-              <a:t>To set up GitHub Actions use </a:t>
-            </a:r>
-            <a:r>
-              <a:rPr>
-                <a:latin typeface="Courier"/>
-              </a:rPr>
-              <a:t>rxp_ga()</a:t>
+              <a:t>Write code in </a:t>
+            </a:r>
+            <a:r>
+              <a:rPr>
+                <a:latin typeface="Courier"/>
+              </a:rPr>
+              <a:t>gen-pipeline.R</a:t>
+            </a:r>
+            <a:r>
+              <a:rPr/>
+              <a:t> and build pipeline using </a:t>
+            </a:r>
+            <a:r>
+              <a:rPr>
+                <a:latin typeface="Courier"/>
+              </a:rPr>
+              <a:t>rxp_make()</a:t>
             </a:r>
             <a:r>
               <a:rPr/>
@@ -6941,17 +6927,67 @@
             <a:pPr lvl="0"/>
             <a:r>
               <a:rPr/>
-              <a:t>Logs of runs get saved, and possible to reload older versions of build artifacts (see </a:t>
-            </a:r>
-            <a:r>
-              <a:rPr>
-                <a:hlinkClick r:id="rId2"/>
-              </a:rPr>
-              <a:t>vignette</a:t>
-            </a:r>
-            <a:r>
-              <a:rPr/>
-              <a:t>).</a:t>
+              <a:t>Inspect outputs using </a:t>
+            </a:r>
+            <a:r>
+              <a:rPr>
+                <a:latin typeface="Courier"/>
+              </a:rPr>
+              <a:t>rxp_inspect()</a:t>
+            </a:r>
+            <a:r>
+              <a:rPr/>
+              <a:t>;</a:t>
+            </a:r>
+          </a:p>
+          <a:p>
+            <a:pPr lvl="0"/>
+            <a:r>
+              <a:rPr/>
+              <a:t>View outputs using </a:t>
+            </a:r>
+            <a:r>
+              <a:rPr>
+                <a:latin typeface="Courier"/>
+              </a:rPr>
+              <a:t>rxp_read()</a:t>
+            </a:r>
+            <a:r>
+              <a:rPr/>
+              <a:t> (load them using </a:t>
+            </a:r>
+            <a:r>
+              <a:rPr>
+                <a:latin typeface="Courier"/>
+              </a:rPr>
+              <a:t>rxp_load()</a:t>
+            </a:r>
+            <a:r>
+              <a:rPr/>
+              <a:t>;</a:t>
+            </a:r>
+          </a:p>
+          <a:p>
+            <a:pPr lvl="0"/>
+            <a:r>
+              <a:rPr/>
+              <a:t>View DAG of pipeline using </a:t>
+            </a:r>
+            <a:r>
+              <a:rPr>
+                <a:latin typeface="Courier"/>
+              </a:rPr>
+              <a:t>rxp_ggdag()</a:t>
+            </a:r>
+            <a:r>
+              <a:rPr/>
+              <a:t> or </a:t>
+            </a:r>
+            <a:r>
+              <a:rPr>
+                <a:latin typeface="Courier"/>
+              </a:rPr>
+              <a:t>rxp_visnetwork()</a:t>
             </a:r>
           </a:p>
         </p:txBody>
@@ -6998,7 +7034,7 @@
             </a:pPr>
             <a:r>
               <a:rPr/>
-              <a:t>Transfer with JSON (or other universal format)</a:t>
+              <a:t>Using rixpress (3/3)</a:t>
             </a:r>
           </a:p>
         </p:txBody>
@@ -7021,262 +7057,68 @@
             <a:pPr lvl="0"/>
             <a:r>
               <a:rPr/>
-              <a:t>Advantage: avoids using </a:t>
-            </a:r>
-            <a:r>
-              <a:rPr>
-                <a:latin typeface="Courier"/>
-              </a:rPr>
-              <a:t>reticulate</a:t>
+              <a:t>Build artifacts get saved and re-used across runs;</a:t>
             </a:r>
           </a:p>
           <a:p>
             <a:pPr lvl="0"/>
             <a:r>
               <a:rPr/>
-              <a:t>Add a Python serialization function:</a:t>
-            </a:r>
-          </a:p>
-          <a:p>
-            <a:pPr lvl="0" indent="0">
-              <a:buNone/>
-            </a:pPr>
-            <a:r>
-              <a:rPr b="1">
-                <a:solidFill>
-                  <a:srgbClr val="007020"/>
-                </a:solidFill>
-                <a:latin typeface="Courier"/>
-              </a:rPr>
-              <a:t>def</a:t>
-            </a:r>
-            <a:r>
-              <a:rPr>
-                <a:latin typeface="Courier"/>
-              </a:rPr>
-              <a:t> serialize_to_json(pl_df, path):</a:t>
-            </a:r>
-            <a:br/>
-            <a:r>
-              <a:rPr>
-                <a:latin typeface="Courier"/>
-              </a:rPr>
-              <a:t>    </a:t>
-            </a:r>
-            <a:r>
-              <a:rPr b="1">
-                <a:solidFill>
-                  <a:srgbClr val="007020"/>
-                </a:solidFill>
-                <a:latin typeface="Courier"/>
-              </a:rPr>
-              <a:t>with</a:t>
-            </a:r>
-            <a:r>
-              <a:rPr>
-                <a:latin typeface="Courier"/>
-              </a:rPr>
-              <a:t> </a:t>
-            </a:r>
-            <a:r>
-              <a:rPr>
-                <a:solidFill>
-                  <a:srgbClr val="008000"/>
-                </a:solidFill>
-                <a:latin typeface="Courier"/>
-              </a:rPr>
-              <a:t>open</a:t>
-            </a:r>
-            <a:r>
-              <a:rPr>
-                <a:latin typeface="Courier"/>
-              </a:rPr>
-              <a:t>(path, </a:t>
-            </a:r>
-            <a:r>
-              <a:rPr>
-                <a:solidFill>
-                  <a:srgbClr val="4070A0"/>
-                </a:solidFill>
-                <a:latin typeface="Courier"/>
-              </a:rPr>
-              <a:t>'w'</a:t>
-            </a:r>
-            <a:r>
-              <a:rPr>
-                <a:latin typeface="Courier"/>
-              </a:rPr>
-              <a:t>) </a:t>
-            </a:r>
-            <a:r>
-              <a:rPr b="1">
-                <a:solidFill>
-                  <a:srgbClr val="008000"/>
-                </a:solidFill>
-                <a:latin typeface="Courier"/>
-              </a:rPr>
-              <a:t>as</a:t>
-            </a:r>
-            <a:r>
-              <a:rPr>
-                <a:latin typeface="Courier"/>
-              </a:rPr>
-              <a:t> f:</a:t>
-            </a:r>
-            <a:br/>
-            <a:r>
-              <a:rPr>
-                <a:latin typeface="Courier"/>
-              </a:rPr>
-              <a:t>        f.write(pl_df.write_json())</a:t>
-            </a:r>
-          </a:p>
-          <a:p>
-            <a:pPr lvl="0" indent="0" marL="0">
-              <a:buNone/>
-            </a:pPr>
-            <a:r>
-              <a:rPr/>
-              <a:t>. . .</a:t>
+              <a:t>Possible to export and import them using </a:t>
+            </a:r>
+            <a:r>
+              <a:rPr>
+                <a:latin typeface="Courier"/>
+              </a:rPr>
+              <a:t>import_nix_archive()</a:t>
+            </a:r>
+            <a:r>
+              <a:rPr/>
+              <a:t> and </a:t>
+            </a:r>
+            <a:r>
+              <a:rPr>
+                <a:latin typeface="Courier"/>
+              </a:rPr>
+              <a:t>export_nix_archive()</a:t>
+            </a:r>
+            <a:r>
+              <a:rPr/>
+              <a:t> (very useful on CI!);</a:t>
             </a:r>
           </a:p>
           <a:p>
             <a:pPr lvl="0"/>
             <a:r>
               <a:rPr/>
-              <a:t>And on the R side:</a:t>
-            </a:r>
-          </a:p>
-          <a:p>
-            <a:pPr lvl="0" indent="0">
-              <a:buNone/>
-            </a:pPr>
-            <a:r>
-              <a:rPr>
-                <a:solidFill>
-                  <a:srgbClr val="06287E"/>
-                </a:solidFill>
-                <a:latin typeface="Courier"/>
-              </a:rPr>
-              <a:t>rxp_r</a:t>
-            </a:r>
-            <a:r>
-              <a:rPr>
-                <a:latin typeface="Courier"/>
-              </a:rPr>
-              <a:t>(</a:t>
-            </a:r>
-            <a:br/>
-            <a:r>
-              <a:rPr>
-                <a:latin typeface="Courier"/>
-              </a:rPr>
-              <a:t>  </a:t>
-            </a:r>
-            <a:r>
-              <a:rPr>
-                <a:solidFill>
-                  <a:srgbClr val="7D9029"/>
-                </a:solidFill>
-                <a:latin typeface="Courier"/>
-              </a:rPr>
-              <a:t>name =</a:t>
-            </a:r>
-            <a:r>
-              <a:rPr>
-                <a:latin typeface="Courier"/>
-              </a:rPr>
-              <a:t> </a:t>
-            </a:r>
-            <a:r>
-              <a:rPr>
-                <a:solidFill>
-                  <a:srgbClr val="4070A0"/>
-                </a:solidFill>
-                <a:latin typeface="Courier"/>
-              </a:rPr>
-              <a:t>"x"</a:t>
-            </a:r>
-            <a:r>
-              <a:rPr>
-                <a:latin typeface="Courier"/>
-              </a:rPr>
-              <a:t>,</a:t>
-            </a:r>
-            <a:br/>
-            <a:r>
-              <a:rPr>
-                <a:latin typeface="Courier"/>
-              </a:rPr>
-              <a:t>  </a:t>
-            </a:r>
-            <a:r>
-              <a:rPr>
-                <a:solidFill>
-                  <a:srgbClr val="7D9029"/>
-                </a:solidFill>
-                <a:latin typeface="Courier"/>
-              </a:rPr>
-              <a:t>expr =</a:t>
-            </a:r>
-            <a:r>
-              <a:rPr>
-                <a:latin typeface="Courier"/>
-              </a:rPr>
-              <a:t> </a:t>
-            </a:r>
-            <a:r>
-              <a:rPr>
-                <a:solidFill>
-                  <a:srgbClr val="06287E"/>
-                </a:solidFill>
-                <a:latin typeface="Courier"/>
-              </a:rPr>
-              <a:t>my_fun</a:t>
-            </a:r>
-            <a:r>
-              <a:rPr>
-                <a:latin typeface="Courier"/>
-              </a:rPr>
-              <a:t>(data),</a:t>
-            </a:r>
-            <a:br/>
-            <a:r>
-              <a:rPr>
-                <a:latin typeface="Courier"/>
-              </a:rPr>
-              <a:t>  </a:t>
-            </a:r>
-            <a:r>
-              <a:rPr>
-                <a:solidFill>
-                  <a:srgbClr val="7D9029"/>
-                </a:solidFill>
-                <a:latin typeface="Courier"/>
-              </a:rPr>
-              <a:t>unserialize_function =</a:t>
-            </a:r>
-            <a:r>
-              <a:rPr>
-                <a:latin typeface="Courier"/>
-              </a:rPr>
-              <a:t> </a:t>
-            </a:r>
-            <a:r>
-              <a:rPr>
-                <a:solidFill>
-                  <a:srgbClr val="4070A0"/>
-                </a:solidFill>
-                <a:latin typeface="Courier"/>
-              </a:rPr>
-              <a:t>"jsonlite::fromJSON"</a:t>
-            </a:r>
-            <a:br/>
-            <a:r>
-              <a:rPr>
-                <a:latin typeface="Courier"/>
-              </a:rPr>
-              <a:t>)</a:t>
+              <a:t>To set up GitHub Actions use </a:t>
+            </a:r>
+            <a:r>
+              <a:rPr>
+                <a:latin typeface="Courier"/>
+              </a:rPr>
+              <a:t>rxp_ga()</a:t>
+            </a:r>
+            <a:r>
+              <a:rPr/>
+              <a:t>;</a:t>
+            </a:r>
+          </a:p>
+          <a:p>
+            <a:pPr lvl="0"/>
+            <a:r>
+              <a:rPr/>
+              <a:t>Logs of runs get saved, and possible to reload older versions of build artifacts (see </a:t>
+            </a:r>
+            <a:r>
+              <a:rPr>
+                <a:hlinkClick r:id="rId2"/>
+              </a:rPr>
+              <a:t>vignette</a:t>
+            </a:r>
+            <a:r>
+              <a:rPr/>
+              <a:t>).</a:t>
             </a:r>
           </a:p>
         </p:txBody>
@@ -7323,7 +7165,7 @@
             </a:pPr>
             <a:r>
               <a:rPr/>
-              <a:t>Interactive demo</a:t>
+              <a:t>Transfer with JSON (or other universal format)</a:t>
             </a:r>
           </a:p>
         </p:txBody>
@@ -7343,18 +7185,265 @@
           <a:bodyPr/>
           <a:lstStyle/>
           <a:p>
+            <a:pPr lvl="0"/>
+            <a:r>
+              <a:rPr/>
+              <a:t>Advantage: avoids using </a:t>
+            </a:r>
+            <a:r>
+              <a:rPr>
+                <a:latin typeface="Courier"/>
+              </a:rPr>
+              <a:t>reticulate</a:t>
+            </a:r>
+          </a:p>
+          <a:p>
+            <a:pPr lvl="0"/>
+            <a:r>
+              <a:rPr/>
+              <a:t>Add a Python serialization function:</a:t>
+            </a:r>
+          </a:p>
+          <a:p>
+            <a:pPr lvl="0" indent="0">
+              <a:buNone/>
+            </a:pPr>
+            <a:r>
+              <a:rPr b="1">
+                <a:solidFill>
+                  <a:srgbClr val="007020"/>
+                </a:solidFill>
+                <a:latin typeface="Courier"/>
+              </a:rPr>
+              <a:t>def</a:t>
+            </a:r>
+            <a:r>
+              <a:rPr>
+                <a:latin typeface="Courier"/>
+              </a:rPr>
+              <a:t> serialize_to_json(pl_df, path):</a:t>
+            </a:r>
+            <a:br/>
+            <a:r>
+              <a:rPr>
+                <a:latin typeface="Courier"/>
+              </a:rPr>
+              <a:t>    </a:t>
+            </a:r>
+            <a:r>
+              <a:rPr b="1">
+                <a:solidFill>
+                  <a:srgbClr val="007020"/>
+                </a:solidFill>
+                <a:latin typeface="Courier"/>
+              </a:rPr>
+              <a:t>with</a:t>
+            </a:r>
+            <a:r>
+              <a:rPr>
+                <a:latin typeface="Courier"/>
+              </a:rPr>
+              <a:t> </a:t>
+            </a:r>
+            <a:r>
+              <a:rPr>
+                <a:solidFill>
+                  <a:srgbClr val="008000"/>
+                </a:solidFill>
+                <a:latin typeface="Courier"/>
+              </a:rPr>
+              <a:t>open</a:t>
+            </a:r>
+            <a:r>
+              <a:rPr>
+                <a:latin typeface="Courier"/>
+              </a:rPr>
+              <a:t>(path, </a:t>
+            </a:r>
+            <a:r>
+              <a:rPr>
+                <a:solidFill>
+                  <a:srgbClr val="4070A0"/>
+                </a:solidFill>
+                <a:latin typeface="Courier"/>
+              </a:rPr>
+              <a:t>'w'</a:t>
+            </a:r>
+            <a:r>
+              <a:rPr>
+                <a:latin typeface="Courier"/>
+              </a:rPr>
+              <a:t>) </a:t>
+            </a:r>
+            <a:r>
+              <a:rPr b="1">
+                <a:solidFill>
+                  <a:srgbClr val="008000"/>
+                </a:solidFill>
+                <a:latin typeface="Courier"/>
+              </a:rPr>
+              <a:t>as</a:t>
+            </a:r>
+            <a:r>
+              <a:rPr>
+                <a:latin typeface="Courier"/>
+              </a:rPr>
+              <a:t> f:</a:t>
+            </a:r>
+            <a:br/>
+            <a:r>
+              <a:rPr>
+                <a:latin typeface="Courier"/>
+              </a:rPr>
+              <a:t>        f.write(pl_df.write_json())</a:t>
+            </a:r>
+          </a:p>
+          <a:p>
             <a:pPr lvl="0" indent="0" marL="0">
               <a:buNone/>
             </a:pPr>
             <a:r>
               <a:rPr/>
-              <a:t>See </a:t>
-            </a:r>
-            <a:r>
-              <a:rPr>
-                <a:latin typeface="Courier"/>
-              </a:rPr>
-              <a:t>scripts/rixpress_demo</a:t>
+              <a:t>. . .</a:t>
+            </a:r>
+          </a:p>
+          <a:p>
+            <a:pPr lvl="0"/>
+            <a:r>
+              <a:rPr/>
+              <a:t>And on the R side:</a:t>
+            </a:r>
+          </a:p>
+          <a:p>
+            <a:pPr lvl="0" indent="0">
+              <a:buNone/>
+            </a:pPr>
+            <a:r>
+              <a:rPr>
+                <a:solidFill>
+                  <a:srgbClr val="06287E"/>
+                </a:solidFill>
+                <a:latin typeface="Courier"/>
+              </a:rPr>
+              <a:t>rxp_r</a:t>
+            </a:r>
+            <a:r>
+              <a:rPr>
+                <a:latin typeface="Courier"/>
+              </a:rPr>
+              <a:t>(</a:t>
+            </a:r>
+            <a:br/>
+            <a:r>
+              <a:rPr>
+                <a:latin typeface="Courier"/>
+              </a:rPr>
+              <a:t>  </a:t>
+            </a:r>
+            <a:r>
+              <a:rPr>
+                <a:solidFill>
+                  <a:srgbClr val="7D9029"/>
+                </a:solidFill>
+                <a:latin typeface="Courier"/>
+              </a:rPr>
+              <a:t>name =</a:t>
+            </a:r>
+            <a:r>
+              <a:rPr>
+                <a:latin typeface="Courier"/>
+              </a:rPr>
+              <a:t> </a:t>
+            </a:r>
+            <a:r>
+              <a:rPr>
+                <a:solidFill>
+                  <a:srgbClr val="4070A0"/>
+                </a:solidFill>
+                <a:latin typeface="Courier"/>
+              </a:rPr>
+              <a:t>"x"</a:t>
+            </a:r>
+            <a:r>
+              <a:rPr>
+                <a:latin typeface="Courier"/>
+              </a:rPr>
+              <a:t>,</a:t>
+            </a:r>
+            <a:br/>
+            <a:r>
+              <a:rPr>
+                <a:latin typeface="Courier"/>
+              </a:rPr>
+              <a:t>  </a:t>
+            </a:r>
+            <a:r>
+              <a:rPr>
+                <a:solidFill>
+                  <a:srgbClr val="7D9029"/>
+                </a:solidFill>
+                <a:latin typeface="Courier"/>
+              </a:rPr>
+              <a:t>expr =</a:t>
+            </a:r>
+            <a:r>
+              <a:rPr>
+                <a:latin typeface="Courier"/>
+              </a:rPr>
+              <a:t> </a:t>
+            </a:r>
+            <a:r>
+              <a:rPr>
+                <a:solidFill>
+                  <a:srgbClr val="06287E"/>
+                </a:solidFill>
+                <a:latin typeface="Courier"/>
+              </a:rPr>
+              <a:t>my_fun</a:t>
+            </a:r>
+            <a:r>
+              <a:rPr>
+                <a:latin typeface="Courier"/>
+              </a:rPr>
+              <a:t>(data),</a:t>
+            </a:r>
+            <a:br/>
+            <a:r>
+              <a:rPr>
+                <a:latin typeface="Courier"/>
+              </a:rPr>
+              <a:t>  </a:t>
+            </a:r>
+            <a:r>
+              <a:rPr>
+                <a:solidFill>
+                  <a:srgbClr val="7D9029"/>
+                </a:solidFill>
+                <a:latin typeface="Courier"/>
+              </a:rPr>
+              <a:t>unserialize_function =</a:t>
+            </a:r>
+            <a:r>
+              <a:rPr>
+                <a:latin typeface="Courier"/>
+              </a:rPr>
+              <a:t> </a:t>
+            </a:r>
+            <a:r>
+              <a:rPr>
+                <a:solidFill>
+                  <a:srgbClr val="4070A0"/>
+                </a:solidFill>
+                <a:latin typeface="Courier"/>
+              </a:rPr>
+              <a:t>"jsonlite::fromJSON"</a:t>
+            </a:r>
+            <a:br/>
+            <a:r>
+              <a:rPr>
+                <a:latin typeface="Courier"/>
+              </a:rPr>
+              <a:t>)</a:t>
             </a:r>
           </a:p>
         </p:txBody>
@@ -7401,7 +7490,7 @@
             </a:pPr>
             <a:r>
               <a:rPr/>
-              <a:t>To learn more:</a:t>
+              <a:t>Interactive demo</a:t>
             </a:r>
           </a:p>
         </p:txBody>
@@ -7421,30 +7510,18 @@
           <a:bodyPr/>
           <a:lstStyle/>
           <a:p>
-            <a:pPr lvl="0"/>
-            <a:r>
-              <a:rPr>
-                <a:hlinkClick r:id="rId2"/>
-              </a:rPr>
-              <a:t>Repository GitHub</a:t>
-            </a:r>
-          </a:p>
-          <a:p>
-            <a:pPr lvl="0"/>
-            <a:r>
-              <a:rPr>
-                <a:hlinkClick r:id="rId3"/>
-              </a:rPr>
-              <a:t>Website</a:t>
-            </a:r>
-          </a:p>
-          <a:p>
-            <a:pPr lvl="0"/>
-            <a:r>
-              <a:rPr>
-                <a:hlinkClick r:id="rId4"/>
-              </a:rPr>
-              <a:t>Repository of demos</a:t>
+            <a:pPr lvl="0" indent="0" marL="0">
+              <a:buNone/>
+            </a:pPr>
+            <a:r>
+              <a:rPr/>
+              <a:t>See </a:t>
+            </a:r>
+            <a:r>
+              <a:rPr>
+                <a:latin typeface="Courier"/>
+              </a:rPr>
+              <a:t>scripts/rixpress_demo</a:t>
             </a:r>
           </a:p>
         </p:txBody>
@@ -7455,6 +7532,96 @@
 </file>
 
 <file path=ppt/slides/slide35.xml><?xml version="1.0" encoding="utf-8"?>
+<p:sld xmlns:a="http://schemas.openxmlformats.org/drawingml/2006/main" xmlns:r="http://schemas.openxmlformats.org/officeDocument/2006/relationships" xmlns:p="http://schemas.openxmlformats.org/presentationml/2006/main">
+  <p:cSld>
+    <p:spTree>
+      <p:nvGrpSpPr>
+        <p:cNvPr id="1" name=""/>
+        <p:cNvGrpSpPr/>
+        <p:nvPr/>
+      </p:nvGrpSpPr>
+      <p:grpSpPr>
+        <a:xfrm>
+          <a:off x="0" y="0"/>
+          <a:ext cx="0" cy="0"/>
+          <a:chOff x="0" y="0"/>
+          <a:chExt cx="0" cy="0"/>
+        </a:xfrm>
+      </p:grpSpPr>
+      <p:sp>
+        <p:nvSpPr>
+          <p:cNvPr id="2" name="Title 1"/>
+          <p:cNvSpPr>
+            <a:spLocks noGrp="1"/>
+          </p:cNvSpPr>
+          <p:nvPr>
+            <p:ph type="title"/>
+          </p:nvPr>
+        </p:nvSpPr>
+        <p:spPr/>
+        <p:txBody>
+          <a:bodyPr/>
+          <a:lstStyle/>
+          <a:p>
+            <a:pPr lvl="0" indent="0" marL="0">
+              <a:buNone/>
+            </a:pPr>
+            <a:r>
+              <a:rPr/>
+              <a:t>To learn more:</a:t>
+            </a:r>
+          </a:p>
+        </p:txBody>
+      </p:sp>
+      <p:sp>
+        <p:nvSpPr>
+          <p:cNvPr id="3" name="Content Placeholder 2"/>
+          <p:cNvSpPr>
+            <a:spLocks noGrp="1"/>
+          </p:cNvSpPr>
+          <p:nvPr>
+            <p:ph idx="1"/>
+          </p:nvPr>
+        </p:nvSpPr>
+        <p:spPr/>
+        <p:txBody>
+          <a:bodyPr/>
+          <a:lstStyle/>
+          <a:p>
+            <a:pPr lvl="0"/>
+            <a:r>
+              <a:rPr>
+                <a:hlinkClick r:id="rId2"/>
+              </a:rPr>
+              <a:t>Repository GitHub</a:t>
+            </a:r>
+          </a:p>
+          <a:p>
+            <a:pPr lvl="0"/>
+            <a:r>
+              <a:rPr>
+                <a:hlinkClick r:id="rId3"/>
+              </a:rPr>
+              <a:t>Website</a:t>
+            </a:r>
+          </a:p>
+          <a:p>
+            <a:pPr lvl="0"/>
+            <a:r>
+              <a:rPr>
+                <a:hlinkClick r:id="rId4"/>
+              </a:rPr>
+              <a:t>Repository of demos</a:t>
+            </a:r>
+          </a:p>
+        </p:txBody>
+      </p:sp>
+    </p:spTree>
+  </p:cSld>
+</p:sld>
+</file>
+
+<file path=ppt/slides/slide36.xml><?xml version="1.0" encoding="utf-8"?>
 <p:sld xmlns:a="http://schemas.openxmlformats.org/drawingml/2006/main" xmlns:r="http://schemas.openxmlformats.org/officeDocument/2006/relationships" xmlns:p="http://schemas.openxmlformats.org/presentationml/2006/main">
   <p:cSld>
     <p:spTree>

--- a/docs/index.pptx
+++ b/docs/index.pptx
@@ -4813,13 +4813,26 @@
             <a:pPr lvl="0"/>
             <a:r>
               <a:rPr/>
+              <a:t>renv2nix: </a:t>
+            </a:r>
+            <a:r>
+              <a:rPr>
+                <a:latin typeface="Courier"/>
+              </a:rPr>
+              <a:t>scripts/nix_expressions/02_renv2nix/</a:t>
+            </a:r>
+          </a:p>
+          <a:p>
+            <a:pPr lvl="0"/>
+            <a:r>
+              <a:rPr/>
               <a:t>Native Code/Positron on Windows: </a:t>
             </a:r>
             <a:r>
               <a:rPr>
                 <a:latin typeface="Courier"/>
               </a:rPr>
-              <a:t>scripts/nix_expressions/02_native_vscode_example/</a:t>
+              <a:t>scripts/nix_expressions/03_native_vscode_example/</a:t>
             </a:r>
           </a:p>
           <a:p>
@@ -4842,7 +4855,7 @@
               <a:rPr>
                 <a:latin typeface="Courier"/>
               </a:rPr>
-              <a:t>scripts/nix_expressions/03_nix_targets_pipeline</a:t>
+              <a:t>scripts/nix_expressions/04_nix_targets_pipeline</a:t>
             </a:r>
           </a:p>
           <a:p>
@@ -4855,7 +4868,7 @@
               <a:rPr>
                 <a:latin typeface="Courier"/>
               </a:rPr>
-              <a:t>scripts/nix_expressions/04_docker/</a:t>
+              <a:t>scripts/nix_expressions/05_docker/</a:t>
             </a:r>
           </a:p>
           <a:p>
@@ -4878,7 +4891,7 @@
               <a:rPr>
                 <a:latin typeface="Courier"/>
               </a:rPr>
-              <a:t>scripts/nix_expressions/05_shiny</a:t>
+              <a:t>scripts/nix_expressions/06_shiny</a:t>
             </a:r>
           </a:p>
           <a:p>

--- a/docs/index.pptx
+++ b/docs/index.pptx
@@ -4855,7 +4855,7 @@
               <a:rPr>
                 <a:latin typeface="Courier"/>
               </a:rPr>
-              <a:t>scripts/nix_expressions/04_nix_targets_pipeline</a:t>
+              <a:t>scripts/nix_expressions/04_nix_targets_pipeline/</a:t>
             </a:r>
           </a:p>
           <a:p>
@@ -4891,7 +4891,7 @@
               <a:rPr>
                 <a:latin typeface="Courier"/>
               </a:rPr>
-              <a:t>scripts/nix_expressions/06_shiny</a:t>
+              <a:t>scripts/nix_expressions/06_shiny/</a:t>
             </a:r>
           </a:p>
           <a:p>
@@ -7218,6 +7218,15 @@
             </a:r>
           </a:p>
           <a:p>
+            <a:pPr lvl="0" indent="0" marL="0">
+              <a:buNone/>
+            </a:pPr>
+            <a:r>
+              <a:rPr/>
+              <a:t>. . .</a:t>
+            </a:r>
+          </a:p>
+          <a:p>
             <a:pPr lvl="0" indent="0">
               <a:buNone/>
             </a:pPr>
@@ -7312,19 +7321,19 @@
             </a:r>
           </a:p>
           <a:p>
+            <a:pPr lvl="0"/>
+            <a:r>
+              <a:rPr/>
+              <a:t>And on the R side:</a:t>
+            </a:r>
+          </a:p>
+          <a:p>
             <a:pPr lvl="0" indent="0" marL="0">
               <a:buNone/>
             </a:pPr>
             <a:r>
               <a:rPr/>
               <a:t>. . .</a:t>
-            </a:r>
-          </a:p>
-          <a:p>
-            <a:pPr lvl="0"/>
-            <a:r>
-              <a:rPr/>
-              <a:t>And on the R side:</a:t>
             </a:r>
           </a:p>
           <a:p>

--- a/docs/index.pptx
+++ b/docs/index.pptx
@@ -41,6 +41,7 @@
     <p:sldId id="289" r:id="rId35"/>
     <p:sldId id="290" r:id="rId36"/>
     <p:sldId id="291" r:id="rId37"/>
+    <p:sldId id="292" r:id="rId38"/>
   </p:sldIdLst>
   <p:sldSz cx="9144000" cy="5143500" type="screen16x9"/>
   <p:notesSz cx="6858000" cy="9144000"/>
@@ -3229,7 +3230,7 @@
             </a:pPr>
             <a:r>
               <a:rPr/>
-              <a:t>Available solutions for R (2/2)</a:t>
+              <a:t>Available solutions for R (1/2)</a:t>
             </a:r>
           </a:p>
         </p:txBody>
@@ -3251,35 +3252,74 @@
           <a:p>
             <a:pPr lvl="0"/>
             <a:r>
-              <a:rPr/>
-              <a:t>Docker limitations:</a:t>
+              <a:rPr>
+                <a:latin typeface="Courier"/>
+              </a:rPr>
+              <a:t>{renv}</a:t>
+            </a:r>
+            <a:r>
+              <a:rPr/>
+              <a:t> or </a:t>
+            </a:r>
+            <a:r>
+              <a:rPr>
+                <a:latin typeface="Courier"/>
+              </a:rPr>
+              <a:t>{groundhog}</a:t>
+            </a:r>
+            <a:r>
+              <a:rPr/>
+              <a:t>: simple to use, but:</a:t>
             </a:r>
           </a:p>
           <a:p>
             <a:pPr lvl="1"/>
             <a:r>
               <a:rPr/>
-              <a:t>Learning curve (Linux knowledge recommended)</a:t>
+              <a:t>Doesn’t save the R version</a:t>
             </a:r>
           </a:p>
           <a:p>
             <a:pPr lvl="1"/>
             <a:r>
               <a:rPr/>
-              <a:t>Not originally designed for reproducibility</a:t>
+              <a:t>Installing old packages may fail (system dependencies)</a:t>
+            </a:r>
+          </a:p>
+          <a:p>
+            <a:pPr lvl="0"/>
+            <a:r>
+              <a:rPr/>
+              <a:t>Docker goes further:</a:t>
             </a:r>
           </a:p>
           <a:p>
             <a:pPr lvl="1"/>
             <a:r>
               <a:rPr/>
-              <a:t>See: </a:t>
-            </a:r>
-            <a:r>
-              <a:rPr>
-                <a:hlinkClick r:id="rId2"/>
-              </a:rPr>
-              <a:t>Rocker</a:t>
+              <a:t>Manages R </a:t>
+            </a:r>
+            <a:r>
+              <a:rPr i="1"/>
+              <a:t>and</a:t>
+            </a:r>
+            <a:r>
+              <a:rPr/>
+              <a:t> system dependencies</a:t>
+            </a:r>
+          </a:p>
+          <a:p>
+            <a:pPr lvl="1"/>
+            <a:r>
+              <a:rPr/>
+              <a:t>Uses immutable and shareable img</a:t>
+            </a:r>
+          </a:p>
+          <a:p>
+            <a:pPr lvl="1"/>
+            <a:r>
+              <a:rPr/>
+              <a:t>Containers executable anywhere</a:t>
             </a:r>
           </a:p>
         </p:txBody>
@@ -3290,6 +3330,103 @@
 </file>
 
 <file path=ppt/slides/slide11.xml><?xml version="1.0" encoding="utf-8"?>
+<p:sld xmlns:a="http://schemas.openxmlformats.org/drawingml/2006/main" xmlns:r="http://schemas.openxmlformats.org/officeDocument/2006/relationships" xmlns:p="http://schemas.openxmlformats.org/presentationml/2006/main">
+  <p:cSld>
+    <p:spTree>
+      <p:nvGrpSpPr>
+        <p:cNvPr id="1" name=""/>
+        <p:cNvGrpSpPr/>
+        <p:nvPr/>
+      </p:nvGrpSpPr>
+      <p:grpSpPr>
+        <a:xfrm>
+          <a:off x="0" y="0"/>
+          <a:ext cx="0" cy="0"/>
+          <a:chOff x="0" y="0"/>
+          <a:chExt cx="0" cy="0"/>
+        </a:xfrm>
+      </p:grpSpPr>
+      <p:sp>
+        <p:nvSpPr>
+          <p:cNvPr id="2" name="Title 1"/>
+          <p:cNvSpPr>
+            <a:spLocks noGrp="1"/>
+          </p:cNvSpPr>
+          <p:nvPr>
+            <p:ph type="title"/>
+          </p:nvPr>
+        </p:nvSpPr>
+        <p:spPr/>
+        <p:txBody>
+          <a:bodyPr/>
+          <a:lstStyle/>
+          <a:p>
+            <a:pPr lvl="0" indent="0" marL="0">
+              <a:buNone/>
+            </a:pPr>
+            <a:r>
+              <a:rPr/>
+              <a:t>Available solutions for R (2/2)</a:t>
+            </a:r>
+          </a:p>
+        </p:txBody>
+      </p:sp>
+      <p:sp>
+        <p:nvSpPr>
+          <p:cNvPr id="3" name="Content Placeholder 2"/>
+          <p:cNvSpPr>
+            <a:spLocks noGrp="1"/>
+          </p:cNvSpPr>
+          <p:nvPr>
+            <p:ph idx="1"/>
+          </p:nvPr>
+        </p:nvSpPr>
+        <p:spPr/>
+        <p:txBody>
+          <a:bodyPr/>
+          <a:lstStyle/>
+          <a:p>
+            <a:pPr lvl="0"/>
+            <a:r>
+              <a:rPr/>
+              <a:t>Docker limitations:</a:t>
+            </a:r>
+          </a:p>
+          <a:p>
+            <a:pPr lvl="1"/>
+            <a:r>
+              <a:rPr/>
+              <a:t>Learning curve (Linux knowledge recommended)</a:t>
+            </a:r>
+          </a:p>
+          <a:p>
+            <a:pPr lvl="1"/>
+            <a:r>
+              <a:rPr/>
+              <a:t>Not originally designed for reproducibility</a:t>
+            </a:r>
+          </a:p>
+          <a:p>
+            <a:pPr lvl="1"/>
+            <a:r>
+              <a:rPr/>
+              <a:t>See: </a:t>
+            </a:r>
+            <a:r>
+              <a:rPr>
+                <a:hlinkClick r:id="rId2"/>
+              </a:rPr>
+              <a:t>Rocker</a:t>
+            </a:r>
+          </a:p>
+        </p:txBody>
+      </p:sp>
+    </p:spTree>
+  </p:cSld>
+</p:sld>
+</file>
+
+<file path=ppt/slides/slide12.xml><?xml version="1.0" encoding="utf-8"?>
 <p:sld xmlns:a="http://schemas.openxmlformats.org/drawingml/2006/main" xmlns:r="http://schemas.openxmlformats.org/officeDocument/2006/relationships" xmlns:p="http://schemas.openxmlformats.org/presentationml/2006/main">
   <p:cSld>
     <p:spTree>
@@ -3457,105 +3594,6 @@
 </p:sld>
 </file>
 
-<file path=ppt/slides/slide12.xml><?xml version="1.0" encoding="utf-8"?>
-<p:sld xmlns:a="http://schemas.openxmlformats.org/drawingml/2006/main" xmlns:r="http://schemas.openxmlformats.org/officeDocument/2006/relationships" xmlns:p="http://schemas.openxmlformats.org/presentationml/2006/main">
-  <p:cSld>
-    <p:spTree>
-      <p:nvGrpSpPr>
-        <p:cNvPr id="1" name=""/>
-        <p:cNvGrpSpPr/>
-        <p:nvPr/>
-      </p:nvGrpSpPr>
-      <p:grpSpPr>
-        <a:xfrm>
-          <a:off x="0" y="0"/>
-          <a:ext cx="0" cy="0"/>
-          <a:chOff x="0" y="0"/>
-          <a:chExt cx="0" cy="0"/>
-        </a:xfrm>
-      </p:grpSpPr>
-      <p:sp>
-        <p:nvSpPr>
-          <p:cNvPr id="2" name="Title 1"/>
-          <p:cNvSpPr>
-            <a:spLocks noGrp="1"/>
-          </p:cNvSpPr>
-          <p:nvPr>
-            <p:ph type="title"/>
-          </p:nvPr>
-        </p:nvSpPr>
-        <p:spPr/>
-        <p:txBody>
-          <a:bodyPr/>
-          <a:lstStyle/>
-          <a:p>
-            <a:pPr lvl="0" indent="0" marL="0">
-              <a:buNone/>
-            </a:pPr>
-            <a:r>
-              <a:rPr/>
-              <a:t>The Nix package manager (2/2)</a:t>
-            </a:r>
-          </a:p>
-        </p:txBody>
-      </p:sp>
-      <p:sp>
-        <p:nvSpPr>
-          <p:cNvPr id="3" name="Content Placeholder 2"/>
-          <p:cNvSpPr>
-            <a:spLocks noGrp="1"/>
-          </p:cNvSpPr>
-          <p:nvPr>
-            <p:ph idx="1"/>
-          </p:nvPr>
-        </p:nvSpPr>
-        <p:spPr/>
-        <p:txBody>
-          <a:bodyPr/>
-          <a:lstStyle/>
-          <a:p>
-            <a:pPr lvl="0"/>
-            <a:r>
-              <a:rPr/>
-              <a:t>To ensure reproducibility: R, R packages, and other dependencies must be explicitly managed</a:t>
-            </a:r>
-          </a:p>
-          <a:p>
-            <a:pPr lvl="0"/>
-            <a:r>
-              <a:rPr/>
-              <a:t>Nix is a package manager truly focused on reproducible builds</a:t>
-            </a:r>
-          </a:p>
-          <a:p>
-            <a:pPr lvl="0"/>
-            <a:r>
-              <a:rPr/>
-              <a:t>Nix manages everything using a single text file (called a Nix expression)!</a:t>
-            </a:r>
-          </a:p>
-          <a:p>
-            <a:pPr lvl="0"/>
-            <a:r>
-              <a:rPr/>
-              <a:t>These expressions </a:t>
-            </a:r>
-            <a:r>
-              <a:rPr i="1"/>
-              <a:t>always</a:t>
-            </a:r>
-            <a:r>
-              <a:rPr/>
-              <a:t> produce exactly the same result</a:t>
-            </a:r>
-          </a:p>
-        </p:txBody>
-      </p:sp>
-    </p:spTree>
-  </p:cSld>
-</p:sld>
-</file>
-
 <file path=ppt/slides/slide13.xml><?xml version="1.0" encoding="utf-8"?>
 <p:sld xmlns:a="http://schemas.openxmlformats.org/drawingml/2006/main" xmlns:r="http://schemas.openxmlformats.org/officeDocument/2006/relationships" xmlns:p="http://schemas.openxmlformats.org/presentationml/2006/main">
   <p:cSld>
@@ -3593,7 +3631,7 @@
             </a:pPr>
             <a:r>
               <a:rPr/>
-              <a:t>rix: reproducible development environments with Nix (1/5)</a:t>
+              <a:t>The Nix package manager (2/2)</a:t>
             </a:r>
           </a:p>
         </p:txBody>
@@ -3615,369 +3653,37 @@
           <a:p>
             <a:pPr lvl="0"/>
             <a:r>
-              <a:rPr>
-                <a:latin typeface="Courier"/>
-              </a:rPr>
-              <a:t>{rix}</a:t>
-            </a:r>
-            <a:r>
-              <a:rPr/>
-              <a:t> (</a:t>
-            </a:r>
-            <a:r>
-              <a:rPr>
-                <a:hlinkClick r:id="rId2"/>
-              </a:rPr>
-              <a:t>website</a:t>
-            </a:r>
-            <a:r>
-              <a:rPr/>
-              <a:t>) simplifies writing Nix expressions!</a:t>
+              <a:rPr/>
+              <a:t>To ensure reproducibility: R, R packages, and other dependencies must be explicitly managed</a:t>
             </a:r>
           </a:p>
           <a:p>
             <a:pPr lvl="0"/>
             <a:r>
               <a:rPr/>
-              <a:t>Just use the provided </a:t>
-            </a:r>
-            <a:r>
-              <a:rPr>
-                <a:latin typeface="Courier"/>
-              </a:rPr>
-              <a:t>rix()</a:t>
-            </a:r>
-            <a:r>
-              <a:rPr/>
-              <a:t> function:</a:t>
-            </a:r>
-          </a:p>
-          <a:p>
-            <a:pPr lvl="0" indent="0" marL="0">
-              <a:buNone/>
-            </a:pPr>
-            <a:r>
-              <a:rPr/>
-              <a:t>. . .</a:t>
-            </a:r>
-          </a:p>
-          <a:p>
-            <a:pPr lvl="0" indent="0">
-              <a:buNone/>
-            </a:pPr>
-            <a:r>
-              <a:rPr>
-                <a:solidFill>
-                  <a:srgbClr val="06287E"/>
-                </a:solidFill>
-                <a:latin typeface="Courier"/>
-              </a:rPr>
-              <a:t>library</a:t>
-            </a:r>
-            <a:r>
-              <a:rPr>
-                <a:latin typeface="Courier"/>
-              </a:rPr>
-              <a:t>(rix)</a:t>
-            </a:r>
-            <a:br/>
-            <a:br/>
-            <a:r>
-              <a:rPr>
-                <a:solidFill>
-                  <a:srgbClr val="06287E"/>
-                </a:solidFill>
-                <a:latin typeface="Courier"/>
-              </a:rPr>
-              <a:t>rix</a:t>
-            </a:r>
-            <a:r>
-              <a:rPr>
-                <a:latin typeface="Courier"/>
-              </a:rPr>
-              <a:t>(</a:t>
-            </a:r>
-            <a:r>
-              <a:rPr>
-                <a:solidFill>
-                  <a:srgbClr val="7D9029"/>
-                </a:solidFill>
-                <a:latin typeface="Courier"/>
-              </a:rPr>
-              <a:t>date =</a:t>
-            </a:r>
-            <a:r>
-              <a:rPr>
-                <a:latin typeface="Courier"/>
-              </a:rPr>
-              <a:t> </a:t>
-            </a:r>
-            <a:r>
-              <a:rPr>
-                <a:solidFill>
-                  <a:srgbClr val="4070A0"/>
-                </a:solidFill>
-                <a:latin typeface="Courier"/>
-              </a:rPr>
-              <a:t>"2025-06-02"</a:t>
-            </a:r>
-            <a:r>
-              <a:rPr>
-                <a:latin typeface="Courier"/>
-              </a:rPr>
-              <a:t>,</a:t>
-            </a:r>
-            <a:br/>
-            <a:r>
-              <a:rPr>
-                <a:latin typeface="Courier"/>
-              </a:rPr>
-              <a:t>    </a:t>
-            </a:r>
-            <a:r>
-              <a:rPr>
-                <a:solidFill>
-                  <a:srgbClr val="7D9029"/>
-                </a:solidFill>
-                <a:latin typeface="Courier"/>
-              </a:rPr>
-              <a:t>r_pkgs =</a:t>
-            </a:r>
-            <a:r>
-              <a:rPr>
-                <a:latin typeface="Courier"/>
-              </a:rPr>
-              <a:t> </a:t>
-            </a:r>
-            <a:r>
-              <a:rPr>
-                <a:solidFill>
-                  <a:srgbClr val="06287E"/>
-                </a:solidFill>
-                <a:latin typeface="Courier"/>
-              </a:rPr>
-              <a:t>c</a:t>
-            </a:r>
-            <a:r>
-              <a:rPr>
-                <a:latin typeface="Courier"/>
-              </a:rPr>
-              <a:t>(</a:t>
-            </a:r>
-            <a:r>
-              <a:rPr>
-                <a:solidFill>
-                  <a:srgbClr val="4070A0"/>
-                </a:solidFill>
-                <a:latin typeface="Courier"/>
-              </a:rPr>
-              <a:t>"dplyr"</a:t>
-            </a:r>
-            <a:r>
-              <a:rPr>
-                <a:latin typeface="Courier"/>
-              </a:rPr>
-              <a:t>, </a:t>
-            </a:r>
-            <a:r>
-              <a:rPr>
-                <a:solidFill>
-                  <a:srgbClr val="4070A0"/>
-                </a:solidFill>
-                <a:latin typeface="Courier"/>
-              </a:rPr>
-              <a:t>"ggplot2"</a:t>
-            </a:r>
-            <a:r>
-              <a:rPr>
-                <a:latin typeface="Courier"/>
-              </a:rPr>
-              <a:t>),</a:t>
-            </a:r>
-            <a:br/>
-            <a:r>
-              <a:rPr>
-                <a:latin typeface="Courier"/>
-              </a:rPr>
-              <a:t>    </a:t>
-            </a:r>
-            <a:r>
-              <a:rPr>
-                <a:solidFill>
-                  <a:srgbClr val="7D9029"/>
-                </a:solidFill>
-                <a:latin typeface="Courier"/>
-              </a:rPr>
-              <a:t>system_pkgs =</a:t>
-            </a:r>
-            <a:r>
-              <a:rPr>
-                <a:latin typeface="Courier"/>
-              </a:rPr>
-              <a:t> </a:t>
-            </a:r>
-            <a:r>
-              <a:rPr>
-                <a:solidFill>
-                  <a:srgbClr val="880000"/>
-                </a:solidFill>
-                <a:latin typeface="Courier"/>
-              </a:rPr>
-              <a:t>NULL</a:t>
-            </a:r>
-            <a:r>
-              <a:rPr>
-                <a:latin typeface="Courier"/>
-              </a:rPr>
-              <a:t>,</a:t>
-            </a:r>
-            <a:br/>
-            <a:r>
-              <a:rPr>
-                <a:latin typeface="Courier"/>
-              </a:rPr>
-              <a:t>    </a:t>
-            </a:r>
-            <a:r>
-              <a:rPr>
-                <a:solidFill>
-                  <a:srgbClr val="7D9029"/>
-                </a:solidFill>
-                <a:latin typeface="Courier"/>
-              </a:rPr>
-              <a:t>git_pkgs =</a:t>
-            </a:r>
-            <a:r>
-              <a:rPr>
-                <a:latin typeface="Courier"/>
-              </a:rPr>
-              <a:t> </a:t>
-            </a:r>
-            <a:r>
-              <a:rPr>
-                <a:solidFill>
-                  <a:srgbClr val="880000"/>
-                </a:solidFill>
-                <a:latin typeface="Courier"/>
-              </a:rPr>
-              <a:t>NULL</a:t>
-            </a:r>
-            <a:r>
-              <a:rPr>
-                <a:latin typeface="Courier"/>
-              </a:rPr>
-              <a:t>,</a:t>
-            </a:r>
-            <a:br/>
-            <a:r>
-              <a:rPr>
-                <a:latin typeface="Courier"/>
-              </a:rPr>
-              <a:t>    </a:t>
-            </a:r>
-            <a:r>
-              <a:rPr>
-                <a:solidFill>
-                  <a:srgbClr val="7D9029"/>
-                </a:solidFill>
-                <a:latin typeface="Courier"/>
-              </a:rPr>
-              <a:t>tex_pkgs =</a:t>
-            </a:r>
-            <a:r>
-              <a:rPr>
-                <a:latin typeface="Courier"/>
-              </a:rPr>
-              <a:t> </a:t>
-            </a:r>
-            <a:r>
-              <a:rPr>
-                <a:solidFill>
-                  <a:srgbClr val="880000"/>
-                </a:solidFill>
-                <a:latin typeface="Courier"/>
-              </a:rPr>
-              <a:t>NULL</a:t>
-            </a:r>
-            <a:r>
-              <a:rPr>
-                <a:latin typeface="Courier"/>
-              </a:rPr>
-              <a:t>,</a:t>
-            </a:r>
-            <a:br/>
-            <a:r>
-              <a:rPr>
-                <a:latin typeface="Courier"/>
-              </a:rPr>
-              <a:t>    </a:t>
-            </a:r>
-            <a:r>
-              <a:rPr>
-                <a:solidFill>
-                  <a:srgbClr val="7D9029"/>
-                </a:solidFill>
-                <a:latin typeface="Courier"/>
-              </a:rPr>
-              <a:t>ide =</a:t>
-            </a:r>
-            <a:r>
-              <a:rPr>
-                <a:latin typeface="Courier"/>
-              </a:rPr>
-              <a:t> </a:t>
-            </a:r>
-            <a:r>
-              <a:rPr>
-                <a:solidFill>
-                  <a:srgbClr val="4070A0"/>
-                </a:solidFill>
-                <a:latin typeface="Courier"/>
-              </a:rPr>
-              <a:t>"code"</a:t>
-            </a:r>
-            <a:r>
-              <a:rPr>
-                <a:latin typeface="Courier"/>
-              </a:rPr>
-              <a:t>,</a:t>
-            </a:r>
-            <a:br/>
-            <a:r>
-              <a:rPr>
-                <a:latin typeface="Courier"/>
-              </a:rPr>
-              <a:t>    </a:t>
-            </a:r>
-            <a:r>
-              <a:rPr>
-                <a:solidFill>
-                  <a:srgbClr val="7D9029"/>
-                </a:solidFill>
-                <a:latin typeface="Courier"/>
-              </a:rPr>
-              <a:t>project_path =</a:t>
-            </a:r>
-            <a:r>
-              <a:rPr>
-                <a:latin typeface="Courier"/>
-              </a:rPr>
-              <a:t> </a:t>
-            </a:r>
-            <a:r>
-              <a:rPr>
-                <a:solidFill>
-                  <a:srgbClr val="4070A0"/>
-                </a:solidFill>
-                <a:latin typeface="Courier"/>
-              </a:rPr>
-              <a:t>"."</a:t>
-            </a:r>
-            <a:r>
-              <a:rPr>
-                <a:latin typeface="Courier"/>
-              </a:rPr>
-              <a:t>)</a:t>
+              <a:t>Nix is a package manager truly focused on reproducible builds</a:t>
+            </a:r>
+          </a:p>
+          <a:p>
+            <a:pPr lvl="0"/>
+            <a:r>
+              <a:rPr/>
+              <a:t>Nix manages everything using a single text file (called a Nix expression)!</a:t>
+            </a:r>
+          </a:p>
+          <a:p>
+            <a:pPr lvl="0"/>
+            <a:r>
+              <a:rPr/>
+              <a:t>These expressions </a:t>
+            </a:r>
+            <a:r>
+              <a:rPr i="1"/>
+              <a:t>always</a:t>
+            </a:r>
+            <a:r>
+              <a:rPr/>
+              <a:t> produce exactly the same result</a:t>
             </a:r>
           </a:p>
         </p:txBody>
@@ -4024,7 +3730,7 @@
             </a:pPr>
             <a:r>
               <a:rPr/>
-              <a:t>rix: reproducible development environments with Nix (2/5)</a:t>
+              <a:t>rix: reproducible development environments with Nix (1/5)</a:t>
             </a:r>
           </a:p>
         </p:txBody>
@@ -4049,11 +3755,38 @@
               <a:rPr>
                 <a:latin typeface="Courier"/>
               </a:rPr>
-              <a:t>renv.lock</a:t>
-            </a:r>
-            <a:r>
-              <a:rPr/>
-              <a:t> files can also serve as a starting point:</a:t>
+              <a:t>{rix}</a:t>
+            </a:r>
+            <a:r>
+              <a:rPr/>
+              <a:t> (</a:t>
+            </a:r>
+            <a:r>
+              <a:rPr>
+                <a:hlinkClick r:id="rId2"/>
+              </a:rPr>
+              <a:t>website</a:t>
+            </a:r>
+            <a:r>
+              <a:rPr/>
+              <a:t>) simplifies writing Nix expressions!</a:t>
+            </a:r>
+          </a:p>
+          <a:p>
+            <a:pPr lvl="0"/>
+            <a:r>
+              <a:rPr/>
+              <a:t>Just use the provided </a:t>
+            </a:r>
+            <a:r>
+              <a:rPr>
+                <a:latin typeface="Courier"/>
+              </a:rPr>
+              <a:t>rix()</a:t>
+            </a:r>
+            <a:r>
+              <a:rPr/>
+              <a:t> function:</a:t>
             </a:r>
           </a:p>
           <a:p>
@@ -4093,7 +3826,7 @@
                 </a:solidFill>
                 <a:latin typeface="Courier"/>
               </a:rPr>
-              <a:t>renv2nix</a:t>
+              <a:t>rix</a:t>
             </a:r>
             <a:r>
               <a:rPr>
@@ -4101,12 +3834,42 @@
               </a:rPr>
               <a:t>(</a:t>
             </a:r>
+            <a:r>
+              <a:rPr>
+                <a:solidFill>
+                  <a:srgbClr val="7D9029"/>
+                </a:solidFill>
+                <a:latin typeface="Courier"/>
+              </a:rPr>
+              <a:t>date =</a:t>
+            </a:r>
+            <a:r>
+              <a:rPr>
+                <a:latin typeface="Courier"/>
+              </a:rPr>
+              <a:t> </a:t>
+            </a:r>
+            <a:r>
+              <a:rPr>
+                <a:solidFill>
+                  <a:srgbClr val="4070A0"/>
+                </a:solidFill>
+                <a:latin typeface="Courier"/>
+              </a:rPr>
+              <a:t>"2025-06-02"</a:t>
+            </a:r>
+            <a:r>
+              <a:rPr>
+                <a:latin typeface="Courier"/>
+              </a:rPr>
+              <a:t>,</a:t>
+            </a:r>
             <a:br/>
             <a:r>
               <a:rPr>
                 <a:latin typeface="Courier"/>
               </a:rPr>
-              <a:t>  </a:t>
+              <a:t>    </a:t>
             </a:r>
             <a:r>
               <a:rPr>
@@ -4115,7 +3878,7 @@
                 </a:solidFill>
                 <a:latin typeface="Courier"/>
               </a:rPr>
-              <a:t>renv_lock_path =</a:t>
+              <a:t>r_pkgs =</a:t>
             </a:r>
             <a:r>
               <a:rPr>
@@ -4126,11 +3889,78 @@
             <a:r>
               <a:rPr>
                 <a:solidFill>
+                  <a:srgbClr val="06287E"/>
+                </a:solidFill>
+                <a:latin typeface="Courier"/>
+              </a:rPr>
+              <a:t>c</a:t>
+            </a:r>
+            <a:r>
+              <a:rPr>
+                <a:latin typeface="Courier"/>
+              </a:rPr>
+              <a:t>(</a:t>
+            </a:r>
+            <a:r>
+              <a:rPr>
+                <a:solidFill>
                   <a:srgbClr val="4070A0"/>
                 </a:solidFill>
                 <a:latin typeface="Courier"/>
               </a:rPr>
-              <a:t>"path/to/original/renv_project/renv.lock"</a:t>
+              <a:t>"dplyr"</a:t>
+            </a:r>
+            <a:r>
+              <a:rPr>
+                <a:latin typeface="Courier"/>
+              </a:rPr>
+              <a:t>, </a:t>
+            </a:r>
+            <a:r>
+              <a:rPr>
+                <a:solidFill>
+                  <a:srgbClr val="4070A0"/>
+                </a:solidFill>
+                <a:latin typeface="Courier"/>
+              </a:rPr>
+              <a:t>"ggplot2"</a:t>
+            </a:r>
+            <a:r>
+              <a:rPr>
+                <a:latin typeface="Courier"/>
+              </a:rPr>
+              <a:t>),</a:t>
+            </a:r>
+            <a:br/>
+            <a:r>
+              <a:rPr>
+                <a:latin typeface="Courier"/>
+              </a:rPr>
+              <a:t>    </a:t>
+            </a:r>
+            <a:r>
+              <a:rPr>
+                <a:solidFill>
+                  <a:srgbClr val="7D9029"/>
+                </a:solidFill>
+                <a:latin typeface="Courier"/>
+              </a:rPr>
+              <a:t>system_pkgs =</a:t>
+            </a:r>
+            <a:r>
+              <a:rPr>
+                <a:latin typeface="Courier"/>
+              </a:rPr>
+              <a:t> </a:t>
+            </a:r>
+            <a:r>
+              <a:rPr>
+                <a:solidFill>
+                  <a:srgbClr val="880000"/>
+                </a:solidFill>
+                <a:latin typeface="Courier"/>
+              </a:rPr>
+              <a:t>NULL</a:t>
             </a:r>
             <a:r>
               <a:rPr>
@@ -4143,7 +3973,7 @@
               <a:rPr>
                 <a:latin typeface="Courier"/>
               </a:rPr>
-              <a:t>  </a:t>
+              <a:t>    </a:t>
             </a:r>
             <a:r>
               <a:rPr>
@@ -4152,6 +3982,117 @@
                 </a:solidFill>
                 <a:latin typeface="Courier"/>
               </a:rPr>
+              <a:t>git_pkgs =</a:t>
+            </a:r>
+            <a:r>
+              <a:rPr>
+                <a:latin typeface="Courier"/>
+              </a:rPr>
+              <a:t> </a:t>
+            </a:r>
+            <a:r>
+              <a:rPr>
+                <a:solidFill>
+                  <a:srgbClr val="880000"/>
+                </a:solidFill>
+                <a:latin typeface="Courier"/>
+              </a:rPr>
+              <a:t>NULL</a:t>
+            </a:r>
+            <a:r>
+              <a:rPr>
+                <a:latin typeface="Courier"/>
+              </a:rPr>
+              <a:t>,</a:t>
+            </a:r>
+            <a:br/>
+            <a:r>
+              <a:rPr>
+                <a:latin typeface="Courier"/>
+              </a:rPr>
+              <a:t>    </a:t>
+            </a:r>
+            <a:r>
+              <a:rPr>
+                <a:solidFill>
+                  <a:srgbClr val="7D9029"/>
+                </a:solidFill>
+                <a:latin typeface="Courier"/>
+              </a:rPr>
+              <a:t>tex_pkgs =</a:t>
+            </a:r>
+            <a:r>
+              <a:rPr>
+                <a:latin typeface="Courier"/>
+              </a:rPr>
+              <a:t> </a:t>
+            </a:r>
+            <a:r>
+              <a:rPr>
+                <a:solidFill>
+                  <a:srgbClr val="880000"/>
+                </a:solidFill>
+                <a:latin typeface="Courier"/>
+              </a:rPr>
+              <a:t>NULL</a:t>
+            </a:r>
+            <a:r>
+              <a:rPr>
+                <a:latin typeface="Courier"/>
+              </a:rPr>
+              <a:t>,</a:t>
+            </a:r>
+            <a:br/>
+            <a:r>
+              <a:rPr>
+                <a:latin typeface="Courier"/>
+              </a:rPr>
+              <a:t>    </a:t>
+            </a:r>
+            <a:r>
+              <a:rPr>
+                <a:solidFill>
+                  <a:srgbClr val="7D9029"/>
+                </a:solidFill>
+                <a:latin typeface="Courier"/>
+              </a:rPr>
+              <a:t>ide =</a:t>
+            </a:r>
+            <a:r>
+              <a:rPr>
+                <a:latin typeface="Courier"/>
+              </a:rPr>
+              <a:t> </a:t>
+            </a:r>
+            <a:r>
+              <a:rPr>
+                <a:solidFill>
+                  <a:srgbClr val="4070A0"/>
+                </a:solidFill>
+                <a:latin typeface="Courier"/>
+              </a:rPr>
+              <a:t>"code"</a:t>
+            </a:r>
+            <a:r>
+              <a:rPr>
+                <a:latin typeface="Courier"/>
+              </a:rPr>
+              <a:t>,</a:t>
+            </a:r>
+            <a:br/>
+            <a:r>
+              <a:rPr>
+                <a:latin typeface="Courier"/>
+              </a:rPr>
+              <a:t>    </a:t>
+            </a:r>
+            <a:r>
+              <a:rPr>
+                <a:solidFill>
+                  <a:srgbClr val="7D9029"/>
+                </a:solidFill>
+                <a:latin typeface="Courier"/>
+              </a:rPr>
               <a:t>project_path =</a:t>
             </a:r>
             <a:r>
@@ -4167,61 +4108,8 @@
                 </a:solidFill>
                 <a:latin typeface="Courier"/>
               </a:rPr>
-              <a:t>"path/to/rix_project"</a:t>
-            </a:r>
-            <a:r>
-              <a:rPr>
-                <a:latin typeface="Courier"/>
-              </a:rPr>
-              <a:t>,</a:t>
-            </a:r>
-            <a:br/>
-            <a:r>
-              <a:rPr>
-                <a:latin typeface="Courier"/>
-              </a:rPr>
-              <a:t>  </a:t>
-            </a:r>
-            <a:r>
-              <a:rPr>
-                <a:solidFill>
-                  <a:srgbClr val="7D9029"/>
-                </a:solidFill>
-                <a:latin typeface="Courier"/>
-              </a:rPr>
-              <a:t>override_r_ver =</a:t>
-            </a:r>
-            <a:r>
-              <a:rPr>
-                <a:latin typeface="Courier"/>
-              </a:rPr>
-              <a:t> </a:t>
-            </a:r>
-            <a:r>
-              <a:rPr>
-                <a:solidFill>
-                  <a:srgbClr val="4070A0"/>
-                </a:solidFill>
-                <a:latin typeface="Courier"/>
-              </a:rPr>
-              <a:t>"4.4.1"</a:t>
-            </a:r>
-            <a:r>
-              <a:rPr>
-                <a:latin typeface="Courier"/>
-              </a:rPr>
-              <a:t> </a:t>
-            </a:r>
-            <a:r>
-              <a:rPr i="1">
-                <a:solidFill>
-                  <a:srgbClr val="60A0B0"/>
-                </a:solidFill>
-                <a:latin typeface="Courier"/>
-              </a:rPr>
-              <a:t># &lt;- optional</a:t>
-            </a:r>
-            <a:br/>
+              <a:t>"."</a:t>
+            </a:r>
             <a:r>
               <a:rPr>
                 <a:latin typeface="Courier"/>
@@ -4273,7 +4161,7 @@
             </a:pPr>
             <a:r>
               <a:rPr/>
-              <a:t>rix: reproducible development environments with Nix (3/5)</a:t>
+              <a:t>rix: reproducible development environments with Nix (2/5)</a:t>
             </a:r>
           </a:p>
         </p:txBody>
@@ -4295,43 +4183,187 @@
           <a:p>
             <a:pPr lvl="0"/>
             <a:r>
-              <a:rPr/>
-              <a:t>List the R version and required packages</a:t>
-            </a:r>
-          </a:p>
-          <a:p>
-            <a:pPr lvl="0"/>
-            <a:r>
-              <a:rPr/>
-              <a:t>Optionally:</a:t>
-            </a:r>
-          </a:p>
-          <a:p>
-            <a:pPr lvl="1"/>
-            <a:r>
-              <a:rPr/>
-              <a:t>system packages, GitHub packages, or LaTeX packages</a:t>
-            </a:r>
-          </a:p>
-          <a:p>
-            <a:pPr lvl="1"/>
-            <a:r>
-              <a:rPr/>
-              <a:t>an IDE (RStudio, Radian, VS Code, or “other”)</a:t>
-            </a:r>
-          </a:p>
-          <a:p>
-            <a:pPr lvl="1"/>
-            <a:r>
-              <a:rPr/>
-              <a:t>a version of Python and Python packages to include</a:t>
-            </a:r>
-          </a:p>
-          <a:p>
-            <a:pPr lvl="1"/>
-            <a:r>
-              <a:rPr/>
-              <a:t>a version of Julia and Julia packages to include</a:t>
+              <a:rPr>
+                <a:latin typeface="Courier"/>
+              </a:rPr>
+              <a:t>renv.lock</a:t>
+            </a:r>
+            <a:r>
+              <a:rPr/>
+              <a:t> files can also serve as a starting point:</a:t>
+            </a:r>
+          </a:p>
+          <a:p>
+            <a:pPr lvl="0" indent="0" marL="0">
+              <a:buNone/>
+            </a:pPr>
+            <a:r>
+              <a:rPr/>
+              <a:t>. . .</a:t>
+            </a:r>
+          </a:p>
+          <a:p>
+            <a:pPr lvl="0" indent="0">
+              <a:buNone/>
+            </a:pPr>
+            <a:r>
+              <a:rPr>
+                <a:solidFill>
+                  <a:srgbClr val="06287E"/>
+                </a:solidFill>
+                <a:latin typeface="Courier"/>
+              </a:rPr>
+              <a:t>library</a:t>
+            </a:r>
+            <a:r>
+              <a:rPr>
+                <a:latin typeface="Courier"/>
+              </a:rPr>
+              <a:t>(rix)</a:t>
+            </a:r>
+            <a:br/>
+            <a:br/>
+            <a:r>
+              <a:rPr>
+                <a:solidFill>
+                  <a:srgbClr val="06287E"/>
+                </a:solidFill>
+                <a:latin typeface="Courier"/>
+              </a:rPr>
+              <a:t>renv2nix</a:t>
+            </a:r>
+            <a:r>
+              <a:rPr>
+                <a:latin typeface="Courier"/>
+              </a:rPr>
+              <a:t>(</a:t>
+            </a:r>
+            <a:br/>
+            <a:r>
+              <a:rPr>
+                <a:latin typeface="Courier"/>
+              </a:rPr>
+              <a:t>  </a:t>
+            </a:r>
+            <a:r>
+              <a:rPr>
+                <a:solidFill>
+                  <a:srgbClr val="7D9029"/>
+                </a:solidFill>
+                <a:latin typeface="Courier"/>
+              </a:rPr>
+              <a:t>renv_lock_path =</a:t>
+            </a:r>
+            <a:r>
+              <a:rPr>
+                <a:latin typeface="Courier"/>
+              </a:rPr>
+              <a:t> </a:t>
+            </a:r>
+            <a:r>
+              <a:rPr>
+                <a:solidFill>
+                  <a:srgbClr val="4070A0"/>
+                </a:solidFill>
+                <a:latin typeface="Courier"/>
+              </a:rPr>
+              <a:t>"path/to/original/renv_project/renv.lock"</a:t>
+            </a:r>
+            <a:r>
+              <a:rPr>
+                <a:latin typeface="Courier"/>
+              </a:rPr>
+              <a:t>,</a:t>
+            </a:r>
+            <a:br/>
+            <a:r>
+              <a:rPr>
+                <a:latin typeface="Courier"/>
+              </a:rPr>
+              <a:t>  </a:t>
+            </a:r>
+            <a:r>
+              <a:rPr>
+                <a:solidFill>
+                  <a:srgbClr val="7D9029"/>
+                </a:solidFill>
+                <a:latin typeface="Courier"/>
+              </a:rPr>
+              <a:t>project_path =</a:t>
+            </a:r>
+            <a:r>
+              <a:rPr>
+                <a:latin typeface="Courier"/>
+              </a:rPr>
+              <a:t> </a:t>
+            </a:r>
+            <a:r>
+              <a:rPr>
+                <a:solidFill>
+                  <a:srgbClr val="4070A0"/>
+                </a:solidFill>
+                <a:latin typeface="Courier"/>
+              </a:rPr>
+              <a:t>"path/to/rix_project"</a:t>
+            </a:r>
+            <a:r>
+              <a:rPr>
+                <a:latin typeface="Courier"/>
+              </a:rPr>
+              <a:t>,</a:t>
+            </a:r>
+            <a:br/>
+            <a:r>
+              <a:rPr>
+                <a:latin typeface="Courier"/>
+              </a:rPr>
+              <a:t>  </a:t>
+            </a:r>
+            <a:r>
+              <a:rPr>
+                <a:solidFill>
+                  <a:srgbClr val="7D9029"/>
+                </a:solidFill>
+                <a:latin typeface="Courier"/>
+              </a:rPr>
+              <a:t>override_r_ver =</a:t>
+            </a:r>
+            <a:r>
+              <a:rPr>
+                <a:latin typeface="Courier"/>
+              </a:rPr>
+              <a:t> </a:t>
+            </a:r>
+            <a:r>
+              <a:rPr>
+                <a:solidFill>
+                  <a:srgbClr val="4070A0"/>
+                </a:solidFill>
+                <a:latin typeface="Courier"/>
+              </a:rPr>
+              <a:t>"4.4.1"</a:t>
+            </a:r>
+            <a:r>
+              <a:rPr>
+                <a:latin typeface="Courier"/>
+              </a:rPr>
+              <a:t> </a:t>
+            </a:r>
+            <a:r>
+              <a:rPr i="1">
+                <a:solidFill>
+                  <a:srgbClr val="60A0B0"/>
+                </a:solidFill>
+                <a:latin typeface="Courier"/>
+              </a:rPr>
+              <a:t># &lt;- optional</a:t>
+            </a:r>
+            <a:br/>
+            <a:r>
+              <a:rPr>
+                <a:latin typeface="Courier"/>
+              </a:rPr>
+              <a:t>)</a:t>
             </a:r>
           </a:p>
         </p:txBody>
@@ -4378,7 +4410,7 @@
             </a:pPr>
             <a:r>
               <a:rPr/>
-              <a:t>rix: reproducible development environments with Nix (4/5)</a:t>
+              <a:t>rix: reproducible development environments with Nix (3/5)</a:t>
             </a:r>
           </a:p>
         </p:txBody>
@@ -4400,71 +4432,43 @@
           <a:p>
             <a:pPr lvl="0"/>
             <a:r>
-              <a:rPr>
-                <a:latin typeface="Courier"/>
-              </a:rPr>
-              <a:t>rix::rix()</a:t>
-            </a:r>
-            <a:r>
-              <a:rPr/>
-              <a:t> generates a </a:t>
-            </a:r>
-            <a:r>
-              <a:rPr>
-                <a:latin typeface="Courier"/>
-              </a:rPr>
-              <a:t>default.nix</a:t>
-            </a:r>
-            <a:r>
-              <a:rPr/>
-              <a:t> file</a:t>
+              <a:rPr/>
+              <a:t>List the R version and required packages</a:t>
             </a:r>
           </a:p>
           <a:p>
             <a:pPr lvl="0"/>
             <a:r>
               <a:rPr/>
-              <a:t>Build the expressions with </a:t>
-            </a:r>
-            <a:r>
-              <a:rPr>
-                <a:latin typeface="Courier"/>
-              </a:rPr>
-              <a:t>nix-build</a:t>
-            </a:r>
-            <a:r>
-              <a:rPr/>
-              <a:t> (in terminal) or </a:t>
-            </a:r>
-            <a:r>
-              <a:rPr>
-                <a:latin typeface="Courier"/>
-              </a:rPr>
-              <a:t>rix::nix_build()</a:t>
-            </a:r>
-            <a:r>
-              <a:rPr/>
-              <a:t> from R</a:t>
-            </a:r>
-          </a:p>
-          <a:p>
-            <a:pPr lvl="0"/>
-            <a:r>
-              <a:rPr/>
-              <a:t>Access the development environment with </a:t>
-            </a:r>
-            <a:r>
-              <a:rPr>
-                <a:latin typeface="Courier"/>
-              </a:rPr>
-              <a:t>nix-shell</a:t>
-            </a:r>
-          </a:p>
-          <a:p>
-            <a:pPr lvl="0"/>
-            <a:r>
-              <a:rPr/>
-              <a:t>Expressions can be generated even without Nix installed (with some limitations)</a:t>
+              <a:t>Optionally:</a:t>
+            </a:r>
+          </a:p>
+          <a:p>
+            <a:pPr lvl="1"/>
+            <a:r>
+              <a:rPr/>
+              <a:t>system packages, GitHub packages, or LaTeX packages</a:t>
+            </a:r>
+          </a:p>
+          <a:p>
+            <a:pPr lvl="1"/>
+            <a:r>
+              <a:rPr/>
+              <a:t>an IDE (RStudio, Radian, VS Code, or “other”)</a:t>
+            </a:r>
+          </a:p>
+          <a:p>
+            <a:pPr lvl="1"/>
+            <a:r>
+              <a:rPr/>
+              <a:t>a version of Python and Python packages to include</a:t>
+            </a:r>
+          </a:p>
+          <a:p>
+            <a:pPr lvl="1"/>
+            <a:r>
+              <a:rPr/>
+              <a:t>a version of Julia and Julia packages to include</a:t>
             </a:r>
           </a:p>
         </p:txBody>
@@ -4511,7 +4515,7 @@
             </a:pPr>
             <a:r>
               <a:rPr/>
-              <a:t>rix: reproducible development environments with Nix (5/5)</a:t>
+              <a:t>rix: reproducible development environments with Nix (4/5)</a:t>
             </a:r>
           </a:p>
         </p:txBody>
@@ -4533,38 +4537,71 @@
           <a:p>
             <a:pPr lvl="0"/>
             <a:r>
-              <a:rPr/>
-              <a:t>Can install specific versions of packages (write </a:t>
-            </a:r>
-            <a:r>
-              <a:rPr>
-                <a:latin typeface="Courier"/>
-              </a:rPr>
-              <a:t>"dplyr@1.0.0"</a:t>
-            </a:r>
-            <a:r>
-              <a:rPr/>
-              <a:t>)</a:t>
+              <a:rPr>
+                <a:latin typeface="Courier"/>
+              </a:rPr>
+              <a:t>rix::rix()</a:t>
+            </a:r>
+            <a:r>
+              <a:rPr/>
+              <a:t> generates a </a:t>
+            </a:r>
+            <a:r>
+              <a:rPr>
+                <a:latin typeface="Courier"/>
+              </a:rPr>
+              <a:t>default.nix</a:t>
+            </a:r>
+            <a:r>
+              <a:rPr/>
+              <a:t> file</a:t>
             </a:r>
           </a:p>
           <a:p>
             <a:pPr lvl="0"/>
             <a:r>
               <a:rPr/>
-              <a:t>Can install packages hosted on GitHub</a:t>
+              <a:t>Build the expressions with </a:t>
+            </a:r>
+            <a:r>
+              <a:rPr>
+                <a:latin typeface="Courier"/>
+              </a:rPr>
+              <a:t>nix-build</a:t>
+            </a:r>
+            <a:r>
+              <a:rPr/>
+              <a:t> (in terminal) or </a:t>
+            </a:r>
+            <a:r>
+              <a:rPr>
+                <a:latin typeface="Courier"/>
+              </a:rPr>
+              <a:t>rix::nix_build()</a:t>
+            </a:r>
+            <a:r>
+              <a:rPr/>
+              <a:t> from R</a:t>
             </a:r>
           </a:p>
           <a:p>
             <a:pPr lvl="0"/>
             <a:r>
               <a:rPr/>
-              <a:t>Many vignettes to get started! </a:t>
-            </a:r>
-            <a:r>
-              <a:rPr>
-                <a:hlinkClick r:id="rId2"/>
-              </a:rPr>
-              <a:t>See here</a:t>
+              <a:t>Access the development environment with </a:t>
+            </a:r>
+            <a:r>
+              <a:rPr>
+                <a:latin typeface="Courier"/>
+              </a:rPr>
+              <a:t>nix-shell</a:t>
+            </a:r>
+          </a:p>
+          <a:p>
+            <a:pPr lvl="0"/>
+            <a:r>
+              <a:rPr/>
+              <a:t>Expressions can be generated even without Nix installed (with some limitations)</a:t>
             </a:r>
           </a:p>
         </p:txBody>
@@ -4611,7 +4648,7 @@
             </a:pPr>
             <a:r>
               <a:rPr/>
-              <a:t>Super quickstart</a:t>
+              <a:t>rix: reproducible development environments with Nix (5/5)</a:t>
             </a:r>
           </a:p>
         </p:txBody>
@@ -4634,103 +4671,37 @@
             <a:pPr lvl="0"/>
             <a:r>
               <a:rPr/>
-              <a:t>Uninstall R and RStudio</a:t>
+              <a:t>Can install specific versions of packages (write </a:t>
+            </a:r>
+            <a:r>
+              <a:rPr>
+                <a:latin typeface="Courier"/>
+              </a:rPr>
+              <a:t>"dplyr@1.0.0"</a:t>
+            </a:r>
+            <a:r>
+              <a:rPr/>
+              <a:t>)</a:t>
             </a:r>
           </a:p>
           <a:p>
             <a:pPr lvl="0"/>
             <a:r>
               <a:rPr/>
-              <a:t>Install Nix (on </a:t>
+              <a:t>Can install packages hosted on GitHub</a:t>
+            </a:r>
+          </a:p>
+          <a:p>
+            <a:pPr lvl="0"/>
+            <a:r>
+              <a:rPr/>
+              <a:t>Many vignettes to get started! </a:t>
             </a:r>
             <a:r>
               <a:rPr>
                 <a:hlinkClick r:id="rId2"/>
               </a:rPr>
-              <a:t>win/linux</a:t>
-            </a:r>
-            <a:r>
-              <a:rPr/>
-              <a:t> or on </a:t>
-            </a:r>
-            <a:r>
-              <a:rPr>
-                <a:hlinkClick r:id="rId3"/>
-              </a:rPr>
-              <a:t>macOS</a:t>
-            </a:r>
-            <a:r>
-              <a:rPr/>
-              <a:t>)</a:t>
-            </a:r>
-          </a:p>
-          <a:p>
-            <a:pPr lvl="0"/>
-            <a:r>
-              <a:rPr/>
-              <a:t>Start a temporary Nix shell to bootstrap your environments:</a:t>
-            </a:r>
-          </a:p>
-          <a:p>
-            <a:pPr lvl="0" indent="0" marL="0">
-              <a:buNone/>
-            </a:pPr>
-            <a:r>
-              <a:rPr/>
-              <a:t>. . .</a:t>
-            </a:r>
-          </a:p>
-          <a:p>
-            <a:pPr lvl="0" indent="0">
-              <a:buNone/>
-            </a:pPr>
-            <a:r>
-              <a:rPr>
-                <a:latin typeface="Courier"/>
-              </a:rPr>
-              <a:t>nix-shell </a:t>
-            </a:r>
-            <a:r>
-              <a:rPr>
-                <a:solidFill>
-                  <a:srgbClr val="7D9029"/>
-                </a:solidFill>
-                <a:latin typeface="Courier"/>
-              </a:rPr>
-              <a:t>-p</a:t>
-            </a:r>
-            <a:r>
-              <a:rPr>
-                <a:latin typeface="Courier"/>
-              </a:rPr>
-              <a:t> R rPackages.rix</a:t>
-            </a:r>
-          </a:p>
-          <a:p>
-            <a:pPr lvl="0"/>
-            <a:r>
-              <a:rPr/>
-              <a:t>Source a </a:t>
-            </a:r>
-            <a:r>
-              <a:rPr>
-                <a:latin typeface="Courier"/>
-              </a:rPr>
-              <a:t>gen_env.R</a:t>
-            </a:r>
-            <a:r>
-              <a:rPr/>
-              <a:t> script that generates a </a:t>
-            </a:r>
-            <a:r>
-              <a:rPr>
-                <a:latin typeface="Courier"/>
-              </a:rPr>
-              <a:t>default.nix</a:t>
-            </a:r>
-            <a:r>
-              <a:rPr/>
-              <a:t> and build that!</a:t>
+              <a:t>See here</a:t>
             </a:r>
           </a:p>
         </p:txBody>
@@ -4777,7 +4748,7 @@
             </a:pPr>
             <a:r>
               <a:rPr/>
-              <a:t>Demo</a:t>
+              <a:t>Super quickstart</a:t>
             </a:r>
           </a:p>
         </p:txBody>
@@ -4800,111 +4771,103 @@
             <a:pPr lvl="0"/>
             <a:r>
               <a:rPr/>
-              <a:t>Basics: </a:t>
-            </a:r>
-            <a:r>
-              <a:rPr>
-                <a:latin typeface="Courier"/>
-              </a:rPr>
-              <a:t>scripts/nix_expressions/01_rix_intro/</a:t>
+              <a:t>Uninstall R and RStudio</a:t>
             </a:r>
           </a:p>
           <a:p>
             <a:pPr lvl="0"/>
             <a:r>
               <a:rPr/>
-              <a:t>renv2nix: </a:t>
-            </a:r>
-            <a:r>
-              <a:rPr>
-                <a:latin typeface="Courier"/>
-              </a:rPr>
-              <a:t>scripts/nix_expressions/02_renv2nix/</a:t>
+              <a:t>Install Nix (on </a:t>
+            </a:r>
+            <a:r>
+              <a:rPr>
+                <a:hlinkClick r:id="rId2"/>
+              </a:rPr>
+              <a:t>win/linux</a:t>
+            </a:r>
+            <a:r>
+              <a:rPr/>
+              <a:t> or on </a:t>
+            </a:r>
+            <a:r>
+              <a:rPr>
+                <a:hlinkClick r:id="rId3"/>
+              </a:rPr>
+              <a:t>macOS</a:t>
+            </a:r>
+            <a:r>
+              <a:rPr/>
+              <a:t>)</a:t>
             </a:r>
           </a:p>
           <a:p>
             <a:pPr lvl="0"/>
             <a:r>
               <a:rPr/>
-              <a:t>Native Code/Positron on Windows: </a:t>
-            </a:r>
-            <a:r>
-              <a:rPr>
-                <a:latin typeface="Courier"/>
-              </a:rPr>
-              <a:t>scripts/nix_expressions/03_native_vscode_example/</a:t>
+              <a:t>Start a temporary Nix shell to bootstrap your environments:</a:t>
+            </a:r>
+          </a:p>
+          <a:p>
+            <a:pPr lvl="0" indent="0" marL="0">
+              <a:buNone/>
+            </a:pPr>
+            <a:r>
+              <a:rPr/>
+              <a:t>. . .</a:t>
+            </a:r>
+          </a:p>
+          <a:p>
+            <a:pPr lvl="0" indent="0">
+              <a:buNone/>
+            </a:pPr>
+            <a:r>
+              <a:rPr>
+                <a:latin typeface="Courier"/>
+              </a:rPr>
+              <a:t>nix-shell </a:t>
+            </a:r>
+            <a:r>
+              <a:rPr>
+                <a:solidFill>
+                  <a:srgbClr val="7D9029"/>
+                </a:solidFill>
+                <a:latin typeface="Courier"/>
+              </a:rPr>
+              <a:t>-p</a:t>
+            </a:r>
+            <a:r>
+              <a:rPr>
+                <a:latin typeface="Courier"/>
+              </a:rPr>
+              <a:t> R rPackages.rix</a:t>
             </a:r>
           </a:p>
           <a:p>
             <a:pPr lvl="0"/>
             <a:r>
               <a:rPr/>
-              <a:t>Nix and </a:t>
-            </a:r>
-            <a:r>
-              <a:rPr>
-                <a:latin typeface="Courier"/>
-              </a:rPr>
-              <a:t>{targets}</a:t>
-            </a:r>
-            <a:r>
-              <a:rPr/>
-              <a:t>: </a:t>
-            </a:r>
-            <a:r>
-              <a:rPr>
-                <a:latin typeface="Courier"/>
-              </a:rPr>
-              <a:t>scripts/nix_expressions/04_nix_targets_pipeline/</a:t>
-            </a:r>
-          </a:p>
-          <a:p>
-            <a:pPr lvl="0"/>
-            <a:r>
-              <a:rPr/>
-              <a:t>Nix and Docker: </a:t>
-            </a:r>
-            <a:r>
-              <a:rPr>
-                <a:latin typeface="Courier"/>
-              </a:rPr>
-              <a:t>scripts/nix_expressions/05_docker/</a:t>
-            </a:r>
-          </a:p>
-          <a:p>
-            <a:pPr lvl="0"/>
-            <a:r>
-              <a:rPr/>
-              <a:t>Nix and </a:t>
-            </a:r>
-            <a:r>
-              <a:rPr>
-                <a:latin typeface="Courier"/>
-              </a:rPr>
-              <a:t>{shiny}</a:t>
-            </a:r>
-            <a:r>
-              <a:rPr/>
-              <a:t>: </a:t>
-            </a:r>
-            <a:r>
-              <a:rPr>
-                <a:latin typeface="Courier"/>
-              </a:rPr>
-              <a:t>scripts/nix_expressions/06_shiny/</a:t>
-            </a:r>
-          </a:p>
-          <a:p>
-            <a:pPr lvl="0"/>
-            <a:r>
-              <a:rPr/>
-              <a:t>GitHub Actions: </a:t>
-            </a:r>
-            <a:r>
-              <a:rPr>
-                <a:hlinkClick r:id="rId2"/>
-              </a:rPr>
-              <a:t>see here</a:t>
+              <a:t>Source a </a:t>
+            </a:r>
+            <a:r>
+              <a:rPr>
+                <a:latin typeface="Courier"/>
+              </a:rPr>
+              <a:t>gen_env.R</a:t>
+            </a:r>
+            <a:r>
+              <a:rPr/>
+              <a:t> script that generates a </a:t>
+            </a:r>
+            <a:r>
+              <a:rPr>
+                <a:latin typeface="Courier"/>
+              </a:rPr>
+              <a:t>default.nix</a:t>
+            </a:r>
+            <a:r>
+              <a:rPr/>
+              <a:t> and build that!</a:t>
             </a:r>
           </a:p>
         </p:txBody>
@@ -5013,12 +4976,7 @@
             <p:ph type="title"/>
           </p:nvPr>
         </p:nvSpPr>
-        <p:spPr>
-          <a:xfrm>
-            <a:off x="722313" y="3305176"/>
-            <a:ext cx="7772400" cy="1021556"/>
-          </a:xfrm>
-        </p:spPr>
+        <p:spPr/>
         <p:txBody>
           <a:bodyPr/>
           <a:lstStyle/>
@@ -5028,13 +4986,134 @@
             </a:pPr>
             <a:r>
               <a:rPr/>
-              <a:t>Part 2: Reproducible analytical pipelines with </a:t>
-            </a:r>
-            <a:r>
-              <a:rPr>
-                <a:latin typeface="Courier"/>
-              </a:rPr>
-              <a:t>{rixpress}</a:t>
+              <a:t>Demo</a:t>
+            </a:r>
+          </a:p>
+        </p:txBody>
+      </p:sp>
+      <p:sp>
+        <p:nvSpPr>
+          <p:cNvPr id="3" name="Content Placeholder 2"/>
+          <p:cNvSpPr>
+            <a:spLocks noGrp="1"/>
+          </p:cNvSpPr>
+          <p:nvPr>
+            <p:ph idx="1"/>
+          </p:nvPr>
+        </p:nvSpPr>
+        <p:spPr/>
+        <p:txBody>
+          <a:bodyPr/>
+          <a:lstStyle/>
+          <a:p>
+            <a:pPr lvl="0"/>
+            <a:r>
+              <a:rPr/>
+              <a:t>Basics: </a:t>
+            </a:r>
+            <a:r>
+              <a:rPr>
+                <a:latin typeface="Courier"/>
+              </a:rPr>
+              <a:t>scripts/nix_expressions/01_rix_intro/</a:t>
+            </a:r>
+          </a:p>
+          <a:p>
+            <a:pPr lvl="0"/>
+            <a:r>
+              <a:rPr/>
+              <a:t>renv2nix: </a:t>
+            </a:r>
+            <a:r>
+              <a:rPr>
+                <a:latin typeface="Courier"/>
+              </a:rPr>
+              <a:t>scripts/nix_expressions/02_renv2nix/</a:t>
+            </a:r>
+          </a:p>
+          <a:p>
+            <a:pPr lvl="0"/>
+            <a:r>
+              <a:rPr/>
+              <a:t>Native Code/Positron on Windows: </a:t>
+            </a:r>
+            <a:r>
+              <a:rPr>
+                <a:latin typeface="Courier"/>
+              </a:rPr>
+              <a:t>scripts/nix_expressions/03_native_vscode_example/</a:t>
+            </a:r>
+          </a:p>
+          <a:p>
+            <a:pPr lvl="0"/>
+            <a:r>
+              <a:rPr/>
+              <a:t>Nix and </a:t>
+            </a:r>
+            <a:r>
+              <a:rPr>
+                <a:latin typeface="Courier"/>
+              </a:rPr>
+              <a:t>{targets}</a:t>
+            </a:r>
+            <a:r>
+              <a:rPr/>
+              <a:t>: </a:t>
+            </a:r>
+            <a:r>
+              <a:rPr>
+                <a:latin typeface="Courier"/>
+              </a:rPr>
+              <a:t>scripts/nix_expressions/04_nix_targets_pipeline/</a:t>
+            </a:r>
+          </a:p>
+          <a:p>
+            <a:pPr lvl="0"/>
+            <a:r>
+              <a:rPr/>
+              <a:t>Nix and Docker: </a:t>
+            </a:r>
+            <a:r>
+              <a:rPr>
+                <a:latin typeface="Courier"/>
+              </a:rPr>
+              <a:t>scripts/nix_expressions/05_docker/</a:t>
+            </a:r>
+          </a:p>
+          <a:p>
+            <a:pPr lvl="0"/>
+            <a:r>
+              <a:rPr/>
+              <a:t>Nix and </a:t>
+            </a:r>
+            <a:r>
+              <a:rPr>
+                <a:latin typeface="Courier"/>
+              </a:rPr>
+              <a:t>{shiny}</a:t>
+            </a:r>
+            <a:r>
+              <a:rPr/>
+              <a:t>: </a:t>
+            </a:r>
+            <a:r>
+              <a:rPr>
+                <a:latin typeface="Courier"/>
+              </a:rPr>
+              <a:t>scripts/nix_expressions/06_shiny/</a:t>
+            </a:r>
+          </a:p>
+          <a:p>
+            <a:pPr lvl="0"/>
+            <a:r>
+              <a:rPr/>
+              <a:t>GitHub Actions: </a:t>
+            </a:r>
+            <a:r>
+              <a:rPr>
+                <a:hlinkClick r:id="rId2"/>
+              </a:rPr>
+              <a:t>see here</a:t>
             </a:r>
           </a:p>
         </p:txBody>
@@ -5071,7 +5150,12 @@
             <p:ph type="title"/>
           </p:nvPr>
         </p:nvSpPr>
-        <p:spPr/>
+        <p:spPr>
+          <a:xfrm>
+            <a:off x="722313" y="3305176"/>
+            <a:ext cx="7772400" cy="1021556"/>
+          </a:xfrm>
+        </p:spPr>
         <p:txBody>
           <a:bodyPr/>
           <a:lstStyle/>
@@ -5081,69 +5165,13 @@
             </a:pPr>
             <a:r>
               <a:rPr/>
-              <a:t>Introduction (1/3)</a:t>
-            </a:r>
-          </a:p>
-        </p:txBody>
-      </p:sp>
-      <p:sp>
-        <p:nvSpPr>
-          <p:cNvPr id="3" name="Content Placeholder 2"/>
-          <p:cNvSpPr>
-            <a:spLocks noGrp="1"/>
-          </p:cNvSpPr>
-          <p:nvPr>
-            <p:ph idx="1"/>
-          </p:nvPr>
-        </p:nvSpPr>
-        <p:spPr/>
-        <p:txBody>
-          <a:bodyPr/>
-          <a:lstStyle/>
-          <a:p>
-            <a:pPr lvl="0"/>
-            <a:r>
-              <a:rPr/>
-              <a:t>Nix is actually more than just a mere package manager</a:t>
-            </a:r>
-          </a:p>
-          <a:p>
-            <a:pPr lvl="0"/>
-            <a:r>
-              <a:rPr/>
-              <a:t>Nix is complete end-to-end build tool that leverages functional programming principles to ensure reproducible builds</a:t>
-            </a:r>
-          </a:p>
-          <a:p>
-            <a:pPr lvl="0"/>
-            <a:r>
-              <a:rPr/>
-              <a:t>Users write Nix expressions which are then translated into Nix derivations</a:t>
-            </a:r>
-          </a:p>
-          <a:p>
-            <a:pPr lvl="0"/>
-            <a:r>
-              <a:rPr/>
-              <a:t>Derivation: </a:t>
-            </a:r>
-            <a:r>
-              <a:rPr i="1"/>
-              <a:t>a specification for running an executable on precisely defined input files to repeatably produce output files at uniquely determined file system paths.</a:t>
-            </a:r>
-            <a:r>
-              <a:rPr/>
-              <a:t> (</a:t>
-            </a:r>
-            <a:r>
-              <a:rPr>
-                <a:hlinkClick r:id="rId2"/>
-              </a:rPr>
-              <a:t>source</a:t>
-            </a:r>
-            <a:r>
-              <a:rPr/>
-              <a:t>)</a:t>
+              <a:t>Part 2: Reproducible analytical pipelines with </a:t>
+            </a:r>
+            <a:r>
+              <a:rPr>
+                <a:latin typeface="Courier"/>
+              </a:rPr>
+              <a:t>{rixpress}</a:t>
             </a:r>
           </a:p>
         </p:txBody>
@@ -5190,7 +5218,7 @@
             </a:pPr>
             <a:r>
               <a:rPr/>
-              <a:t>Introduction (2/3)</a:t>
+              <a:t>Introduction (1/3)</a:t>
             </a:r>
           </a:p>
         </p:txBody>
@@ -5213,43 +5241,46 @@
             <a:pPr lvl="0"/>
             <a:r>
               <a:rPr/>
-              <a:t>Essentially: a derivation is a recipe with precisely defined inputs, steps, and a fixed output.</a:t>
+              <a:t>Nix is actually more than just a mere package manager</a:t>
             </a:r>
           </a:p>
           <a:p>
             <a:pPr lvl="0"/>
             <a:r>
               <a:rPr/>
-              <a:t>Given identical inputs and build steps → always produce exact same output</a:t>
+              <a:t>Nix is complete end-to-end build tool that leverages functional programming principles to ensure reproducible builds</a:t>
             </a:r>
           </a:p>
           <a:p>
             <a:pPr lvl="0"/>
             <a:r>
               <a:rPr/>
-              <a:t>All inputs to a derivation must be explicitly declared.</a:t>
+              <a:t>Users write Nix expressions which are then translated into Nix derivations</a:t>
             </a:r>
           </a:p>
           <a:p>
             <a:pPr lvl="0"/>
             <a:r>
               <a:rPr/>
-              <a:t>Inputs include not just data files, but also software dependencies, configuration flags, and environment variables, essentially anything necessary for the build process.</a:t>
-            </a:r>
-          </a:p>
-          <a:p>
-            <a:pPr lvl="0"/>
-            <a:r>
-              <a:rPr/>
-              <a:t>The build process takes place in a </a:t>
+              <a:t>Derivation: </a:t>
             </a:r>
             <a:r>
               <a:rPr i="1"/>
-              <a:t>hermetic</a:t>
-            </a:r>
-            <a:r>
-              <a:rPr/>
-              <a:t> sandbox to ensure the exact same output is always produced.</a:t>
+              <a:t>a specification for running an executable on precisely defined input files to repeatably produce output files at uniquely determined file system paths.</a:t>
+            </a:r>
+            <a:r>
+              <a:rPr/>
+              <a:t> (</a:t>
+            </a:r>
+            <a:r>
+              <a:rPr>
+                <a:hlinkClick r:id="rId2"/>
+              </a:rPr>
+              <a:t>source</a:t>
+            </a:r>
+            <a:r>
+              <a:rPr/>
+              <a:t>)</a:t>
             </a:r>
           </a:p>
         </p:txBody>
@@ -5296,7 +5327,7 @@
             </a:pPr>
             <a:r>
               <a:rPr/>
-              <a:t>Introduction (3/3)</a:t>
+              <a:t>Introduction (2/3)</a:t>
             </a:r>
           </a:p>
         </p:txBody>
@@ -5318,35 +5349,44 @@
           <a:p>
             <a:pPr lvl="0"/>
             <a:r>
-              <a:rPr>
-                <a:latin typeface="Courier"/>
-              </a:rPr>
-              <a:t>{rix}</a:t>
-            </a:r>
-            <a:r>
-              <a:rPr/>
-              <a:t>: output is a </a:t>
+              <a:rPr/>
+              <a:t>Essentially: a derivation is a recipe with precisely defined inputs, steps, and a fixed output.</a:t>
+            </a:r>
+          </a:p>
+          <a:p>
+            <a:pPr lvl="0"/>
+            <a:r>
+              <a:rPr/>
+              <a:t>Given identical inputs and build steps → always produce exact same output</a:t>
+            </a:r>
+          </a:p>
+          <a:p>
+            <a:pPr lvl="0"/>
+            <a:r>
+              <a:rPr/>
+              <a:t>All inputs to a derivation must be explicitly declared.</a:t>
+            </a:r>
+          </a:p>
+          <a:p>
+            <a:pPr lvl="0"/>
+            <a:r>
+              <a:rPr/>
+              <a:t>Inputs include not just data files, but also software dependencies, configuration flags, and environment variables, essentially anything necessary for the build process.</a:t>
+            </a:r>
+          </a:p>
+          <a:p>
+            <a:pPr lvl="0"/>
+            <a:r>
+              <a:rPr/>
+              <a:t>The build process takes place in a </a:t>
             </a:r>
             <a:r>
               <a:rPr i="1"/>
-              <a:t>shell</a:t>
-            </a:r>
-            <a:r>
-              <a:rPr/>
-              <a:t> that contains required software</a:t>
-            </a:r>
-          </a:p>
-          <a:p>
-            <a:pPr lvl="0"/>
-            <a:r>
-              <a:rPr>
-                <a:latin typeface="Courier"/>
-              </a:rPr>
-              <a:t>{rixpress}</a:t>
-            </a:r>
-            <a:r>
-              <a:rPr/>
-              <a:t>: output is whatever is the output of your pipeline (cleaned dataset, Quarto/Rmd document, model predictions, model parameters/weights, model itself…)</a:t>
+              <a:t>hermetic</a:t>
+            </a:r>
+            <a:r>
+              <a:rPr/>
+              <a:t> sandbox to ensure the exact same output is always produced.</a:t>
             </a:r>
           </a:p>
         </p:txBody>
@@ -5393,7 +5433,7 @@
             </a:pPr>
             <a:r>
               <a:rPr/>
-              <a:t>rixpress</a:t>
+              <a:t>Introduction (3/3)</a:t>
             </a:r>
           </a:p>
         </p:txBody>
@@ -5418,64 +5458,32 @@
               <a:rPr>
                 <a:latin typeface="Courier"/>
               </a:rPr>
+              <a:t>{rix}</a:t>
+            </a:r>
+            <a:r>
+              <a:rPr/>
+              <a:t>: output is a </a:t>
+            </a:r>
+            <a:r>
+              <a:rPr i="1"/>
+              <a:t>shell</a:t>
+            </a:r>
+            <a:r>
+              <a:rPr/>
+              <a:t> that contains required software</a:t>
+            </a:r>
+          </a:p>
+          <a:p>
+            <a:pPr lvl="0"/>
+            <a:r>
+              <a:rPr>
+                <a:latin typeface="Courier"/>
+              </a:rPr>
               <a:t>{rixpress}</a:t>
             </a:r>
             <a:r>
               <a:rPr/>
-              <a:t> allows chaining processing steps in R </a:t>
-            </a:r>
-            <a:r>
-              <a:rPr b="1"/>
-              <a:t>and</a:t>
-            </a:r>
-            <a:r>
-              <a:rPr/>
-              <a:t> Python</a:t>
-            </a:r>
-          </a:p>
-          <a:p>
-            <a:pPr lvl="0"/>
-            <a:r>
-              <a:rPr/>
-              <a:t>Uses </a:t>
-            </a:r>
-            <a:r>
-              <a:rPr>
-                <a:latin typeface="Courier"/>
-              </a:rPr>
-              <a:t>{rix}</a:t>
-            </a:r>
-            <a:r>
-              <a:rPr/>
-              <a:t> to create a reproducible (via Nix) execution environment for the pipeline</a:t>
-            </a:r>
-          </a:p>
-          <a:p>
-            <a:pPr lvl="0"/>
-            <a:r>
-              <a:rPr/>
-              <a:t>Each pipeline step is a </a:t>
-            </a:r>
-            <a:r>
-              <a:rPr b="1"/>
-              <a:t>Nix derivation</a:t>
-            </a:r>
-          </a:p>
-          <a:p>
-            <a:pPr lvl="0"/>
-            <a:r>
-              <a:rPr/>
-              <a:t>Data transfer: automatic via </a:t>
-            </a:r>
-            <a:r>
-              <a:rPr>
-                <a:latin typeface="Courier"/>
-              </a:rPr>
-              <a:t>reticulate</a:t>
-            </a:r>
-            <a:r>
-              <a:rPr/>
-              <a:t> or universal format (CSV, JSON, Parquet…)</a:t>
+              <a:t>: output is whatever is the output of your pipeline (cleaned dataset, Quarto/Rmd document, model predictions, model parameters/weights, model itself…)</a:t>
             </a:r>
           </a:p>
         </p:txBody>
@@ -5522,7 +5530,7 @@
             </a:pPr>
             <a:r>
               <a:rPr/>
-              <a:t>An example of a polyglot pipeline</a:t>
+              <a:t>rixpress</a:t>
             </a:r>
           </a:p>
         </p:txBody>
@@ -5542,362 +5550,69 @@
           <a:bodyPr/>
           <a:lstStyle/>
           <a:p>
-            <a:pPr lvl="0" indent="0">
-              <a:buNone/>
-            </a:pPr>
-            <a:r>
-              <a:rPr>
-                <a:solidFill>
-                  <a:srgbClr val="06287E"/>
-                </a:solidFill>
-                <a:latin typeface="Courier"/>
-              </a:rPr>
-              <a:t>list</a:t>
-            </a:r>
-            <a:r>
-              <a:rPr>
-                <a:latin typeface="Courier"/>
-              </a:rPr>
-              <a:t>(</a:t>
-            </a:r>
-            <a:br/>
-            <a:r>
-              <a:rPr>
-                <a:latin typeface="Courier"/>
-              </a:rPr>
-              <a:t>  </a:t>
-            </a:r>
-            <a:r>
-              <a:rPr>
-                <a:solidFill>
-                  <a:srgbClr val="06287E"/>
-                </a:solidFill>
-                <a:latin typeface="Courier"/>
-              </a:rPr>
-              <a:t>rxp_py_file</a:t>
-            </a:r>
-            <a:r>
-              <a:rPr>
-                <a:latin typeface="Courier"/>
-              </a:rPr>
-              <a:t>(…),    </a:t>
-            </a:r>
-            <a:r>
-              <a:rPr i="1">
-                <a:solidFill>
-                  <a:srgbClr val="60A0B0"/>
-                </a:solidFill>
-                <a:latin typeface="Courier"/>
-              </a:rPr>
-              <a:t># Read a CSV with Python</a:t>
-            </a:r>
-            <a:br/>
-            <a:r>
-              <a:rPr>
-                <a:latin typeface="Courier"/>
-              </a:rPr>
-              <a:t>  </a:t>
-            </a:r>
-            <a:r>
-              <a:rPr>
-                <a:solidFill>
-                  <a:srgbClr val="06287E"/>
-                </a:solidFill>
-                <a:latin typeface="Courier"/>
-              </a:rPr>
-              <a:t>rxp_py</a:t>
-            </a:r>
-            <a:r>
-              <a:rPr>
-                <a:latin typeface="Courier"/>
-              </a:rPr>
-              <a:t>(…),         </a:t>
-            </a:r>
-            <a:r>
-              <a:rPr i="1">
-                <a:solidFill>
-                  <a:srgbClr val="60A0B0"/>
-                </a:solidFill>
-                <a:latin typeface="Courier"/>
-              </a:rPr>
-              <a:t># Filter with Polars</a:t>
-            </a:r>
-            <a:br/>
-            <a:r>
-              <a:rPr>
-                <a:latin typeface="Courier"/>
-              </a:rPr>
-              <a:t>  </a:t>
-            </a:r>
-            <a:r>
-              <a:rPr>
-                <a:solidFill>
-                  <a:srgbClr val="06287E"/>
-                </a:solidFill>
-                <a:latin typeface="Courier"/>
-              </a:rPr>
-              <a:t>rxp_py2r</a:t>
-            </a:r>
-            <a:r>
-              <a:rPr>
-                <a:latin typeface="Courier"/>
-              </a:rPr>
-              <a:t>(…),       </a:t>
-            </a:r>
-            <a:r>
-              <a:rPr i="1">
-                <a:solidFill>
-                  <a:srgbClr val="60A0B0"/>
-                </a:solidFill>
-                <a:latin typeface="Courier"/>
-              </a:rPr>
-              <a:t># Python → R transfer</a:t>
-            </a:r>
-            <a:br/>
-            <a:r>
-              <a:rPr>
-                <a:latin typeface="Courier"/>
-              </a:rPr>
-              <a:t>  </a:t>
-            </a:r>
-            <a:r>
-              <a:rPr>
-                <a:solidFill>
-                  <a:srgbClr val="06287E"/>
-                </a:solidFill>
-                <a:latin typeface="Courier"/>
-              </a:rPr>
-              <a:t>rxp_r</a:t>
-            </a:r>
-            <a:r>
-              <a:rPr>
-                <a:latin typeface="Courier"/>
-              </a:rPr>
-              <a:t>(…),          </a:t>
-            </a:r>
-            <a:r>
-              <a:rPr i="1">
-                <a:solidFill>
-                  <a:srgbClr val="60A0B0"/>
-                </a:solidFill>
-                <a:latin typeface="Courier"/>
-              </a:rPr>
-              <a:t># Transformation in R</a:t>
-            </a:r>
-            <a:br/>
-            <a:r>
-              <a:rPr>
-                <a:latin typeface="Courier"/>
-              </a:rPr>
-              <a:t>  </a:t>
-            </a:r>
-            <a:r>
-              <a:rPr>
-                <a:solidFill>
-                  <a:srgbClr val="06287E"/>
-                </a:solidFill>
-                <a:latin typeface="Courier"/>
-              </a:rPr>
-              <a:t>rxp_r2py</a:t>
-            </a:r>
-            <a:r>
-              <a:rPr>
-                <a:latin typeface="Courier"/>
-              </a:rPr>
-              <a:t>(…),       </a:t>
-            </a:r>
-            <a:r>
-              <a:rPr i="1">
-                <a:solidFill>
-                  <a:srgbClr val="60A0B0"/>
-                </a:solidFill>
-                <a:latin typeface="Courier"/>
-              </a:rPr>
-              <a:t># R → Python transfer</a:t>
-            </a:r>
-            <a:br/>
-            <a:r>
-              <a:rPr>
-                <a:latin typeface="Courier"/>
-              </a:rPr>
-              <a:t>  </a:t>
-            </a:r>
-            <a:r>
-              <a:rPr>
-                <a:solidFill>
-                  <a:srgbClr val="06287E"/>
-                </a:solidFill>
-                <a:latin typeface="Courier"/>
-              </a:rPr>
-              <a:t>rxp_py</a:t>
-            </a:r>
-            <a:r>
-              <a:rPr>
-                <a:latin typeface="Courier"/>
-              </a:rPr>
-              <a:t>(…),         </a:t>
-            </a:r>
-            <a:r>
-              <a:rPr i="1">
-                <a:solidFill>
-                  <a:srgbClr val="60A0B0"/>
-                </a:solidFill>
-                <a:latin typeface="Courier"/>
-              </a:rPr>
-              <a:t># Another Python step</a:t>
-            </a:r>
-            <a:br/>
-            <a:r>
-              <a:rPr>
-                <a:latin typeface="Courier"/>
-              </a:rPr>
-              <a:t>  </a:t>
-            </a:r>
-            <a:r>
-              <a:rPr>
-                <a:solidFill>
-                  <a:srgbClr val="06287E"/>
-                </a:solidFill>
-                <a:latin typeface="Courier"/>
-              </a:rPr>
-              <a:t>rxp_py2r</a:t>
-            </a:r>
-            <a:r>
-              <a:rPr>
-                <a:latin typeface="Courier"/>
-              </a:rPr>
-              <a:t>(…),       </a:t>
-            </a:r>
-            <a:r>
-              <a:rPr i="1">
-                <a:solidFill>
-                  <a:srgbClr val="60A0B0"/>
-                </a:solidFill>
-                <a:latin typeface="Courier"/>
-              </a:rPr>
-              <a:t># Back to R</a:t>
-            </a:r>
-            <a:br/>
-            <a:r>
-              <a:rPr>
-                <a:latin typeface="Courier"/>
-              </a:rPr>
-              <a:t>  </a:t>
-            </a:r>
-            <a:r>
-              <a:rPr>
-                <a:solidFill>
-                  <a:srgbClr val="06287E"/>
-                </a:solidFill>
-                <a:latin typeface="Courier"/>
-              </a:rPr>
-              <a:t>rxp_r</a:t>
-            </a:r>
-            <a:r>
-              <a:rPr>
-                <a:latin typeface="Courier"/>
-              </a:rPr>
-              <a:t>(…)           </a:t>
-            </a:r>
-            <a:r>
-              <a:rPr i="1">
-                <a:solidFill>
-                  <a:srgbClr val="60A0B0"/>
-                </a:solidFill>
-                <a:latin typeface="Courier"/>
-              </a:rPr>
-              <a:t># Final step</a:t>
-            </a:r>
-            <a:br/>
-            <a:r>
-              <a:rPr>
-                <a:latin typeface="Courier"/>
-              </a:rPr>
-              <a:t>) </a:t>
-            </a:r>
-            <a:r>
-              <a:rPr>
-                <a:solidFill>
-                  <a:srgbClr val="4070A0"/>
-                </a:solidFill>
-                <a:latin typeface="Courier"/>
-              </a:rPr>
-              <a:t>|&gt;</a:t>
-            </a:r>
-            <a:r>
-              <a:rPr>
-                <a:latin typeface="Courier"/>
-              </a:rPr>
-              <a:t> </a:t>
-            </a:r>
-            <a:r>
-              <a:rPr>
-                <a:solidFill>
-                  <a:srgbClr val="06287E"/>
-                </a:solidFill>
-                <a:latin typeface="Courier"/>
-              </a:rPr>
-              <a:t>rixpress</a:t>
-            </a:r>
-            <a:r>
-              <a:rPr>
-                <a:latin typeface="Courier"/>
-              </a:rPr>
-              <a:t>()</a:t>
-            </a:r>
-          </a:p>
-          <a:p>
             <a:pPr lvl="0"/>
             <a:r>
-              <a:rPr/>
-              <a:t>Each step is named and typed (</a:t>
-            </a:r>
-            <a:r>
-              <a:rPr>
-                <a:latin typeface="Courier"/>
-              </a:rPr>
-              <a:t>py</a:t>
-            </a:r>
-            <a:r>
-              <a:rPr/>
-              <a:t>, </a:t>
-            </a:r>
-            <a:r>
-              <a:rPr>
-                <a:latin typeface="Courier"/>
-              </a:rPr>
-              <a:t>r</a:t>
-            </a:r>
-            <a:r>
-              <a:rPr/>
-              <a:t>, </a:t>
-            </a:r>
-            <a:r>
-              <a:rPr>
-                <a:latin typeface="Courier"/>
-              </a:rPr>
-              <a:t>r2py</a:t>
-            </a:r>
-            <a:r>
-              <a:rPr/>
-              <a:t>, etc.)</a:t>
+              <a:rPr>
+                <a:latin typeface="Courier"/>
+              </a:rPr>
+              <a:t>{rixpress}</a:t>
+            </a:r>
+            <a:r>
+              <a:rPr/>
+              <a:t> allows chaining processing steps in R </a:t>
+            </a:r>
+            <a:r>
+              <a:rPr b="1"/>
+              <a:t>and</a:t>
+            </a:r>
+            <a:r>
+              <a:rPr/>
+              <a:t> Python</a:t>
             </a:r>
           </a:p>
           <a:p>
             <a:pPr lvl="0"/>
             <a:r>
               <a:rPr/>
-              <a:t>Ability to add files (</a:t>
-            </a:r>
-            <a:r>
-              <a:rPr>
-                <a:latin typeface="Courier"/>
-              </a:rPr>
-              <a:t>functions.R</a:t>
-            </a:r>
-            <a:r>
-              <a:rPr/>
-              <a:t>, img…)</a:t>
+              <a:t>Uses </a:t>
+            </a:r>
+            <a:r>
+              <a:rPr>
+                <a:latin typeface="Courier"/>
+              </a:rPr>
+              <a:t>{rix}</a:t>
+            </a:r>
+            <a:r>
+              <a:rPr/>
+              <a:t> to create a reproducible (via Nix) execution environment for the pipeline</a:t>
+            </a:r>
+          </a:p>
+          <a:p>
+            <a:pPr lvl="0"/>
+            <a:r>
+              <a:rPr/>
+              <a:t>Each pipeline step is a </a:t>
+            </a:r>
+            <a:r>
+              <a:rPr b="1"/>
+              <a:t>Nix derivation</a:t>
+            </a:r>
+          </a:p>
+          <a:p>
+            <a:pPr lvl="0"/>
+            <a:r>
+              <a:rPr/>
+              <a:t>Data transfer: automatic via </a:t>
+            </a:r>
+            <a:r>
+              <a:rPr>
+                <a:latin typeface="Courier"/>
+              </a:rPr>
+              <a:t>reticulate</a:t>
+            </a:r>
+            <a:r>
+              <a:rPr/>
+              <a:t> or universal format (CSV, JSON, Parquet…)</a:t>
             </a:r>
           </a:p>
         </p:txBody>
@@ -5944,7 +5659,7 @@
             </a:pPr>
             <a:r>
               <a:rPr/>
-              <a:t>Defining a derivation (input data)</a:t>
+              <a:t>An example of a polyglot pipeline</a:t>
             </a:r>
           </a:p>
         </p:txBody>
@@ -5974,7 +5689,7 @@
                 </a:solidFill>
                 <a:latin typeface="Courier"/>
               </a:rPr>
-              <a:t>rxp_r_file</a:t>
+              <a:t>list</a:t>
             </a:r>
             <a:r>
               <a:rPr>
@@ -5992,17 +5707,26 @@
             <a:r>
               <a:rPr>
                 <a:solidFill>
-                  <a:srgbClr val="7D9029"/>
-                </a:solidFill>
-                <a:latin typeface="Courier"/>
-              </a:rPr>
-              <a:t>name =</a:t>
-            </a:r>
-            <a:r>
-              <a:rPr>
-                <a:latin typeface="Courier"/>
-              </a:rPr>
-              <a:t> mtcars,</a:t>
+                  <a:srgbClr val="06287E"/>
+                </a:solidFill>
+                <a:latin typeface="Courier"/>
+              </a:rPr>
+              <a:t>rxp_py_file</a:t>
+            </a:r>
+            <a:r>
+              <a:rPr>
+                <a:latin typeface="Courier"/>
+              </a:rPr>
+              <a:t>(…),    </a:t>
+            </a:r>
+            <a:r>
+              <a:rPr i="1">
+                <a:solidFill>
+                  <a:srgbClr val="60A0B0"/>
+                </a:solidFill>
+                <a:latin typeface="Courier"/>
+              </a:rPr>
+              <a:t># Read a CSV with Python</a:t>
             </a:r>
             <a:br/>
             <a:r>
@@ -6014,11 +5738,228 @@
             <a:r>
               <a:rPr>
                 <a:solidFill>
-                  <a:srgbClr val="7D9029"/>
-                </a:solidFill>
-                <a:latin typeface="Courier"/>
-              </a:rPr>
-              <a:t>path =</a:t>
+                  <a:srgbClr val="06287E"/>
+                </a:solidFill>
+                <a:latin typeface="Courier"/>
+              </a:rPr>
+              <a:t>rxp_py</a:t>
+            </a:r>
+            <a:r>
+              <a:rPr>
+                <a:latin typeface="Courier"/>
+              </a:rPr>
+              <a:t>(…),         </a:t>
+            </a:r>
+            <a:r>
+              <a:rPr i="1">
+                <a:solidFill>
+                  <a:srgbClr val="60A0B0"/>
+                </a:solidFill>
+                <a:latin typeface="Courier"/>
+              </a:rPr>
+              <a:t># Filter with Polars</a:t>
+            </a:r>
+            <a:br/>
+            <a:r>
+              <a:rPr>
+                <a:latin typeface="Courier"/>
+              </a:rPr>
+              <a:t>  </a:t>
+            </a:r>
+            <a:r>
+              <a:rPr>
+                <a:solidFill>
+                  <a:srgbClr val="06287E"/>
+                </a:solidFill>
+                <a:latin typeface="Courier"/>
+              </a:rPr>
+              <a:t>rxp_py2r</a:t>
+            </a:r>
+            <a:r>
+              <a:rPr>
+                <a:latin typeface="Courier"/>
+              </a:rPr>
+              <a:t>(…),       </a:t>
+            </a:r>
+            <a:r>
+              <a:rPr i="1">
+                <a:solidFill>
+                  <a:srgbClr val="60A0B0"/>
+                </a:solidFill>
+                <a:latin typeface="Courier"/>
+              </a:rPr>
+              <a:t># Python → R transfer</a:t>
+            </a:r>
+            <a:br/>
+            <a:r>
+              <a:rPr>
+                <a:latin typeface="Courier"/>
+              </a:rPr>
+              <a:t>  </a:t>
+            </a:r>
+            <a:r>
+              <a:rPr>
+                <a:solidFill>
+                  <a:srgbClr val="06287E"/>
+                </a:solidFill>
+                <a:latin typeface="Courier"/>
+              </a:rPr>
+              <a:t>rxp_r</a:t>
+            </a:r>
+            <a:r>
+              <a:rPr>
+                <a:latin typeface="Courier"/>
+              </a:rPr>
+              <a:t>(…),          </a:t>
+            </a:r>
+            <a:r>
+              <a:rPr i="1">
+                <a:solidFill>
+                  <a:srgbClr val="60A0B0"/>
+                </a:solidFill>
+                <a:latin typeface="Courier"/>
+              </a:rPr>
+              <a:t># Transformation in R</a:t>
+            </a:r>
+            <a:br/>
+            <a:r>
+              <a:rPr>
+                <a:latin typeface="Courier"/>
+              </a:rPr>
+              <a:t>  </a:t>
+            </a:r>
+            <a:r>
+              <a:rPr>
+                <a:solidFill>
+                  <a:srgbClr val="06287E"/>
+                </a:solidFill>
+                <a:latin typeface="Courier"/>
+              </a:rPr>
+              <a:t>rxp_r2py</a:t>
+            </a:r>
+            <a:r>
+              <a:rPr>
+                <a:latin typeface="Courier"/>
+              </a:rPr>
+              <a:t>(…),       </a:t>
+            </a:r>
+            <a:r>
+              <a:rPr i="1">
+                <a:solidFill>
+                  <a:srgbClr val="60A0B0"/>
+                </a:solidFill>
+                <a:latin typeface="Courier"/>
+              </a:rPr>
+              <a:t># R → Python transfer</a:t>
+            </a:r>
+            <a:br/>
+            <a:r>
+              <a:rPr>
+                <a:latin typeface="Courier"/>
+              </a:rPr>
+              <a:t>  </a:t>
+            </a:r>
+            <a:r>
+              <a:rPr>
+                <a:solidFill>
+                  <a:srgbClr val="06287E"/>
+                </a:solidFill>
+                <a:latin typeface="Courier"/>
+              </a:rPr>
+              <a:t>rxp_py</a:t>
+            </a:r>
+            <a:r>
+              <a:rPr>
+                <a:latin typeface="Courier"/>
+              </a:rPr>
+              <a:t>(…),         </a:t>
+            </a:r>
+            <a:r>
+              <a:rPr i="1">
+                <a:solidFill>
+                  <a:srgbClr val="60A0B0"/>
+                </a:solidFill>
+                <a:latin typeface="Courier"/>
+              </a:rPr>
+              <a:t># Another Python step</a:t>
+            </a:r>
+            <a:br/>
+            <a:r>
+              <a:rPr>
+                <a:latin typeface="Courier"/>
+              </a:rPr>
+              <a:t>  </a:t>
+            </a:r>
+            <a:r>
+              <a:rPr>
+                <a:solidFill>
+                  <a:srgbClr val="06287E"/>
+                </a:solidFill>
+                <a:latin typeface="Courier"/>
+              </a:rPr>
+              <a:t>rxp_py2r</a:t>
+            </a:r>
+            <a:r>
+              <a:rPr>
+                <a:latin typeface="Courier"/>
+              </a:rPr>
+              <a:t>(…),       </a:t>
+            </a:r>
+            <a:r>
+              <a:rPr i="1">
+                <a:solidFill>
+                  <a:srgbClr val="60A0B0"/>
+                </a:solidFill>
+                <a:latin typeface="Courier"/>
+              </a:rPr>
+              <a:t># Back to R</a:t>
+            </a:r>
+            <a:br/>
+            <a:r>
+              <a:rPr>
+                <a:latin typeface="Courier"/>
+              </a:rPr>
+              <a:t>  </a:t>
+            </a:r>
+            <a:r>
+              <a:rPr>
+                <a:solidFill>
+                  <a:srgbClr val="06287E"/>
+                </a:solidFill>
+                <a:latin typeface="Courier"/>
+              </a:rPr>
+              <a:t>rxp_r</a:t>
+            </a:r>
+            <a:r>
+              <a:rPr>
+                <a:latin typeface="Courier"/>
+              </a:rPr>
+              <a:t>(…)           </a:t>
+            </a:r>
+            <a:r>
+              <a:rPr i="1">
+                <a:solidFill>
+                  <a:srgbClr val="60A0B0"/>
+                </a:solidFill>
+                <a:latin typeface="Courier"/>
+              </a:rPr>
+              <a:t># Final step</a:t>
+            </a:r>
+            <a:br/>
+            <a:r>
+              <a:rPr>
+                <a:latin typeface="Courier"/>
+              </a:rPr>
+              <a:t>) </a:t>
+            </a:r>
+            <a:r>
+              <a:rPr>
+                <a:solidFill>
+                  <a:srgbClr val="4070A0"/>
+                </a:solidFill>
+                <a:latin typeface="Courier"/>
+              </a:rPr>
+              <a:t>|&gt;</a:t>
             </a:r>
             <a:r>
               <a:rPr>
@@ -6029,106 +5970,71 @@
             <a:r>
               <a:rPr>
                 <a:solidFill>
-                  <a:srgbClr val="4070A0"/>
-                </a:solidFill>
-                <a:latin typeface="Courier"/>
-              </a:rPr>
-              <a:t>'data/mtcars.csv'</a:t>
-            </a:r>
-            <a:r>
-              <a:rPr>
-                <a:latin typeface="Courier"/>
-              </a:rPr>
-              <a:t>,</a:t>
-            </a:r>
-            <a:br/>
-            <a:r>
-              <a:rPr>
-                <a:latin typeface="Courier"/>
-              </a:rPr>
-              <a:t>  </a:t>
-            </a:r>
-            <a:r>
-              <a:rPr>
-                <a:solidFill>
-                  <a:srgbClr val="7D9029"/>
-                </a:solidFill>
-                <a:latin typeface="Courier"/>
-              </a:rPr>
-              <a:t>read_function =</a:t>
-            </a:r>
-            <a:r>
-              <a:rPr>
-                <a:latin typeface="Courier"/>
-              </a:rPr>
-              <a:t> \(x) (</a:t>
-            </a:r>
-            <a:r>
-              <a:rPr>
-                <a:solidFill>
                   <a:srgbClr val="06287E"/>
                 </a:solidFill>
                 <a:latin typeface="Courier"/>
               </a:rPr>
-              <a:t>read.csv</a:t>
-            </a:r>
-            <a:r>
-              <a:rPr>
-                <a:latin typeface="Courier"/>
-              </a:rPr>
-              <a:t>(</a:t>
-            </a:r>
-            <a:r>
-              <a:rPr>
-                <a:solidFill>
-                  <a:srgbClr val="7D9029"/>
-                </a:solidFill>
-                <a:latin typeface="Courier"/>
-              </a:rPr>
-              <a:t>file =</a:t>
-            </a:r>
-            <a:r>
-              <a:rPr>
-                <a:latin typeface="Courier"/>
-              </a:rPr>
-              <a:t> x, </a:t>
-            </a:r>
-            <a:r>
-              <a:rPr>
-                <a:solidFill>
-                  <a:srgbClr val="7D9029"/>
-                </a:solidFill>
-                <a:latin typeface="Courier"/>
-              </a:rPr>
-              <a:t>sep =</a:t>
-            </a:r>
-            <a:r>
-              <a:rPr>
-                <a:latin typeface="Courier"/>
-              </a:rPr>
-              <a:t> </a:t>
-            </a:r>
-            <a:r>
-              <a:rPr>
-                <a:solidFill>
-                  <a:srgbClr val="4070A0"/>
-                </a:solidFill>
-                <a:latin typeface="Courier"/>
-              </a:rPr>
-              <a:t>"|"</a:t>
-            </a:r>
-            <a:r>
-              <a:rPr>
-                <a:latin typeface="Courier"/>
-              </a:rPr>
-              <a:t>))</a:t>
-            </a:r>
-            <a:br/>
-            <a:r>
-              <a:rPr>
-                <a:latin typeface="Courier"/>
-              </a:rPr>
-              <a:t>)</a:t>
+              <a:t>rixpress</a:t>
+            </a:r>
+            <a:r>
+              <a:rPr>
+                <a:latin typeface="Courier"/>
+              </a:rPr>
+              <a:t>()</a:t>
+            </a:r>
+          </a:p>
+          <a:p>
+            <a:pPr lvl="0"/>
+            <a:r>
+              <a:rPr/>
+              <a:t>Each step is named and typed (</a:t>
+            </a:r>
+            <a:r>
+              <a:rPr>
+                <a:latin typeface="Courier"/>
+              </a:rPr>
+              <a:t>py</a:t>
+            </a:r>
+            <a:r>
+              <a:rPr/>
+              <a:t>, </a:t>
+            </a:r>
+            <a:r>
+              <a:rPr>
+                <a:latin typeface="Courier"/>
+              </a:rPr>
+              <a:t>r</a:t>
+            </a:r>
+            <a:r>
+              <a:rPr/>
+              <a:t>, </a:t>
+            </a:r>
+            <a:r>
+              <a:rPr>
+                <a:latin typeface="Courier"/>
+              </a:rPr>
+              <a:t>r2py</a:t>
+            </a:r>
+            <a:r>
+              <a:rPr/>
+              <a:t>, etc.)</a:t>
+            </a:r>
+          </a:p>
+          <a:p>
+            <a:pPr lvl="0"/>
+            <a:r>
+              <a:rPr/>
+              <a:t>Ability to add files (</a:t>
+            </a:r>
+            <a:r>
+              <a:rPr>
+                <a:latin typeface="Courier"/>
+              </a:rPr>
+              <a:t>functions.R</a:t>
+            </a:r>
+            <a:r>
+              <a:rPr/>
+              <a:t>, img…)</a:t>
             </a:r>
           </a:p>
         </p:txBody>
@@ -6175,7 +6081,7 @@
             </a:pPr>
             <a:r>
               <a:rPr/>
-              <a:t>Defining a derivation (some computation)</a:t>
+              <a:t>Defining a derivation (input data)</a:t>
             </a:r>
           </a:p>
         </p:txBody>
@@ -6205,7 +6111,7 @@
                 </a:solidFill>
                 <a:latin typeface="Courier"/>
               </a:rPr>
-              <a:t>rxp_r</a:t>
+              <a:t>rxp_r_file</a:t>
             </a:r>
             <a:r>
               <a:rPr>
@@ -6233,7 +6139,7 @@
               <a:rPr>
                 <a:latin typeface="Courier"/>
               </a:rPr>
-              <a:t> filtered_mtcars,</a:t>
+              <a:t> mtcars,</a:t>
             </a:r>
             <a:br/>
             <a:r>
@@ -6249,7 +6155,7 @@
                 </a:solidFill>
                 <a:latin typeface="Courier"/>
               </a:rPr>
-              <a:t>expr =</a:t>
+              <a:t>path =</a:t>
             </a:r>
             <a:r>
               <a:rPr>
@@ -6260,17 +6166,84 @@
             <a:r>
               <a:rPr>
                 <a:solidFill>
+                  <a:srgbClr val="4070A0"/>
+                </a:solidFill>
+                <a:latin typeface="Courier"/>
+              </a:rPr>
+              <a:t>'data/mtcars.csv'</a:t>
+            </a:r>
+            <a:r>
+              <a:rPr>
+                <a:latin typeface="Courier"/>
+              </a:rPr>
+              <a:t>,</a:t>
+            </a:r>
+            <a:br/>
+            <a:r>
+              <a:rPr>
+                <a:latin typeface="Courier"/>
+              </a:rPr>
+              <a:t>  </a:t>
+            </a:r>
+            <a:r>
+              <a:rPr>
+                <a:solidFill>
+                  <a:srgbClr val="7D9029"/>
+                </a:solidFill>
+                <a:latin typeface="Courier"/>
+              </a:rPr>
+              <a:t>read_function =</a:t>
+            </a:r>
+            <a:r>
+              <a:rPr>
+                <a:latin typeface="Courier"/>
+              </a:rPr>
+              <a:t> \(x) (</a:t>
+            </a:r>
+            <a:r>
+              <a:rPr>
+                <a:solidFill>
                   <a:srgbClr val="06287E"/>
                 </a:solidFill>
                 <a:latin typeface="Courier"/>
               </a:rPr>
-              <a:t>filter</a:t>
-            </a:r>
-            <a:r>
-              <a:rPr>
-                <a:latin typeface="Courier"/>
-              </a:rPr>
-              <a:t>(mtcars, am </a:t>
+              <a:t>read.csv</a:t>
+            </a:r>
+            <a:r>
+              <a:rPr>
+                <a:latin typeface="Courier"/>
+              </a:rPr>
+              <a:t>(</a:t>
+            </a:r>
+            <a:r>
+              <a:rPr>
+                <a:solidFill>
+                  <a:srgbClr val="7D9029"/>
+                </a:solidFill>
+                <a:latin typeface="Courier"/>
+              </a:rPr>
+              <a:t>file =</a:t>
+            </a:r>
+            <a:r>
+              <a:rPr>
+                <a:latin typeface="Courier"/>
+              </a:rPr>
+              <a:t> x, </a:t>
+            </a:r>
+            <a:r>
+              <a:rPr>
+                <a:solidFill>
+                  <a:srgbClr val="7D9029"/>
+                </a:solidFill>
+                <a:latin typeface="Courier"/>
+              </a:rPr>
+              <a:t>sep =</a:t>
+            </a:r>
+            <a:r>
+              <a:rPr>
+                <a:latin typeface="Courier"/>
+              </a:rPr>
+              <a:t> </a:t>
             </a:r>
             <a:r>
               <a:rPr>
@@ -6279,28 +6252,13 @@
                 </a:solidFill>
                 <a:latin typeface="Courier"/>
               </a:rPr>
-              <a:t>==</a:t>
-            </a:r>
-            <a:r>
-              <a:rPr>
-                <a:latin typeface="Courier"/>
-              </a:rPr>
-              <a:t> </a:t>
-            </a:r>
-            <a:r>
-              <a:rPr>
-                <a:solidFill>
-                  <a:srgbClr val="40A070"/>
-                </a:solidFill>
-                <a:latin typeface="Courier"/>
-              </a:rPr>
-              <a:t>1</a:t>
-            </a:r>
-            <a:r>
-              <a:rPr>
-                <a:latin typeface="Courier"/>
-              </a:rPr>
-              <a:t>)</a:t>
+              <a:t>"|"</a:t>
+            </a:r>
+            <a:r>
+              <a:rPr>
+                <a:latin typeface="Courier"/>
+              </a:rPr>
+              <a:t>))</a:t>
             </a:r>
             <a:br/>
             <a:r>
@@ -6354,7 +6312,7 @@
             </a:pPr>
             <a:r>
               <a:rPr/>
-              <a:t>Typical structure of a rixpress project</a:t>
+              <a:t>Defining a derivation (some computation)</a:t>
             </a:r>
           </a:p>
         </p:txBody>
@@ -6379,21 +6337,114 @@
             </a:pPr>
             <a:r>
               <a:rPr>
-                <a:latin typeface="Courier"/>
-              </a:rPr>
-              <a:t>.
-├── data
-│   └── dataset.csv    # input data (can be many files)
-├── functions.py       # user-defined Python functions
-├── functions.R        # user-defined R function
-├── gen-env.R          # rix script to generate execution env
-├── gen-pipeline.R     # rixpress script to generate pipeline
-├── my_paper           # folder containing Quarto doc
-│   ├── section.qmd    # Qmd file
-│   ├── img         # Folder containing img for document
-│   │   └── graph.png  # Image to add to paper
-│   └── main.qmd       # Main Qmd file
-└── Readme.md          # Readme</a:t>
+                <a:solidFill>
+                  <a:srgbClr val="06287E"/>
+                </a:solidFill>
+                <a:latin typeface="Courier"/>
+              </a:rPr>
+              <a:t>rxp_r</a:t>
+            </a:r>
+            <a:r>
+              <a:rPr>
+                <a:latin typeface="Courier"/>
+              </a:rPr>
+              <a:t>(</a:t>
+            </a:r>
+            <a:br/>
+            <a:r>
+              <a:rPr>
+                <a:latin typeface="Courier"/>
+              </a:rPr>
+              <a:t>  </a:t>
+            </a:r>
+            <a:r>
+              <a:rPr>
+                <a:solidFill>
+                  <a:srgbClr val="7D9029"/>
+                </a:solidFill>
+                <a:latin typeface="Courier"/>
+              </a:rPr>
+              <a:t>name =</a:t>
+            </a:r>
+            <a:r>
+              <a:rPr>
+                <a:latin typeface="Courier"/>
+              </a:rPr>
+              <a:t> filtered_mtcars,</a:t>
+            </a:r>
+            <a:br/>
+            <a:r>
+              <a:rPr>
+                <a:latin typeface="Courier"/>
+              </a:rPr>
+              <a:t>  </a:t>
+            </a:r>
+            <a:r>
+              <a:rPr>
+                <a:solidFill>
+                  <a:srgbClr val="7D9029"/>
+                </a:solidFill>
+                <a:latin typeface="Courier"/>
+              </a:rPr>
+              <a:t>expr =</a:t>
+            </a:r>
+            <a:r>
+              <a:rPr>
+                <a:latin typeface="Courier"/>
+              </a:rPr>
+              <a:t> </a:t>
+            </a:r>
+            <a:r>
+              <a:rPr>
+                <a:solidFill>
+                  <a:srgbClr val="06287E"/>
+                </a:solidFill>
+                <a:latin typeface="Courier"/>
+              </a:rPr>
+              <a:t>filter</a:t>
+            </a:r>
+            <a:r>
+              <a:rPr>
+                <a:latin typeface="Courier"/>
+              </a:rPr>
+              <a:t>(mtcars, am </a:t>
+            </a:r>
+            <a:r>
+              <a:rPr>
+                <a:solidFill>
+                  <a:srgbClr val="4070A0"/>
+                </a:solidFill>
+                <a:latin typeface="Courier"/>
+              </a:rPr>
+              <a:t>==</a:t>
+            </a:r>
+            <a:r>
+              <a:rPr>
+                <a:latin typeface="Courier"/>
+              </a:rPr>
+              <a:t> </a:t>
+            </a:r>
+            <a:r>
+              <a:rPr>
+                <a:solidFill>
+                  <a:srgbClr val="40A070"/>
+                </a:solidFill>
+                <a:latin typeface="Courier"/>
+              </a:rPr>
+              <a:t>1</a:t>
+            </a:r>
+            <a:r>
+              <a:rPr>
+                <a:latin typeface="Courier"/>
+              </a:rPr>
+              <a:t>)</a:t>
+            </a:r>
+            <a:br/>
+            <a:r>
+              <a:rPr>
+                <a:latin typeface="Courier"/>
+              </a:rPr>
+              <a:t>)</a:t>
             </a:r>
           </a:p>
         </p:txBody>
@@ -6440,7 +6491,7 @@
             </a:pPr>
             <a:r>
               <a:rPr/>
-              <a:t>Defining Quarto or Rmd documents</a:t>
+              <a:t>Typical structure of a rixpress project</a:t>
             </a:r>
           </a:p>
         </p:txBody>
@@ -6460,100 +6511,26 @@
           <a:bodyPr/>
           <a:lstStyle/>
           <a:p>
-            <a:pPr lvl="0" indent="0" marL="0">
+            <a:pPr lvl="0" indent="0">
               <a:buNone/>
             </a:pPr>
             <a:r>
-              <a:rPr/>
-              <a:t>Use </a:t>
-            </a:r>
-            <a:r>
-              <a:rPr>
-                <a:latin typeface="Courier"/>
-              </a:rPr>
-              <a:t>rxp_read()</a:t>
-            </a:r>
-            <a:r>
-              <a:rPr/>
-              <a:t> to include pipeline outputs:</a:t>
-            </a:r>
-          </a:p>
-          <a:p>
-            <a:pPr lvl="0" indent="0">
-              <a:buNone/>
-            </a:pPr>
-            <a:r>
-              <a:rPr>
-                <a:latin typeface="Courier"/>
-              </a:rPr>
-              <a:t>rixpress</a:t>
-            </a:r>
-            <a:r>
-              <a:rPr>
-                <a:solidFill>
-                  <a:srgbClr val="4070A0"/>
-                </a:solidFill>
-                <a:latin typeface="Courier"/>
-              </a:rPr>
-              <a:t>::</a:t>
-            </a:r>
-            <a:r>
-              <a:rPr>
-                <a:solidFill>
-                  <a:srgbClr val="06287E"/>
-                </a:solidFill>
-                <a:latin typeface="Courier"/>
-              </a:rPr>
-              <a:t>rxp_read</a:t>
-            </a:r>
-            <a:r>
-              <a:rPr>
-                <a:latin typeface="Courier"/>
-              </a:rPr>
-              <a:t>(</a:t>
-            </a:r>
-            <a:r>
-              <a:rPr>
-                <a:solidFill>
-                  <a:srgbClr val="4070A0"/>
-                </a:solidFill>
-                <a:latin typeface="Courier"/>
-              </a:rPr>
-              <a:t>"mtcars_head"</a:t>
-            </a:r>
-            <a:r>
-              <a:rPr>
-                <a:latin typeface="Courier"/>
-              </a:rPr>
-              <a:t>)</a:t>
-            </a:r>
-          </a:p>
-          <a:p>
-            <a:pPr lvl="0" indent="0" marL="0">
-              <a:buNone/>
-            </a:pPr>
-            <a:r>
-              <a:rPr/>
-              <a:t>All created objects can be dynamically loaded into the document</a:t>
-            </a:r>
-          </a:p>
-          <a:p>
-            <a:pPr lvl="0" indent="0" marL="0">
-              <a:buNone/>
-            </a:pPr>
-            <a:r>
-              <a:rPr/>
-              <a:t>Possible to include additional files (</a:t>
-            </a:r>
-            <a:r>
-              <a:rPr>
-                <a:latin typeface="Courier"/>
-              </a:rPr>
-              <a:t>content.qmd</a:t>
-            </a:r>
-            <a:r>
-              <a:rPr/>
-              <a:t>, img…)</a:t>
+              <a:rPr>
+                <a:latin typeface="Courier"/>
+              </a:rPr>
+              <a:t>.
+├── data
+│   └── dataset.csv    # input data (can be many files)
+├── functions.py       # user-defined Python functions
+├── functions.R        # user-defined R function
+├── gen-env.R          # rix script to generate execution env
+├── gen-pipeline.R     # rixpress script to generate pipeline
+├── my_paper           # folder containing Quarto doc
+│   ├── section.qmd    # Qmd file
+│   ├── img         # Folder containing img for document
+│   │   └── graph.png  # Image to add to paper
+│   └── main.qmd       # Main Qmd file
+└── Readme.md          # Readme</a:t>
             </a:r>
           </a:p>
         </p:txBody>
@@ -6677,7 +6654,7 @@
             </a:pPr>
             <a:r>
               <a:rPr/>
-              <a:t>Using rixpress (1/3)</a:t>
+              <a:t>Defining Quarto or Rmd documents</a:t>
             </a:r>
           </a:p>
         </p:txBody>
@@ -6697,26 +6674,22 @@
           <a:bodyPr/>
           <a:lstStyle/>
           <a:p>
-            <a:pPr lvl="0"/>
-            <a:r>
-              <a:rPr/>
-              <a:t>Start from an empty folder;</a:t>
-            </a:r>
-          </a:p>
-          <a:p>
-            <a:pPr lvl="0"/>
-            <a:r>
-              <a:rPr/>
-              <a:t>Drop into a temporary shell:</a:t>
-            </a:r>
-          </a:p>
-          <a:p>
             <a:pPr lvl="0" indent="0" marL="0">
               <a:buNone/>
             </a:pPr>
             <a:r>
               <a:rPr/>
-              <a:t>. . .</a:t>
+              <a:t>Use </a:t>
+            </a:r>
+            <a:r>
+              <a:rPr>
+                <a:latin typeface="Courier"/>
+              </a:rPr>
+              <a:t>rxp_read()</a:t>
+            </a:r>
+            <a:r>
+              <a:rPr/>
+              <a:t> to include pipeline outputs:</a:t>
             </a:r>
           </a:p>
           <a:p>
@@ -6727,22 +6700,7 @@
               <a:rPr>
                 <a:latin typeface="Courier"/>
               </a:rPr>
-              <a:t>nix-shell </a:t>
-            </a:r>
-            <a:r>
-              <a:rPr>
-                <a:solidFill>
-                  <a:srgbClr val="7D9029"/>
-                </a:solidFill>
-                <a:latin typeface="Courier"/>
-              </a:rPr>
-              <a:t>--expr</a:t>
-            </a:r>
-            <a:r>
-              <a:rPr>
-                <a:latin typeface="Courier"/>
-              </a:rPr>
-              <a:t> </a:t>
+              <a:t>rixpress</a:t>
             </a:r>
             <a:r>
               <a:rPr>
@@ -6751,55 +6709,65 @@
                 </a:solidFill>
                 <a:latin typeface="Courier"/>
               </a:rPr>
-              <a:t>"</a:t>
-            </a:r>
-            <a:r>
-              <a:rPr>
-                <a:solidFill>
-                  <a:srgbClr val="19177C"/>
-                </a:solidFill>
-                <a:latin typeface="Courier"/>
-              </a:rPr>
-              <a:t>$(</a:t>
-            </a:r>
-            <a:r>
-              <a:rPr>
-                <a:latin typeface="Courier"/>
-              </a:rPr>
-              <a:t>curl </a:t>
-            </a:r>
-            <a:r>
-              <a:rPr>
-                <a:solidFill>
-                  <a:srgbClr val="7D9029"/>
-                </a:solidFill>
-                <a:latin typeface="Courier"/>
-              </a:rPr>
-              <a:t>-sl</a:t>
-            </a:r>
-            <a:r>
-              <a:rPr>
-                <a:latin typeface="Courier"/>
-              </a:rPr>
-              <a:t> https://raw.githubusercontent.com/ropensci/rix/main/inst/extdata/default.nix</a:t>
-            </a:r>
-            <a:r>
-              <a:rPr>
-                <a:solidFill>
-                  <a:srgbClr val="19177C"/>
-                </a:solidFill>
+              <a:t>::</a:t>
+            </a:r>
+            <a:r>
+              <a:rPr>
+                <a:solidFill>
+                  <a:srgbClr val="06287E"/>
+                </a:solidFill>
+                <a:latin typeface="Courier"/>
+              </a:rPr>
+              <a:t>rxp_read</a:t>
+            </a:r>
+            <a:r>
+              <a:rPr>
+                <a:latin typeface="Courier"/>
+              </a:rPr>
+              <a:t>(</a:t>
+            </a:r>
+            <a:r>
+              <a:rPr>
+                <a:solidFill>
+                  <a:srgbClr val="4070A0"/>
+                </a:solidFill>
+                <a:latin typeface="Courier"/>
+              </a:rPr>
+              <a:t>"mtcars_head"</a:t>
+            </a:r>
+            <a:r>
+              <a:rPr>
                 <a:latin typeface="Courier"/>
               </a:rPr>
               <a:t>)</a:t>
             </a:r>
-            <a:r>
-              <a:rPr>
-                <a:solidFill>
-                  <a:srgbClr val="4070A0"/>
-                </a:solidFill>
-                <a:latin typeface="Courier"/>
-              </a:rPr>
-              <a:t>"</a:t>
+          </a:p>
+          <a:p>
+            <a:pPr lvl="0" indent="0" marL="0">
+              <a:buNone/>
+            </a:pPr>
+            <a:r>
+              <a:rPr/>
+              <a:t>All created objects can be dynamically loaded into the document</a:t>
+            </a:r>
+          </a:p>
+          <a:p>
+            <a:pPr lvl="0" indent="0" marL="0">
+              <a:buNone/>
+            </a:pPr>
+            <a:r>
+              <a:rPr/>
+              <a:t>Possible to include additional files (</a:t>
+            </a:r>
+            <a:r>
+              <a:rPr>
+                <a:latin typeface="Courier"/>
+              </a:rPr>
+              <a:t>content.qmd</a:t>
+            </a:r>
+            <a:r>
+              <a:rPr/>
+              <a:t>, img…)</a:t>
             </a:r>
           </a:p>
         </p:txBody>
@@ -6846,7 +6814,7 @@
             </a:pPr>
             <a:r>
               <a:rPr/>
-              <a:t>Using rixpress (2/3)</a:t>
+              <a:t>Using rixpress (1/3)</a:t>
             </a:r>
           </a:p>
         </p:txBody>
@@ -6869,138 +6837,106 @@
             <a:pPr lvl="0"/>
             <a:r>
               <a:rPr/>
-              <a:t>Start project structure using </a:t>
-            </a:r>
-            <a:r>
-              <a:rPr>
-                <a:latin typeface="Courier"/>
-              </a:rPr>
-              <a:t>rixpress::rxp_init()</a:t>
-            </a:r>
-            <a:r>
-              <a:rPr/>
-              <a:t>;</a:t>
+              <a:t>Start from an empty folder;</a:t>
             </a:r>
           </a:p>
           <a:p>
             <a:pPr lvl="0"/>
             <a:r>
               <a:rPr/>
-              <a:t>Edit </a:t>
-            </a:r>
-            <a:r>
-              <a:rPr>
-                <a:latin typeface="Courier"/>
-              </a:rPr>
-              <a:t>gen-env.R</a:t>
-            </a:r>
-            <a:r>
-              <a:rPr/>
-              <a:t> and </a:t>
-            </a:r>
-            <a:r>
-              <a:rPr>
-                <a:latin typeface="Courier"/>
-              </a:rPr>
-              <a:t>gen-pipeline.R</a:t>
-            </a:r>
-            <a:r>
-              <a:rPr/>
-              <a:t>;</a:t>
-            </a:r>
-          </a:p>
-          <a:p>
-            <a:pPr lvl="0"/>
-            <a:r>
-              <a:rPr/>
-              <a:t>Write code in </a:t>
-            </a:r>
-            <a:r>
-              <a:rPr>
-                <a:latin typeface="Courier"/>
-              </a:rPr>
-              <a:t>gen-pipeline.R</a:t>
-            </a:r>
-            <a:r>
-              <a:rPr/>
-              <a:t> and build pipeline using </a:t>
-            </a:r>
-            <a:r>
-              <a:rPr>
-                <a:latin typeface="Courier"/>
-              </a:rPr>
-              <a:t>rxp_make()</a:t>
-            </a:r>
-            <a:r>
-              <a:rPr/>
-              <a:t>;</a:t>
-            </a:r>
-          </a:p>
-          <a:p>
-            <a:pPr lvl="0"/>
-            <a:r>
-              <a:rPr/>
-              <a:t>Inspect outputs using </a:t>
-            </a:r>
-            <a:r>
-              <a:rPr>
-                <a:latin typeface="Courier"/>
-              </a:rPr>
-              <a:t>rxp_inspect()</a:t>
-            </a:r>
-            <a:r>
-              <a:rPr/>
-              <a:t>;</a:t>
-            </a:r>
-          </a:p>
-          <a:p>
-            <a:pPr lvl="0"/>
-            <a:r>
-              <a:rPr/>
-              <a:t>View outputs using </a:t>
-            </a:r>
-            <a:r>
-              <a:rPr>
-                <a:latin typeface="Courier"/>
-              </a:rPr>
-              <a:t>rxp_read()</a:t>
-            </a:r>
-            <a:r>
-              <a:rPr/>
-              <a:t> (load them using </a:t>
-            </a:r>
-            <a:r>
-              <a:rPr>
-                <a:latin typeface="Courier"/>
-              </a:rPr>
-              <a:t>rxp_load()</a:t>
-            </a:r>
-            <a:r>
-              <a:rPr/>
-              <a:t>;</a:t>
-            </a:r>
-          </a:p>
-          <a:p>
-            <a:pPr lvl="0"/>
-            <a:r>
-              <a:rPr/>
-              <a:t>View DAG of pipeline using </a:t>
-            </a:r>
-            <a:r>
-              <a:rPr>
-                <a:latin typeface="Courier"/>
-              </a:rPr>
-              <a:t>rxp_ggdag()</a:t>
-            </a:r>
-            <a:r>
-              <a:rPr/>
-              <a:t> or </a:t>
-            </a:r>
-            <a:r>
-              <a:rPr>
-                <a:latin typeface="Courier"/>
-              </a:rPr>
-              <a:t>rxp_visnetwork()</a:t>
+              <a:t>Drop into a temporary shell:</a:t>
+            </a:r>
+          </a:p>
+          <a:p>
+            <a:pPr lvl="0" indent="0" marL="0">
+              <a:buNone/>
+            </a:pPr>
+            <a:r>
+              <a:rPr/>
+              <a:t>. . .</a:t>
+            </a:r>
+          </a:p>
+          <a:p>
+            <a:pPr lvl="0" indent="0">
+              <a:buNone/>
+            </a:pPr>
+            <a:r>
+              <a:rPr>
+                <a:latin typeface="Courier"/>
+              </a:rPr>
+              <a:t>nix-shell </a:t>
+            </a:r>
+            <a:r>
+              <a:rPr>
+                <a:solidFill>
+                  <a:srgbClr val="7D9029"/>
+                </a:solidFill>
+                <a:latin typeface="Courier"/>
+              </a:rPr>
+              <a:t>--expr</a:t>
+            </a:r>
+            <a:r>
+              <a:rPr>
+                <a:latin typeface="Courier"/>
+              </a:rPr>
+              <a:t> </a:t>
+            </a:r>
+            <a:r>
+              <a:rPr>
+                <a:solidFill>
+                  <a:srgbClr val="4070A0"/>
+                </a:solidFill>
+                <a:latin typeface="Courier"/>
+              </a:rPr>
+              <a:t>"</a:t>
+            </a:r>
+            <a:r>
+              <a:rPr>
+                <a:solidFill>
+                  <a:srgbClr val="19177C"/>
+                </a:solidFill>
+                <a:latin typeface="Courier"/>
+              </a:rPr>
+              <a:t>$(</a:t>
+            </a:r>
+            <a:r>
+              <a:rPr>
+                <a:latin typeface="Courier"/>
+              </a:rPr>
+              <a:t>curl </a:t>
+            </a:r>
+            <a:r>
+              <a:rPr>
+                <a:solidFill>
+                  <a:srgbClr val="7D9029"/>
+                </a:solidFill>
+                <a:latin typeface="Courier"/>
+              </a:rPr>
+              <a:t>-sl</a:t>
+            </a:r>
+            <a:r>
+              <a:rPr>
+                <a:latin typeface="Courier"/>
+              </a:rPr>
+              <a:t> https://raw.githubusercontent.com/ropensci/rix/main/inst/extdata/default.nix</a:t>
+            </a:r>
+            <a:r>
+              <a:rPr>
+                <a:solidFill>
+                  <a:srgbClr val="19177C"/>
+                </a:solidFill>
+                <a:latin typeface="Courier"/>
+              </a:rPr>
+              <a:t>)</a:t>
+            </a:r>
+            <a:r>
+              <a:rPr>
+                <a:solidFill>
+                  <a:srgbClr val="4070A0"/>
+                </a:solidFill>
+                <a:latin typeface="Courier"/>
+              </a:rPr>
+              <a:t>"</a:t>
             </a:r>
           </a:p>
         </p:txBody>
@@ -7047,7 +6983,7 @@
             </a:pPr>
             <a:r>
               <a:rPr/>
-              <a:t>Using rixpress (3/3)</a:t>
+              <a:t>Using rixpress (2/3)</a:t>
             </a:r>
           </a:p>
         </p:txBody>
@@ -7070,20 +7006,30 @@
             <a:pPr lvl="0"/>
             <a:r>
               <a:rPr/>
-              <a:t>Build artifacts get saved and re-used across runs;</a:t>
+              <a:t>Start project structure using </a:t>
+            </a:r>
+            <a:r>
+              <a:rPr>
+                <a:latin typeface="Courier"/>
+              </a:rPr>
+              <a:t>rixpress::rxp_init()</a:t>
+            </a:r>
+            <a:r>
+              <a:rPr/>
+              <a:t>;</a:t>
             </a:r>
           </a:p>
           <a:p>
             <a:pPr lvl="0"/>
             <a:r>
               <a:rPr/>
-              <a:t>Possible to export and import them using </a:t>
-            </a:r>
-            <a:r>
-              <a:rPr>
-                <a:latin typeface="Courier"/>
-              </a:rPr>
-              <a:t>import_nix_archive()</a:t>
+              <a:t>Edit </a:t>
+            </a:r>
+            <a:r>
+              <a:rPr>
+                <a:latin typeface="Courier"/>
+              </a:rPr>
+              <a:t>gen-env.R</a:t>
             </a:r>
             <a:r>
               <a:rPr/>
@@ -7093,24 +7039,34 @@
               <a:rPr>
                 <a:latin typeface="Courier"/>
               </a:rPr>
-              <a:t>export_nix_archive()</a:t>
-            </a:r>
-            <a:r>
-              <a:rPr/>
-              <a:t> (very useful on CI!);</a:t>
+              <a:t>gen-pipeline.R</a:t>
+            </a:r>
+            <a:r>
+              <a:rPr/>
+              <a:t>;</a:t>
             </a:r>
           </a:p>
           <a:p>
             <a:pPr lvl="0"/>
             <a:r>
               <a:rPr/>
-              <a:t>To set up GitHub Actions use </a:t>
-            </a:r>
-            <a:r>
-              <a:rPr>
-                <a:latin typeface="Courier"/>
-              </a:rPr>
-              <a:t>rxp_ga()</a:t>
+              <a:t>Write code in </a:t>
+            </a:r>
+            <a:r>
+              <a:rPr>
+                <a:latin typeface="Courier"/>
+              </a:rPr>
+              <a:t>gen-pipeline.R</a:t>
+            </a:r>
+            <a:r>
+              <a:rPr/>
+              <a:t> and build pipeline using </a:t>
+            </a:r>
+            <a:r>
+              <a:rPr>
+                <a:latin typeface="Courier"/>
+              </a:rPr>
+              <a:t>rxp_make()</a:t>
             </a:r>
             <a:r>
               <a:rPr/>
@@ -7121,17 +7077,67 @@
             <a:pPr lvl="0"/>
             <a:r>
               <a:rPr/>
-              <a:t>Logs of runs get saved, and possible to reload older versions of build artifacts (see </a:t>
-            </a:r>
-            <a:r>
-              <a:rPr>
-                <a:hlinkClick r:id="rId2"/>
-              </a:rPr>
-              <a:t>vignette</a:t>
-            </a:r>
-            <a:r>
-              <a:rPr/>
-              <a:t>).</a:t>
+              <a:t>Inspect outputs using </a:t>
+            </a:r>
+            <a:r>
+              <a:rPr>
+                <a:latin typeface="Courier"/>
+              </a:rPr>
+              <a:t>rxp_inspect()</a:t>
+            </a:r>
+            <a:r>
+              <a:rPr/>
+              <a:t>;</a:t>
+            </a:r>
+          </a:p>
+          <a:p>
+            <a:pPr lvl="0"/>
+            <a:r>
+              <a:rPr/>
+              <a:t>View outputs using </a:t>
+            </a:r>
+            <a:r>
+              <a:rPr>
+                <a:latin typeface="Courier"/>
+              </a:rPr>
+              <a:t>rxp_read()</a:t>
+            </a:r>
+            <a:r>
+              <a:rPr/>
+              <a:t> (load them using </a:t>
+            </a:r>
+            <a:r>
+              <a:rPr>
+                <a:latin typeface="Courier"/>
+              </a:rPr>
+              <a:t>rxp_load()</a:t>
+            </a:r>
+            <a:r>
+              <a:rPr/>
+              <a:t>;</a:t>
+            </a:r>
+          </a:p>
+          <a:p>
+            <a:pPr lvl="0"/>
+            <a:r>
+              <a:rPr/>
+              <a:t>View DAG of pipeline using </a:t>
+            </a:r>
+            <a:r>
+              <a:rPr>
+                <a:latin typeface="Courier"/>
+              </a:rPr>
+              <a:t>rxp_ggdag()</a:t>
+            </a:r>
+            <a:r>
+              <a:rPr/>
+              <a:t> or </a:t>
+            </a:r>
+            <a:r>
+              <a:rPr>
+                <a:latin typeface="Courier"/>
+              </a:rPr>
+              <a:t>rxp_visnetwork()</a:t>
             </a:r>
           </a:p>
         </p:txBody>
@@ -7178,7 +7184,7 @@
             </a:pPr>
             <a:r>
               <a:rPr/>
-              <a:t>Transfer with JSON (or other universal format)</a:t>
+              <a:t>Using rixpress (3/3)</a:t>
             </a:r>
           </a:p>
         </p:txBody>
@@ -7201,271 +7207,68 @@
             <a:pPr lvl="0"/>
             <a:r>
               <a:rPr/>
-              <a:t>Advantage: avoids using </a:t>
-            </a:r>
-            <a:r>
-              <a:rPr>
-                <a:latin typeface="Courier"/>
-              </a:rPr>
-              <a:t>reticulate</a:t>
+              <a:t>Build artifacts get saved and re-used across runs;</a:t>
             </a:r>
           </a:p>
           <a:p>
             <a:pPr lvl="0"/>
             <a:r>
               <a:rPr/>
-              <a:t>Add a Python serialization function:</a:t>
-            </a:r>
-          </a:p>
-          <a:p>
-            <a:pPr lvl="0" indent="0" marL="0">
-              <a:buNone/>
-            </a:pPr>
-            <a:r>
-              <a:rPr/>
-              <a:t>. . .</a:t>
-            </a:r>
-          </a:p>
-          <a:p>
-            <a:pPr lvl="0" indent="0">
-              <a:buNone/>
-            </a:pPr>
-            <a:r>
-              <a:rPr b="1">
-                <a:solidFill>
-                  <a:srgbClr val="007020"/>
-                </a:solidFill>
-                <a:latin typeface="Courier"/>
-              </a:rPr>
-              <a:t>def</a:t>
-            </a:r>
-            <a:r>
-              <a:rPr>
-                <a:latin typeface="Courier"/>
-              </a:rPr>
-              <a:t> serialize_to_json(pl_df, path):</a:t>
-            </a:r>
-            <a:br/>
-            <a:r>
-              <a:rPr>
-                <a:latin typeface="Courier"/>
-              </a:rPr>
-              <a:t>    </a:t>
-            </a:r>
-            <a:r>
-              <a:rPr b="1">
-                <a:solidFill>
-                  <a:srgbClr val="007020"/>
-                </a:solidFill>
-                <a:latin typeface="Courier"/>
-              </a:rPr>
-              <a:t>with</a:t>
-            </a:r>
-            <a:r>
-              <a:rPr>
-                <a:latin typeface="Courier"/>
-              </a:rPr>
-              <a:t> </a:t>
-            </a:r>
-            <a:r>
-              <a:rPr>
-                <a:solidFill>
-                  <a:srgbClr val="008000"/>
-                </a:solidFill>
-                <a:latin typeface="Courier"/>
-              </a:rPr>
-              <a:t>open</a:t>
-            </a:r>
-            <a:r>
-              <a:rPr>
-                <a:latin typeface="Courier"/>
-              </a:rPr>
-              <a:t>(path, </a:t>
-            </a:r>
-            <a:r>
-              <a:rPr>
-                <a:solidFill>
-                  <a:srgbClr val="4070A0"/>
-                </a:solidFill>
-                <a:latin typeface="Courier"/>
-              </a:rPr>
-              <a:t>'w'</a:t>
-            </a:r>
-            <a:r>
-              <a:rPr>
-                <a:latin typeface="Courier"/>
-              </a:rPr>
-              <a:t>) </a:t>
-            </a:r>
-            <a:r>
-              <a:rPr b="1">
-                <a:solidFill>
-                  <a:srgbClr val="008000"/>
-                </a:solidFill>
-                <a:latin typeface="Courier"/>
-              </a:rPr>
-              <a:t>as</a:t>
-            </a:r>
-            <a:r>
-              <a:rPr>
-                <a:latin typeface="Courier"/>
-              </a:rPr>
-              <a:t> f:</a:t>
-            </a:r>
-            <a:br/>
-            <a:r>
-              <a:rPr>
-                <a:latin typeface="Courier"/>
-              </a:rPr>
-              <a:t>        f.write(pl_df.write_json())</a:t>
+              <a:t>Possible to export and import them using </a:t>
+            </a:r>
+            <a:r>
+              <a:rPr>
+                <a:latin typeface="Courier"/>
+              </a:rPr>
+              <a:t>import_nix_archive()</a:t>
+            </a:r>
+            <a:r>
+              <a:rPr/>
+              <a:t> and </a:t>
+            </a:r>
+            <a:r>
+              <a:rPr>
+                <a:latin typeface="Courier"/>
+              </a:rPr>
+              <a:t>export_nix_archive()</a:t>
+            </a:r>
+            <a:r>
+              <a:rPr/>
+              <a:t> (very useful on CI!);</a:t>
             </a:r>
           </a:p>
           <a:p>
             <a:pPr lvl="0"/>
             <a:r>
               <a:rPr/>
-              <a:t>And on the R side:</a:t>
-            </a:r>
-          </a:p>
-          <a:p>
-            <a:pPr lvl="0" indent="0" marL="0">
-              <a:buNone/>
-            </a:pPr>
-            <a:r>
-              <a:rPr/>
-              <a:t>. . .</a:t>
-            </a:r>
-          </a:p>
-          <a:p>
-            <a:pPr lvl="0" indent="0">
-              <a:buNone/>
-            </a:pPr>
-            <a:r>
-              <a:rPr>
-                <a:solidFill>
-                  <a:srgbClr val="06287E"/>
-                </a:solidFill>
-                <a:latin typeface="Courier"/>
-              </a:rPr>
-              <a:t>rxp_r</a:t>
-            </a:r>
-            <a:r>
-              <a:rPr>
-                <a:latin typeface="Courier"/>
-              </a:rPr>
-              <a:t>(</a:t>
-            </a:r>
-            <a:br/>
-            <a:r>
-              <a:rPr>
-                <a:latin typeface="Courier"/>
-              </a:rPr>
-              <a:t>  </a:t>
-            </a:r>
-            <a:r>
-              <a:rPr>
-                <a:solidFill>
-                  <a:srgbClr val="7D9029"/>
-                </a:solidFill>
-                <a:latin typeface="Courier"/>
-              </a:rPr>
-              <a:t>name =</a:t>
-            </a:r>
-            <a:r>
-              <a:rPr>
-                <a:latin typeface="Courier"/>
-              </a:rPr>
-              <a:t> </a:t>
-            </a:r>
-            <a:r>
-              <a:rPr>
-                <a:solidFill>
-                  <a:srgbClr val="4070A0"/>
-                </a:solidFill>
-                <a:latin typeface="Courier"/>
-              </a:rPr>
-              <a:t>"x"</a:t>
-            </a:r>
-            <a:r>
-              <a:rPr>
-                <a:latin typeface="Courier"/>
-              </a:rPr>
-              <a:t>,</a:t>
-            </a:r>
-            <a:br/>
-            <a:r>
-              <a:rPr>
-                <a:latin typeface="Courier"/>
-              </a:rPr>
-              <a:t>  </a:t>
-            </a:r>
-            <a:r>
-              <a:rPr>
-                <a:solidFill>
-                  <a:srgbClr val="7D9029"/>
-                </a:solidFill>
-                <a:latin typeface="Courier"/>
-              </a:rPr>
-              <a:t>expr =</a:t>
-            </a:r>
-            <a:r>
-              <a:rPr>
-                <a:latin typeface="Courier"/>
-              </a:rPr>
-              <a:t> </a:t>
-            </a:r>
-            <a:r>
-              <a:rPr>
-                <a:solidFill>
-                  <a:srgbClr val="06287E"/>
-                </a:solidFill>
-                <a:latin typeface="Courier"/>
-              </a:rPr>
-              <a:t>my_fun</a:t>
-            </a:r>
-            <a:r>
-              <a:rPr>
-                <a:latin typeface="Courier"/>
-              </a:rPr>
-              <a:t>(data),</a:t>
-            </a:r>
-            <a:br/>
-            <a:r>
-              <a:rPr>
-                <a:latin typeface="Courier"/>
-              </a:rPr>
-              <a:t>  </a:t>
-            </a:r>
-            <a:r>
-              <a:rPr>
-                <a:solidFill>
-                  <a:srgbClr val="7D9029"/>
-                </a:solidFill>
-                <a:latin typeface="Courier"/>
-              </a:rPr>
-              <a:t>unserialize_function =</a:t>
-            </a:r>
-            <a:r>
-              <a:rPr>
-                <a:latin typeface="Courier"/>
-              </a:rPr>
-              <a:t> </a:t>
-            </a:r>
-            <a:r>
-              <a:rPr>
-                <a:solidFill>
-                  <a:srgbClr val="4070A0"/>
-                </a:solidFill>
-                <a:latin typeface="Courier"/>
-              </a:rPr>
-              <a:t>"jsonlite::fromJSON"</a:t>
-            </a:r>
-            <a:br/>
-            <a:r>
-              <a:rPr>
-                <a:latin typeface="Courier"/>
-              </a:rPr>
-              <a:t>)</a:t>
+              <a:t>To set up GitHub Actions use </a:t>
+            </a:r>
+            <a:r>
+              <a:rPr>
+                <a:latin typeface="Courier"/>
+              </a:rPr>
+              <a:t>rxp_ga()</a:t>
+            </a:r>
+            <a:r>
+              <a:rPr/>
+              <a:t>;</a:t>
+            </a:r>
+          </a:p>
+          <a:p>
+            <a:pPr lvl="0"/>
+            <a:r>
+              <a:rPr/>
+              <a:t>Logs of runs get saved, and possible to reload older versions of build artifacts (see </a:t>
+            </a:r>
+            <a:r>
+              <a:rPr>
+                <a:hlinkClick r:id="rId2"/>
+              </a:rPr>
+              <a:t>vignette</a:t>
+            </a:r>
+            <a:r>
+              <a:rPr/>
+              <a:t>).</a:t>
             </a:r>
           </a:p>
         </p:txBody>
@@ -7512,7 +7315,7 @@
             </a:pPr>
             <a:r>
               <a:rPr/>
-              <a:t>Interactive demo</a:t>
+              <a:t>Transfer with JSON (or other universal format)</a:t>
             </a:r>
           </a:p>
         </p:txBody>
@@ -7532,18 +7335,274 @@
           <a:bodyPr/>
           <a:lstStyle/>
           <a:p>
+            <a:pPr lvl="0"/>
+            <a:r>
+              <a:rPr/>
+              <a:t>Advantage: avoids using </a:t>
+            </a:r>
+            <a:r>
+              <a:rPr>
+                <a:latin typeface="Courier"/>
+              </a:rPr>
+              <a:t>reticulate</a:t>
+            </a:r>
+          </a:p>
+          <a:p>
+            <a:pPr lvl="0"/>
+            <a:r>
+              <a:rPr/>
+              <a:t>Add a Python serialization function:</a:t>
+            </a:r>
+          </a:p>
+          <a:p>
             <a:pPr lvl="0" indent="0" marL="0">
               <a:buNone/>
             </a:pPr>
             <a:r>
               <a:rPr/>
-              <a:t>See </a:t>
-            </a:r>
-            <a:r>
-              <a:rPr>
-                <a:latin typeface="Courier"/>
-              </a:rPr>
-              <a:t>scripts/rixpress_demo</a:t>
+              <a:t>. . .</a:t>
+            </a:r>
+          </a:p>
+          <a:p>
+            <a:pPr lvl="0" indent="0">
+              <a:buNone/>
+            </a:pPr>
+            <a:r>
+              <a:rPr b="1">
+                <a:solidFill>
+                  <a:srgbClr val="007020"/>
+                </a:solidFill>
+                <a:latin typeface="Courier"/>
+              </a:rPr>
+              <a:t>def</a:t>
+            </a:r>
+            <a:r>
+              <a:rPr>
+                <a:latin typeface="Courier"/>
+              </a:rPr>
+              <a:t> serialize_to_json(pl_df, path):</a:t>
+            </a:r>
+            <a:br/>
+            <a:r>
+              <a:rPr>
+                <a:latin typeface="Courier"/>
+              </a:rPr>
+              <a:t>    </a:t>
+            </a:r>
+            <a:r>
+              <a:rPr b="1">
+                <a:solidFill>
+                  <a:srgbClr val="007020"/>
+                </a:solidFill>
+                <a:latin typeface="Courier"/>
+              </a:rPr>
+              <a:t>with</a:t>
+            </a:r>
+            <a:r>
+              <a:rPr>
+                <a:latin typeface="Courier"/>
+              </a:rPr>
+              <a:t> </a:t>
+            </a:r>
+            <a:r>
+              <a:rPr>
+                <a:solidFill>
+                  <a:srgbClr val="008000"/>
+                </a:solidFill>
+                <a:latin typeface="Courier"/>
+              </a:rPr>
+              <a:t>open</a:t>
+            </a:r>
+            <a:r>
+              <a:rPr>
+                <a:latin typeface="Courier"/>
+              </a:rPr>
+              <a:t>(path, </a:t>
+            </a:r>
+            <a:r>
+              <a:rPr>
+                <a:solidFill>
+                  <a:srgbClr val="4070A0"/>
+                </a:solidFill>
+                <a:latin typeface="Courier"/>
+              </a:rPr>
+              <a:t>'w'</a:t>
+            </a:r>
+            <a:r>
+              <a:rPr>
+                <a:latin typeface="Courier"/>
+              </a:rPr>
+              <a:t>) </a:t>
+            </a:r>
+            <a:r>
+              <a:rPr b="1">
+                <a:solidFill>
+                  <a:srgbClr val="008000"/>
+                </a:solidFill>
+                <a:latin typeface="Courier"/>
+              </a:rPr>
+              <a:t>as</a:t>
+            </a:r>
+            <a:r>
+              <a:rPr>
+                <a:latin typeface="Courier"/>
+              </a:rPr>
+              <a:t> f:</a:t>
+            </a:r>
+            <a:br/>
+            <a:r>
+              <a:rPr>
+                <a:latin typeface="Courier"/>
+              </a:rPr>
+              <a:t>        f.write(pl_df.write_json())</a:t>
+            </a:r>
+          </a:p>
+          <a:p>
+            <a:pPr lvl="0"/>
+            <a:r>
+              <a:rPr/>
+              <a:t>And on the R side:</a:t>
+            </a:r>
+          </a:p>
+          <a:p>
+            <a:pPr lvl="0" indent="0" marL="0">
+              <a:buNone/>
+            </a:pPr>
+            <a:r>
+              <a:rPr/>
+              <a:t>. . .</a:t>
+            </a:r>
+          </a:p>
+          <a:p>
+            <a:pPr lvl="0" indent="0">
+              <a:buNone/>
+            </a:pPr>
+            <a:r>
+              <a:rPr>
+                <a:solidFill>
+                  <a:srgbClr val="06287E"/>
+                </a:solidFill>
+                <a:latin typeface="Courier"/>
+              </a:rPr>
+              <a:t>rxp_r</a:t>
+            </a:r>
+            <a:r>
+              <a:rPr>
+                <a:latin typeface="Courier"/>
+              </a:rPr>
+              <a:t>(</a:t>
+            </a:r>
+            <a:br/>
+            <a:r>
+              <a:rPr>
+                <a:latin typeface="Courier"/>
+              </a:rPr>
+              <a:t>  </a:t>
+            </a:r>
+            <a:r>
+              <a:rPr>
+                <a:solidFill>
+                  <a:srgbClr val="7D9029"/>
+                </a:solidFill>
+                <a:latin typeface="Courier"/>
+              </a:rPr>
+              <a:t>name =</a:t>
+            </a:r>
+            <a:r>
+              <a:rPr>
+                <a:latin typeface="Courier"/>
+              </a:rPr>
+              <a:t> </a:t>
+            </a:r>
+            <a:r>
+              <a:rPr>
+                <a:solidFill>
+                  <a:srgbClr val="4070A0"/>
+                </a:solidFill>
+                <a:latin typeface="Courier"/>
+              </a:rPr>
+              <a:t>"x"</a:t>
+            </a:r>
+            <a:r>
+              <a:rPr>
+                <a:latin typeface="Courier"/>
+              </a:rPr>
+              <a:t>,</a:t>
+            </a:r>
+            <a:br/>
+            <a:r>
+              <a:rPr>
+                <a:latin typeface="Courier"/>
+              </a:rPr>
+              <a:t>  </a:t>
+            </a:r>
+            <a:r>
+              <a:rPr>
+                <a:solidFill>
+                  <a:srgbClr val="7D9029"/>
+                </a:solidFill>
+                <a:latin typeface="Courier"/>
+              </a:rPr>
+              <a:t>expr =</a:t>
+            </a:r>
+            <a:r>
+              <a:rPr>
+                <a:latin typeface="Courier"/>
+              </a:rPr>
+              <a:t> </a:t>
+            </a:r>
+            <a:r>
+              <a:rPr>
+                <a:solidFill>
+                  <a:srgbClr val="06287E"/>
+                </a:solidFill>
+                <a:latin typeface="Courier"/>
+              </a:rPr>
+              <a:t>my_fun</a:t>
+            </a:r>
+            <a:r>
+              <a:rPr>
+                <a:latin typeface="Courier"/>
+              </a:rPr>
+              <a:t>(data),</a:t>
+            </a:r>
+            <a:br/>
+            <a:r>
+              <a:rPr>
+                <a:latin typeface="Courier"/>
+              </a:rPr>
+              <a:t>  </a:t>
+            </a:r>
+            <a:r>
+              <a:rPr>
+                <a:solidFill>
+                  <a:srgbClr val="7D9029"/>
+                </a:solidFill>
+                <a:latin typeface="Courier"/>
+              </a:rPr>
+              <a:t>unserialize_function =</a:t>
+            </a:r>
+            <a:r>
+              <a:rPr>
+                <a:latin typeface="Courier"/>
+              </a:rPr>
+              <a:t> </a:t>
+            </a:r>
+            <a:r>
+              <a:rPr>
+                <a:solidFill>
+                  <a:srgbClr val="4070A0"/>
+                </a:solidFill>
+                <a:latin typeface="Courier"/>
+              </a:rPr>
+              <a:t>"jsonlite::fromJSON"</a:t>
+            </a:r>
+            <a:br/>
+            <a:r>
+              <a:rPr>
+                <a:latin typeface="Courier"/>
+              </a:rPr>
+              <a:t>)</a:t>
             </a:r>
           </a:p>
         </p:txBody>
@@ -7590,7 +7649,7 @@
             </a:pPr>
             <a:r>
               <a:rPr/>
-              <a:t>To learn more:</a:t>
+              <a:t>Interactive demo</a:t>
             </a:r>
           </a:p>
         </p:txBody>
@@ -7610,30 +7669,18 @@
           <a:bodyPr/>
           <a:lstStyle/>
           <a:p>
-            <a:pPr lvl="0"/>
-            <a:r>
-              <a:rPr>
-                <a:hlinkClick r:id="rId2"/>
-              </a:rPr>
-              <a:t>Repository GitHub</a:t>
-            </a:r>
-          </a:p>
-          <a:p>
-            <a:pPr lvl="0"/>
-            <a:r>
-              <a:rPr>
-                <a:hlinkClick r:id="rId3"/>
-              </a:rPr>
-              <a:t>Website</a:t>
-            </a:r>
-          </a:p>
-          <a:p>
-            <a:pPr lvl="0"/>
-            <a:r>
-              <a:rPr>
-                <a:hlinkClick r:id="rId4"/>
-              </a:rPr>
-              <a:t>Repository of demos</a:t>
+            <a:pPr lvl="0" indent="0" marL="0">
+              <a:buNone/>
+            </a:pPr>
+            <a:r>
+              <a:rPr/>
+              <a:t>See </a:t>
+            </a:r>
+            <a:r>
+              <a:rPr>
+                <a:latin typeface="Courier"/>
+              </a:rPr>
+              <a:t>scripts/rixpress_demo</a:t>
             </a:r>
           </a:p>
         </p:txBody>
@@ -7644,6 +7691,96 @@
 </file>
 
 <file path=ppt/slides/slide36.xml><?xml version="1.0" encoding="utf-8"?>
+<p:sld xmlns:a="http://schemas.openxmlformats.org/drawingml/2006/main" xmlns:r="http://schemas.openxmlformats.org/officeDocument/2006/relationships" xmlns:p="http://schemas.openxmlformats.org/presentationml/2006/main">
+  <p:cSld>
+    <p:spTree>
+      <p:nvGrpSpPr>
+        <p:cNvPr id="1" name=""/>
+        <p:cNvGrpSpPr/>
+        <p:nvPr/>
+      </p:nvGrpSpPr>
+      <p:grpSpPr>
+        <a:xfrm>
+          <a:off x="0" y="0"/>
+          <a:ext cx="0" cy="0"/>
+          <a:chOff x="0" y="0"/>
+          <a:chExt cx="0" cy="0"/>
+        </a:xfrm>
+      </p:grpSpPr>
+      <p:sp>
+        <p:nvSpPr>
+          <p:cNvPr id="2" name="Title 1"/>
+          <p:cNvSpPr>
+            <a:spLocks noGrp="1"/>
+          </p:cNvSpPr>
+          <p:nvPr>
+            <p:ph type="title"/>
+          </p:nvPr>
+        </p:nvSpPr>
+        <p:spPr/>
+        <p:txBody>
+          <a:bodyPr/>
+          <a:lstStyle/>
+          <a:p>
+            <a:pPr lvl="0" indent="0" marL="0">
+              <a:buNone/>
+            </a:pPr>
+            <a:r>
+              <a:rPr/>
+              <a:t>To learn more:</a:t>
+            </a:r>
+          </a:p>
+        </p:txBody>
+      </p:sp>
+      <p:sp>
+        <p:nvSpPr>
+          <p:cNvPr id="3" name="Content Placeholder 2"/>
+          <p:cNvSpPr>
+            <a:spLocks noGrp="1"/>
+          </p:cNvSpPr>
+          <p:nvPr>
+            <p:ph idx="1"/>
+          </p:nvPr>
+        </p:nvSpPr>
+        <p:spPr/>
+        <p:txBody>
+          <a:bodyPr/>
+          <a:lstStyle/>
+          <a:p>
+            <a:pPr lvl="0"/>
+            <a:r>
+              <a:rPr>
+                <a:hlinkClick r:id="rId2"/>
+              </a:rPr>
+              <a:t>Repository GitHub</a:t>
+            </a:r>
+          </a:p>
+          <a:p>
+            <a:pPr lvl="0"/>
+            <a:r>
+              <a:rPr>
+                <a:hlinkClick r:id="rId3"/>
+              </a:rPr>
+              <a:t>Website</a:t>
+            </a:r>
+          </a:p>
+          <a:p>
+            <a:pPr lvl="0"/>
+            <a:r>
+              <a:rPr>
+                <a:hlinkClick r:id="rId4"/>
+              </a:rPr>
+              <a:t>Repository of demos</a:t>
+            </a:r>
+          </a:p>
+        </p:txBody>
+      </p:sp>
+    </p:spTree>
+  </p:cSld>
+</p:sld>
+</file>
+
+<file path=ppt/slides/slide37.xml><?xml version="1.0" encoding="utf-8"?>
 <p:sld xmlns:a="http://schemas.openxmlformats.org/drawingml/2006/main" xmlns:r="http://schemas.openxmlformats.org/officeDocument/2006/relationships" xmlns:p="http://schemas.openxmlformats.org/presentationml/2006/main">
   <p:cSld>
     <p:spTree>
@@ -8230,12 +8367,7 @@
             <p:ph type="title"/>
           </p:nvPr>
         </p:nvSpPr>
-        <p:spPr>
-          <a:xfrm>
-            <a:off x="722313" y="3305176"/>
-            <a:ext cx="7772400" cy="1021556"/>
-          </a:xfrm>
-        </p:spPr>
+        <p:spPr/>
         <p:txBody>
           <a:bodyPr/>
           <a:lstStyle/>
@@ -8245,7 +8377,68 @@
             </a:pPr>
             <a:r>
               <a:rPr/>
-              <a:t>Part 1: Reproducible environments for data science with {rix}</a:t>
+              <a:t>But why bother?</a:t>
+            </a:r>
+          </a:p>
+        </p:txBody>
+      </p:sp>
+      <p:sp>
+        <p:nvSpPr>
+          <p:cNvPr id="3" name="Content Placeholder 2"/>
+          <p:cNvSpPr>
+            <a:spLocks noGrp="1"/>
+          </p:cNvSpPr>
+          <p:nvPr>
+            <p:ph idx="1"/>
+          </p:nvPr>
+        </p:nvSpPr>
+        <p:spPr/>
+        <p:txBody>
+          <a:bodyPr/>
+          <a:lstStyle/>
+          <a:p>
+            <a:pPr lvl="0"/>
+            <a:r>
+              <a:rPr/>
+              <a:t>Easier to collaborate</a:t>
+            </a:r>
+          </a:p>
+          <a:p>
+            <a:pPr lvl="0"/>
+            <a:r>
+              <a:rPr/>
+              <a:t>Easier to reproduce</a:t>
+            </a:r>
+          </a:p>
+          <a:p>
+            <a:pPr lvl="0"/>
+            <a:r>
+              <a:rPr/>
+              <a:t>Easier to debug</a:t>
+            </a:r>
+          </a:p>
+          <a:p>
+            <a:pPr lvl="0"/>
+            <a:r>
+              <a:rPr/>
+              <a:t>Ultimately, peace of mind!</a:t>
+            </a:r>
+          </a:p>
+          <a:p>
+            <a:pPr lvl="0"/>
+            <a:r>
+              <a:rPr/>
+              <a:t>Also, see latest discussions around </a:t>
+            </a:r>
+            <a:r>
+              <a:rPr>
+                <a:latin typeface="Courier"/>
+              </a:rPr>
+              <a:t>{ggplot2}</a:t>
+            </a:r>
+            <a:r>
+              <a:rPr/>
+              <a:t> 4.0.0</a:t>
             </a:r>
           </a:p>
         </p:txBody>
@@ -8282,7 +8475,12 @@
             <p:ph type="title"/>
           </p:nvPr>
         </p:nvSpPr>
-        <p:spPr/>
+        <p:spPr>
+          <a:xfrm>
+            <a:off x="722313" y="3305176"/>
+            <a:ext cx="7772400" cy="1021556"/>
+          </a:xfrm>
+        </p:spPr>
         <p:txBody>
           <a:bodyPr/>
           <a:lstStyle/>
@@ -8292,96 +8490,7 @@
             </a:pPr>
             <a:r>
               <a:rPr/>
-              <a:t>Available solutions for R (1/2)</a:t>
-            </a:r>
-          </a:p>
-        </p:txBody>
-      </p:sp>
-      <p:sp>
-        <p:nvSpPr>
-          <p:cNvPr id="3" name="Content Placeholder 2"/>
-          <p:cNvSpPr>
-            <a:spLocks noGrp="1"/>
-          </p:cNvSpPr>
-          <p:nvPr>
-            <p:ph idx="1"/>
-          </p:nvPr>
-        </p:nvSpPr>
-        <p:spPr/>
-        <p:txBody>
-          <a:bodyPr/>
-          <a:lstStyle/>
-          <a:p>
-            <a:pPr lvl="0"/>
-            <a:r>
-              <a:rPr>
-                <a:latin typeface="Courier"/>
-              </a:rPr>
-              <a:t>{renv}</a:t>
-            </a:r>
-            <a:r>
-              <a:rPr/>
-              <a:t> or </a:t>
-            </a:r>
-            <a:r>
-              <a:rPr>
-                <a:latin typeface="Courier"/>
-              </a:rPr>
-              <a:t>{groundhog}</a:t>
-            </a:r>
-            <a:r>
-              <a:rPr/>
-              <a:t>: simple to use, but:</a:t>
-            </a:r>
-          </a:p>
-          <a:p>
-            <a:pPr lvl="1"/>
-            <a:r>
-              <a:rPr/>
-              <a:t>Doesn’t save the R version</a:t>
-            </a:r>
-          </a:p>
-          <a:p>
-            <a:pPr lvl="1"/>
-            <a:r>
-              <a:rPr/>
-              <a:t>Installing old packages may fail (system dependencies)</a:t>
-            </a:r>
-          </a:p>
-          <a:p>
-            <a:pPr lvl="0"/>
-            <a:r>
-              <a:rPr/>
-              <a:t>Docker goes further:</a:t>
-            </a:r>
-          </a:p>
-          <a:p>
-            <a:pPr lvl="1"/>
-            <a:r>
-              <a:rPr/>
-              <a:t>Manages R </a:t>
-            </a:r>
-            <a:r>
-              <a:rPr i="1"/>
-              <a:t>and</a:t>
-            </a:r>
-            <a:r>
-              <a:rPr/>
-              <a:t> system dependencies</a:t>
-            </a:r>
-          </a:p>
-          <a:p>
-            <a:pPr lvl="1"/>
-            <a:r>
-              <a:rPr/>
-              <a:t>Uses immutable and shareable img</a:t>
-            </a:r>
-          </a:p>
-          <a:p>
-            <a:pPr lvl="1"/>
-            <a:r>
-              <a:rPr/>
-              <a:t>Containers executable anywhere</a:t>
+              <a:t>Part 1: Reproducible environments for data science with {rix}</a:t>
             </a:r>
           </a:p>
         </p:txBody>
